--- a/DSC-640/TermProject/Task-2/DSC640_Venkat Jagadeesh Jampani_Task2.pptx
+++ b/DSC-640/TermProject/Task-2/DSC640_Venkat Jagadeesh Jampani_Task2.pptx
@@ -2,7 +2,7 @@
 <file path=ppt/presentation.xml><?xml version="1.0" encoding="utf-8"?>
 <p:presentation xmlns:a="http://schemas.openxmlformats.org/drawingml/2006/main" xmlns:r="http://schemas.openxmlformats.org/officeDocument/2006/relationships" xmlns:p="http://schemas.openxmlformats.org/presentationml/2006/main" saveSubsetFonts="1">
   <p:sldMasterIdLst>
-    <p:sldMasterId id="2147483660" r:id="rId1"/>
+    <p:sldMasterId id="2147483708" r:id="rId1"/>
   </p:sldMasterIdLst>
   <p:notesMasterIdLst>
     <p:notesMasterId r:id="rId14"/>
@@ -123,7 +123,7 @@
   </p:defaultTextStyle>
   <p:extLst>
     <p:ext uri="{EFAFB233-063F-42B5-8137-9DF3F51BA10A}">
-      <p15:sldGuideLst xmlns:p15="http://schemas.microsoft.com/office/powerpoint/2012/main" xmlns="">
+      <p15:sldGuideLst xmlns:p15="http://schemas.microsoft.com/office/powerpoint/2012/main">
         <p15:guide id="1" orient="horz" pos="2160">
           <p15:clr>
             <a:srgbClr val="A4A3A4"/>
@@ -212,7 +212,7 @@
       </p15:sldGuideLst>
     </p:ext>
     <p:ext uri="{2D200454-40CA-4A62-9FC3-DE9A4176ACB9}">
-      <p15:notesGuideLst xmlns:p15="http://schemas.microsoft.com/office/powerpoint/2012/main" xmlns="">
+      <p15:notesGuideLst xmlns:p15="http://schemas.microsoft.com/office/powerpoint/2012/main">
         <p15:guide id="1" orient="horz" pos="2880">
           <p15:clr>
             <a:srgbClr val="A4A3A4"/>
@@ -231,10 +231,17 @@
 
 <file path=ppt/commentAuthors.xml><?xml version="1.0" encoding="utf-8"?>
 <p:cmAuthorLst xmlns:a="http://schemas.openxmlformats.org/drawingml/2006/main" xmlns:r="http://schemas.openxmlformats.org/officeDocument/2006/relationships" xmlns:p="http://schemas.openxmlformats.org/presentationml/2006/main">
-  <p:cmAuthor id="1" name="Kesav Adithya Venkidusamy" initials="KAV" lastIdx="1" clrIdx="0">
-    <p:extLst/>
-  </p:cmAuthor>
+  <p:cmAuthor id="1" name="Kesav Adithya Venkidusamy" initials="KAV" lastIdx="1" clrIdx="0"/>
 </p:cmAuthorLst>
+</file>
+
+<file path=ppt/revisionInfo.xml><?xml version="1.0" encoding="utf-8"?>
+<p1510:revInfo xmlns:a="http://schemas.openxmlformats.org/drawingml/2006/main" xmlns:r="http://schemas.openxmlformats.org/officeDocument/2006/relationships" xmlns:p1510="http://schemas.microsoft.com/office/powerpoint/2015/10/main">
+  <p1510:revLst>
+    <p1510:client id="{4B1ADDC5-14E3-4A5D-C343-C1D76DD0B583}" v="23" dt="2023-05-27T03:56:44.271"/>
+    <p1510:client id="{EBCA842A-5D6A-9AB7-78EE-96B5344418D1}" v="593" dt="2023-05-26T05:38:17.349"/>
+  </p1510:revLst>
+</p1510:revInfo>
 </file>
 
 <file path=ppt/handoutMasters/handoutMaster1.xml><?xml version="1.0" encoding="utf-8"?>
@@ -319,7 +326,7 @@
           <a:p>
             <a:fld id="{004A8D02-4E65-4CCD-8312-4AB164C6C77D}" type="datetimeFigureOut">
               <a:rPr lang="en-US"/>
-              <a:t>5/25/2023</a:t>
+              <a:t>5/26/2023</a:t>
             </a:fld>
             <a:endParaRPr/>
           </a:p>
@@ -484,7 +491,7 @@
           <a:p>
             <a:fld id="{67A755D9-D361-47B8-9652-3B4EA9776CE5}" type="datetimeFigureOut">
               <a:rPr lang="en-US"/>
-              <a:t>5/25/2023</a:t>
+              <a:t>5/26/2023</a:t>
             </a:fld>
             <a:endParaRPr/>
           </a:p>
@@ -1447,25 +1454,22 @@
         </p:nvSpPr>
         <p:spPr>
           <a:xfrm>
-            <a:off x="2417150" y="802299"/>
-            <a:ext cx="8634824" cy="2541431"/>
+            <a:off x="1523603" y="1122363"/>
+            <a:ext cx="9141619" cy="2387600"/>
           </a:xfrm>
         </p:spPr>
         <p:txBody>
-          <a:bodyPr bIns="0" anchor="b">
-            <a:normAutofit/>
-          </a:bodyPr>
+          <a:bodyPr anchor="b"/>
           <a:lstStyle>
-            <a:lvl1pPr algn="l">
-              <a:defRPr sz="6598"/>
+            <a:lvl1pPr algn="ctr">
+              <a:defRPr sz="10664"/>
             </a:lvl1pPr>
           </a:lstStyle>
           <a:p>
             <a:r>
-              <a:rPr lang="en-US"/>
+              <a:rPr lang="en-US" dirty="0"/>
               <a:t>Click to edit Master title style</a:t>
             </a:r>
-            <a:endParaRPr lang="en-US" dirty="0"/>
           </a:p>
         </p:txBody>
       </p:sp>
@@ -1481,62 +1485,55 @@
         </p:nvSpPr>
         <p:spPr>
           <a:xfrm>
-            <a:off x="2417150" y="3531205"/>
-            <a:ext cx="8634823" cy="977621"/>
+            <a:off x="1523603" y="3602038"/>
+            <a:ext cx="9141619" cy="1655762"/>
           </a:xfrm>
         </p:spPr>
         <p:txBody>
-          <a:bodyPr tIns="91440" bIns="91440">
-            <a:normAutofit/>
-          </a:bodyPr>
+          <a:bodyPr/>
           <a:lstStyle>
-            <a:lvl1pPr marL="0" indent="0" algn="l">
+            <a:lvl1pPr marL="0" indent="0" algn="ctr">
               <a:buNone/>
-              <a:defRPr sz="1799" b="0" cap="all" baseline="0">
-                <a:solidFill>
-                  <a:schemeClr val="tx1"/>
-                </a:solidFill>
-              </a:defRPr>
+              <a:defRPr sz="4266"/>
             </a:lvl1pPr>
-            <a:lvl2pPr marL="457063" indent="0" algn="ctr">
+            <a:lvl2pPr marL="812582" indent="0" algn="ctr">
               <a:buNone/>
-              <a:defRPr sz="1799"/>
+              <a:defRPr sz="3555"/>
             </a:lvl2pPr>
-            <a:lvl3pPr marL="914126" indent="0" algn="ctr">
+            <a:lvl3pPr marL="1625163" indent="0" algn="ctr">
               <a:buNone/>
-              <a:defRPr sz="1799"/>
+              <a:defRPr sz="3199"/>
             </a:lvl3pPr>
-            <a:lvl4pPr marL="1371189" indent="0" algn="ctr">
+            <a:lvl4pPr marL="2437745" indent="0" algn="ctr">
               <a:buNone/>
-              <a:defRPr sz="1600"/>
+              <a:defRPr sz="2844"/>
             </a:lvl4pPr>
-            <a:lvl5pPr marL="1828251" indent="0" algn="ctr">
+            <a:lvl5pPr marL="3250326" indent="0" algn="ctr">
               <a:buNone/>
-              <a:defRPr sz="1600"/>
+              <a:defRPr sz="2844"/>
             </a:lvl5pPr>
-            <a:lvl6pPr marL="2285314" indent="0" algn="ctr">
+            <a:lvl6pPr marL="4062908" indent="0" algn="ctr">
               <a:buNone/>
-              <a:defRPr sz="1600"/>
+              <a:defRPr sz="2844"/>
             </a:lvl6pPr>
-            <a:lvl7pPr marL="2742377" indent="0" algn="ctr">
+            <a:lvl7pPr marL="4875489" indent="0" algn="ctr">
               <a:buNone/>
-              <a:defRPr sz="1600"/>
+              <a:defRPr sz="2844"/>
             </a:lvl7pPr>
-            <a:lvl8pPr marL="3199440" indent="0" algn="ctr">
+            <a:lvl8pPr marL="5688071" indent="0" algn="ctr">
               <a:buNone/>
-              <a:defRPr sz="1600"/>
+              <a:defRPr sz="2844"/>
             </a:lvl8pPr>
-            <a:lvl9pPr marL="3656503" indent="0" algn="ctr">
+            <a:lvl9pPr marL="6500652" indent="0" algn="ctr">
               <a:buNone/>
-              <a:defRPr sz="1600"/>
+              <a:defRPr sz="2844"/>
             </a:lvl9pPr>
           </a:lstStyle>
           <a:p>
             <a:r>
-              <a:rPr lang="en-US"/>
+              <a:rPr lang="en-US" dirty="0"/>
               <a:t>Click to edit Master subtitle style</a:t>
             </a:r>
-            <a:endParaRPr lang="en-US" dirty="0"/>
           </a:p>
         </p:txBody>
       </p:sp>
@@ -1555,9 +1552,9 @@
           <a:bodyPr/>
           <a:lstStyle/>
           <a:p>
-            <a:fld id="{83829175-527E-46A3-863C-1BB1F163B849}" type="datetimeFigureOut">
-              <a:rPr lang="en-US" smtClean="0"/>
-              <a:t>5/25/2023</a:t>
+            <a:fld id="{C764DE79-268F-4C1A-8933-263129D2AF90}" type="datetimeFigureOut">
+              <a:rPr lang="en-US" dirty="0"/>
+              <a:t>5/26/2023</a:t>
             </a:fld>
             <a:endParaRPr lang="en-US" dirty="0"/>
           </a:p>
@@ -1573,12 +1570,7 @@
             <p:ph type="ftr" sz="quarter" idx="11"/>
           </p:nvPr>
         </p:nvSpPr>
-        <p:spPr>
-          <a:xfrm>
-            <a:off x="2415871" y="329308"/>
-            <a:ext cx="4972620" cy="309201"/>
-          </a:xfrm>
-        </p:spPr>
+        <p:spPr/>
         <p:txBody>
           <a:bodyPr/>
           <a:lstStyle/>
@@ -1597,77 +1589,29 @@
             <p:ph type="sldNum" sz="quarter" idx="12"/>
           </p:nvPr>
         </p:nvSpPr>
-        <p:spPr>
-          <a:xfrm>
-            <a:off x="1437290" y="798973"/>
-            <a:ext cx="810808" cy="503578"/>
-          </a:xfrm>
-        </p:spPr>
+        <p:spPr/>
         <p:txBody>
           <a:bodyPr/>
           <a:lstStyle/>
           <a:p>
-            <a:fld id="{E5137D0E-4A4F-4307-8994-C1891D747D59}" type="slidenum">
-              <a:rPr lang="en-US" smtClean="0"/>
+            <a:fld id="{48F63A3B-78C7-47BE-AE5E-E10140E04643}" type="slidenum">
+              <a:rPr lang="en-US" dirty="0"/>
               <a:t>‹#›</a:t>
             </a:fld>
             <a:endParaRPr lang="en-US" dirty="0"/>
           </a:p>
         </p:txBody>
       </p:sp>
-      <p:cxnSp>
-        <p:nvCxnSpPr>
-          <p:cNvPr id="15" name="Straight Connector 14"/>
-          <p:cNvCxnSpPr/>
-          <p:nvPr/>
-        </p:nvCxnSpPr>
-        <p:spPr>
-          <a:xfrm>
-            <a:off x="2417150" y="3528542"/>
-            <a:ext cx="8634823" cy="0"/>
-          </a:xfrm>
-          <a:prstGeom prst="line">
-            <a:avLst/>
-          </a:prstGeom>
-          <a:ln w="31750"/>
-        </p:spPr>
-        <p:style>
-          <a:lnRef idx="3">
-            <a:schemeClr val="accent1"/>
-          </a:lnRef>
-          <a:fillRef idx="0">
-            <a:schemeClr val="accent1"/>
-          </a:fillRef>
-          <a:effectRef idx="2">
-            <a:schemeClr val="accent1"/>
-          </a:effectRef>
-          <a:fontRef idx="minor">
-            <a:schemeClr val="tx1"/>
-          </a:fontRef>
-        </p:style>
-      </p:cxnSp>
     </p:spTree>
     <p:extLst>
       <p:ext uri="{BB962C8B-B14F-4D97-AF65-F5344CB8AC3E}">
-        <p14:creationId xmlns:p14="http://schemas.microsoft.com/office/powerpoint/2010/main" val="1736823864"/>
+        <p14:creationId xmlns:p14="http://schemas.microsoft.com/office/powerpoint/2010/main" val="610181243"/>
       </p:ext>
     </p:extLst>
   </p:cSld>
   <p:clrMapOvr>
     <a:masterClrMapping/>
   </p:clrMapOvr>
-  <mc:AlternateContent xmlns:mc="http://schemas.openxmlformats.org/markup-compatibility/2006" xmlns:p14="http://schemas.microsoft.com/office/powerpoint/2010/main">
-    <mc:Choice Requires="p14">
-      <p:transition spd="med" p14:dur="700">
-        <p:fade/>
-      </p:transition>
-    </mc:Choice>
-    <mc:Fallback xmlns="">
-      <p:transition spd="med">
-        <p:fade/>
-      </p:transition>
-    </mc:Fallback>
-  </mc:AlternateContent>
 </p:sldLayout>
 </file>
 
@@ -1704,73 +1648,113 @@
           <a:lstStyle/>
           <a:p>
             <a:r>
-              <a:rPr lang="en-US"/>
+              <a:rPr lang="en-US" dirty="0"/>
               <a:t>Click to edit Master title style</a:t>
             </a:r>
+          </a:p>
+        </p:txBody>
+      </p:sp>
+      <p:sp>
+        <p:nvSpPr>
+          <p:cNvPr id="3" name="Vertical Text Placeholder 2"/>
+          <p:cNvSpPr>
+            <a:spLocks noGrp="1"/>
+          </p:cNvSpPr>
+          <p:nvPr>
+            <p:ph type="body" orient="vert" idx="1"/>
+          </p:nvPr>
+        </p:nvSpPr>
+        <p:spPr/>
+        <p:txBody>
+          <a:bodyPr vert="eaVert"/>
+          <a:lstStyle/>
+          <a:p>
+            <a:pPr lvl="0"/>
+            <a:r>
+              <a:rPr lang="en-US" dirty="0"/>
+              <a:t>Click to edit Master text styles</a:t>
+            </a:r>
+          </a:p>
+          <a:p>
+            <a:pPr lvl="1"/>
+            <a:r>
+              <a:rPr lang="en-US" dirty="0"/>
+              <a:t>Second level</a:t>
+            </a:r>
+          </a:p>
+          <a:p>
+            <a:pPr lvl="2"/>
+            <a:r>
+              <a:rPr lang="en-US" dirty="0"/>
+              <a:t>Third level</a:t>
+            </a:r>
+          </a:p>
+          <a:p>
+            <a:pPr lvl="3"/>
+            <a:r>
+              <a:rPr lang="en-US" dirty="0"/>
+              <a:t>Fourth level</a:t>
+            </a:r>
+          </a:p>
+          <a:p>
+            <a:pPr lvl="4"/>
+            <a:r>
+              <a:rPr lang="en-US" dirty="0"/>
+              <a:t>Fifth level</a:t>
+            </a:r>
+          </a:p>
+        </p:txBody>
+      </p:sp>
+      <p:sp>
+        <p:nvSpPr>
+          <p:cNvPr id="4" name="Date Placeholder 3"/>
+          <p:cNvSpPr>
+            <a:spLocks noGrp="1"/>
+          </p:cNvSpPr>
+          <p:nvPr>
+            <p:ph type="dt" sz="half" idx="10"/>
+          </p:nvPr>
+        </p:nvSpPr>
+        <p:spPr/>
+        <p:txBody>
+          <a:bodyPr/>
+          <a:lstStyle/>
+          <a:p>
+            <a:fld id="{C764DE79-268F-4C1A-8933-263129D2AF90}" type="datetimeFigureOut">
+              <a:rPr lang="en-US" dirty="0"/>
+              <a:t>5/26/2023</a:t>
+            </a:fld>
             <a:endParaRPr lang="en-US" dirty="0"/>
           </a:p>
         </p:txBody>
       </p:sp>
       <p:sp>
         <p:nvSpPr>
-          <p:cNvPr id="3" name="Vertical Text Placeholder 2"/>
-          <p:cNvSpPr>
-            <a:spLocks noGrp="1"/>
-          </p:cNvSpPr>
-          <p:nvPr>
-            <p:ph type="body" orient="vert" idx="1"/>
+          <p:cNvPr id="5" name="Footer Placeholder 4"/>
+          <p:cNvSpPr>
+            <a:spLocks noGrp="1"/>
+          </p:cNvSpPr>
+          <p:nvPr>
+            <p:ph type="ftr" sz="quarter" idx="11"/>
           </p:nvPr>
         </p:nvSpPr>
         <p:spPr/>
         <p:txBody>
-          <a:bodyPr vert="eaVert"/>
-          <a:lstStyle/>
-          <a:p>
-            <a:pPr lvl="0"/>
-            <a:r>
-              <a:rPr lang="en-US"/>
-              <a:t>Click to edit Master text styles</a:t>
-            </a:r>
-          </a:p>
-          <a:p>
-            <a:pPr lvl="1"/>
-            <a:r>
-              <a:rPr lang="en-US"/>
-              <a:t>Second level</a:t>
-            </a:r>
-          </a:p>
-          <a:p>
-            <a:pPr lvl="2"/>
-            <a:r>
-              <a:rPr lang="en-US"/>
-              <a:t>Third level</a:t>
-            </a:r>
-          </a:p>
-          <a:p>
-            <a:pPr lvl="3"/>
-            <a:r>
-              <a:rPr lang="en-US"/>
-              <a:t>Fourth level</a:t>
-            </a:r>
-          </a:p>
-          <a:p>
-            <a:pPr lvl="4"/>
-            <a:r>
-              <a:rPr lang="en-US"/>
-              <a:t>Fifth level</a:t>
-            </a:r>
+          <a:bodyPr/>
+          <a:lstStyle/>
+          <a:p>
             <a:endParaRPr lang="en-US" dirty="0"/>
           </a:p>
         </p:txBody>
       </p:sp>
       <p:sp>
         <p:nvSpPr>
-          <p:cNvPr id="4" name="Date Placeholder 3"/>
-          <p:cNvSpPr>
-            <a:spLocks noGrp="1"/>
-          </p:cNvSpPr>
-          <p:nvPr>
-            <p:ph type="dt" sz="half" idx="10"/>
+          <p:cNvPr id="6" name="Slide Number Placeholder 5"/>
+          <p:cNvSpPr>
+            <a:spLocks noGrp="1"/>
+          </p:cNvSpPr>
+          <p:nvPr>
+            <p:ph type="sldNum" sz="quarter" idx="12"/>
           </p:nvPr>
         </p:nvSpPr>
         <p:spPr/>
@@ -1778,109 +1762,24 @@
           <a:bodyPr/>
           <a:lstStyle/>
           <a:p>
-            <a:fld id="{83829175-527E-46A3-863C-1BB1F163B849}" type="datetimeFigureOut">
-              <a:rPr lang="en-US" smtClean="0"/>
-              <a:t>5/25/2023</a:t>
-            </a:fld>
-            <a:endParaRPr lang="en-US"/>
-          </a:p>
-        </p:txBody>
-      </p:sp>
-      <p:sp>
-        <p:nvSpPr>
-          <p:cNvPr id="5" name="Footer Placeholder 4"/>
-          <p:cNvSpPr>
-            <a:spLocks noGrp="1"/>
-          </p:cNvSpPr>
-          <p:nvPr>
-            <p:ph type="ftr" sz="quarter" idx="11"/>
-          </p:nvPr>
-        </p:nvSpPr>
-        <p:spPr/>
-        <p:txBody>
-          <a:bodyPr/>
-          <a:lstStyle/>
-          <a:p>
-            <a:endParaRPr lang="en-US" dirty="0"/>
-          </a:p>
-        </p:txBody>
-      </p:sp>
-      <p:sp>
-        <p:nvSpPr>
-          <p:cNvPr id="6" name="Slide Number Placeholder 5"/>
-          <p:cNvSpPr>
-            <a:spLocks noGrp="1"/>
-          </p:cNvSpPr>
-          <p:nvPr>
-            <p:ph type="sldNum" sz="quarter" idx="12"/>
-          </p:nvPr>
-        </p:nvSpPr>
-        <p:spPr/>
-        <p:txBody>
-          <a:bodyPr/>
-          <a:lstStyle/>
-          <a:p>
-            <a:fld id="{E5137D0E-4A4F-4307-8994-C1891D747D59}" type="slidenum">
-              <a:rPr lang="en-US" smtClean="0"/>
+            <a:fld id="{48F63A3B-78C7-47BE-AE5E-E10140E04643}" type="slidenum">
+              <a:rPr lang="en-US" dirty="0"/>
               <a:t>‹#›</a:t>
             </a:fld>
-            <a:endParaRPr lang="en-US"/>
-          </a:p>
-        </p:txBody>
-      </p:sp>
-      <p:cxnSp>
-        <p:nvCxnSpPr>
-          <p:cNvPr id="26" name="Straight Connector 25"/>
-          <p:cNvCxnSpPr/>
-          <p:nvPr/>
-        </p:nvCxnSpPr>
-        <p:spPr>
-          <a:xfrm>
-            <a:off x="1453517" y="1847088"/>
-            <a:ext cx="9605020" cy="0"/>
-          </a:xfrm>
-          <a:prstGeom prst="line">
-            <a:avLst/>
-          </a:prstGeom>
-          <a:ln w="31750"/>
-        </p:spPr>
-        <p:style>
-          <a:lnRef idx="3">
-            <a:schemeClr val="accent1"/>
-          </a:lnRef>
-          <a:fillRef idx="0">
-            <a:schemeClr val="accent1"/>
-          </a:fillRef>
-          <a:effectRef idx="2">
-            <a:schemeClr val="accent1"/>
-          </a:effectRef>
-          <a:fontRef idx="minor">
-            <a:schemeClr val="tx1"/>
-          </a:fontRef>
-        </p:style>
-      </p:cxnSp>
+            <a:endParaRPr lang="en-US" dirty="0"/>
+          </a:p>
+        </p:txBody>
+      </p:sp>
     </p:spTree>
     <p:extLst>
       <p:ext uri="{BB962C8B-B14F-4D97-AF65-F5344CB8AC3E}">
-        <p14:creationId xmlns:p14="http://schemas.microsoft.com/office/powerpoint/2010/main" val="3283532385"/>
+        <p14:creationId xmlns:p14="http://schemas.microsoft.com/office/powerpoint/2010/main" val="769451287"/>
       </p:ext>
     </p:extLst>
   </p:cSld>
   <p:clrMapOvr>
     <a:masterClrMapping/>
   </p:clrMapOvr>
-  <mc:AlternateContent xmlns:mc="http://schemas.openxmlformats.org/markup-compatibility/2006" xmlns:p14="http://schemas.microsoft.com/office/powerpoint/2010/main">
-    <mc:Choice Requires="p14">
-      <p:transition spd="med" p14:dur="700">
-        <p:fade/>
-      </p:transition>
-    </mc:Choice>
-    <mc:Fallback xmlns="">
-      <p:transition spd="med">
-        <p:fade/>
-      </p:transition>
-    </mc:Fallback>
-  </mc:AlternateContent>
 </p:sldLayout>
 </file>
 
@@ -1913,23 +1812,18 @@
         </p:nvSpPr>
         <p:spPr>
           <a:xfrm>
-            <a:off x="9436653" y="798974"/>
-            <a:ext cx="1615321" cy="4659889"/>
+            <a:off x="8722628" y="365125"/>
+            <a:ext cx="2628215" cy="5811838"/>
           </a:xfrm>
         </p:spPr>
         <p:txBody>
           <a:bodyPr vert="eaVert"/>
-          <a:lstStyle>
-            <a:lvl1pPr algn="l">
-              <a:defRPr/>
-            </a:lvl1pPr>
-          </a:lstStyle>
-          <a:p>
-            <a:r>
-              <a:rPr lang="en-US"/>
+          <a:lstStyle/>
+          <a:p>
+            <a:r>
+              <a:rPr lang="en-US" dirty="0"/>
               <a:t>Click to edit Master title style</a:t>
             </a:r>
-            <a:endParaRPr lang="en-US" dirty="0"/>
           </a:p>
         </p:txBody>
       </p:sp>
@@ -1945,8 +1839,8 @@
         </p:nvSpPr>
         <p:spPr>
           <a:xfrm>
-            <a:off x="1444296" y="798974"/>
-            <a:ext cx="7826791" cy="4659889"/>
+            <a:off x="837982" y="365125"/>
+            <a:ext cx="7732286" cy="5811838"/>
           </a:xfrm>
         </p:spPr>
         <p:txBody>
@@ -1955,49 +1849,71 @@
           <a:p>
             <a:pPr lvl="0"/>
             <a:r>
-              <a:rPr lang="en-US"/>
+              <a:rPr lang="en-US" dirty="0"/>
               <a:t>Click to edit Master text styles</a:t>
             </a:r>
           </a:p>
           <a:p>
             <a:pPr lvl="1"/>
             <a:r>
-              <a:rPr lang="en-US"/>
+              <a:rPr lang="en-US" dirty="0"/>
               <a:t>Second level</a:t>
             </a:r>
           </a:p>
           <a:p>
             <a:pPr lvl="2"/>
             <a:r>
-              <a:rPr lang="en-US"/>
+              <a:rPr lang="en-US" dirty="0"/>
               <a:t>Third level</a:t>
             </a:r>
           </a:p>
           <a:p>
             <a:pPr lvl="3"/>
             <a:r>
-              <a:rPr lang="en-US"/>
+              <a:rPr lang="en-US" dirty="0"/>
               <a:t>Fourth level</a:t>
             </a:r>
           </a:p>
           <a:p>
             <a:pPr lvl="4"/>
             <a:r>
-              <a:rPr lang="en-US"/>
+              <a:rPr lang="en-US" dirty="0"/>
               <a:t>Fifth level</a:t>
             </a:r>
+          </a:p>
+        </p:txBody>
+      </p:sp>
+      <p:sp>
+        <p:nvSpPr>
+          <p:cNvPr id="4" name="Date Placeholder 3"/>
+          <p:cNvSpPr>
+            <a:spLocks noGrp="1"/>
+          </p:cNvSpPr>
+          <p:nvPr>
+            <p:ph type="dt" sz="half" idx="10"/>
+          </p:nvPr>
+        </p:nvSpPr>
+        <p:spPr/>
+        <p:txBody>
+          <a:bodyPr/>
+          <a:lstStyle/>
+          <a:p>
+            <a:fld id="{C764DE79-268F-4C1A-8933-263129D2AF90}" type="datetimeFigureOut">
+              <a:rPr lang="en-US" dirty="0"/>
+              <a:t>5/26/2023</a:t>
+            </a:fld>
             <a:endParaRPr lang="en-US" dirty="0"/>
           </a:p>
         </p:txBody>
       </p:sp>
       <p:sp>
         <p:nvSpPr>
-          <p:cNvPr id="4" name="Date Placeholder 3"/>
-          <p:cNvSpPr>
-            <a:spLocks noGrp="1"/>
-          </p:cNvSpPr>
-          <p:nvPr>
-            <p:ph type="dt" sz="half" idx="10"/>
+          <p:cNvPr id="5" name="Footer Placeholder 4"/>
+          <p:cNvSpPr>
+            <a:spLocks noGrp="1"/>
+          </p:cNvSpPr>
+          <p:nvPr>
+            <p:ph type="ftr" sz="quarter" idx="11"/>
           </p:nvPr>
         </p:nvSpPr>
         <p:spPr/>
@@ -2005,22 +1921,18 @@
           <a:bodyPr/>
           <a:lstStyle/>
           <a:p>
-            <a:fld id="{83829175-527E-46A3-863C-1BB1F163B849}" type="datetimeFigureOut">
-              <a:rPr lang="en-US" smtClean="0"/>
-              <a:t>5/25/2023</a:t>
-            </a:fld>
-            <a:endParaRPr lang="en-US"/>
-          </a:p>
-        </p:txBody>
-      </p:sp>
-      <p:sp>
-        <p:nvSpPr>
-          <p:cNvPr id="5" name="Footer Placeholder 4"/>
-          <p:cNvSpPr>
-            <a:spLocks noGrp="1"/>
-          </p:cNvSpPr>
-          <p:nvPr>
-            <p:ph type="ftr" sz="quarter" idx="11"/>
+            <a:endParaRPr lang="en-US" dirty="0"/>
+          </a:p>
+        </p:txBody>
+      </p:sp>
+      <p:sp>
+        <p:nvSpPr>
+          <p:cNvPr id="6" name="Slide Number Placeholder 5"/>
+          <p:cNvSpPr>
+            <a:spLocks noGrp="1"/>
+          </p:cNvSpPr>
+          <p:nvPr>
+            <p:ph type="sldNum" sz="quarter" idx="12"/>
           </p:nvPr>
         </p:nvSpPr>
         <p:spPr/>
@@ -2028,86 +1940,24 @@
           <a:bodyPr/>
           <a:lstStyle/>
           <a:p>
-            <a:endParaRPr lang="en-US"/>
-          </a:p>
-        </p:txBody>
-      </p:sp>
-      <p:sp>
-        <p:nvSpPr>
-          <p:cNvPr id="6" name="Slide Number Placeholder 5"/>
-          <p:cNvSpPr>
-            <a:spLocks noGrp="1"/>
-          </p:cNvSpPr>
-          <p:nvPr>
-            <p:ph type="sldNum" sz="quarter" idx="12"/>
-          </p:nvPr>
-        </p:nvSpPr>
-        <p:spPr/>
-        <p:txBody>
-          <a:bodyPr/>
-          <a:lstStyle/>
-          <a:p>
-            <a:fld id="{E5137D0E-4A4F-4307-8994-C1891D747D59}" type="slidenum">
-              <a:rPr lang="en-US" smtClean="0"/>
+            <a:fld id="{48F63A3B-78C7-47BE-AE5E-E10140E04643}" type="slidenum">
+              <a:rPr lang="en-US" dirty="0"/>
               <a:t>‹#›</a:t>
             </a:fld>
-            <a:endParaRPr lang="en-US"/>
-          </a:p>
-        </p:txBody>
-      </p:sp>
-      <p:cxnSp>
-        <p:nvCxnSpPr>
-          <p:cNvPr id="15" name="Straight Connector 14"/>
-          <p:cNvCxnSpPr/>
-          <p:nvPr/>
-        </p:nvCxnSpPr>
-        <p:spPr>
-          <a:xfrm>
-            <a:off x="9436653" y="798974"/>
-            <a:ext cx="0" cy="4659889"/>
-          </a:xfrm>
-          <a:prstGeom prst="line">
-            <a:avLst/>
-          </a:prstGeom>
-          <a:ln w="31750"/>
-        </p:spPr>
-        <p:style>
-          <a:lnRef idx="3">
-            <a:schemeClr val="accent1"/>
-          </a:lnRef>
-          <a:fillRef idx="0">
-            <a:schemeClr val="accent1"/>
-          </a:fillRef>
-          <a:effectRef idx="2">
-            <a:schemeClr val="accent1"/>
-          </a:effectRef>
-          <a:fontRef idx="minor">
-            <a:schemeClr val="tx1"/>
-          </a:fontRef>
-        </p:style>
-      </p:cxnSp>
+            <a:endParaRPr lang="en-US" dirty="0"/>
+          </a:p>
+        </p:txBody>
+      </p:sp>
     </p:spTree>
     <p:extLst>
       <p:ext uri="{BB962C8B-B14F-4D97-AF65-F5344CB8AC3E}">
-        <p14:creationId xmlns:p14="http://schemas.microsoft.com/office/powerpoint/2010/main" val="2417098550"/>
+        <p14:creationId xmlns:p14="http://schemas.microsoft.com/office/powerpoint/2010/main" val="1389575775"/>
       </p:ext>
     </p:extLst>
   </p:cSld>
   <p:clrMapOvr>
     <a:masterClrMapping/>
   </p:clrMapOvr>
-  <mc:AlternateContent xmlns:mc="http://schemas.openxmlformats.org/markup-compatibility/2006" xmlns:p14="http://schemas.microsoft.com/office/powerpoint/2010/main">
-    <mc:Choice Requires="p14">
-      <p:transition spd="med" p14:dur="700">
-        <p:fade/>
-      </p:transition>
-    </mc:Choice>
-    <mc:Fallback xmlns="">
-      <p:transition spd="med">
-        <p:fade/>
-      </p:transition>
-    </mc:Fallback>
-  </mc:AlternateContent>
 </p:sldLayout>
 </file>
 
@@ -2144,10 +1994,9 @@
           <a:lstStyle/>
           <a:p>
             <a:r>
-              <a:rPr lang="en-US"/>
+              <a:rPr lang="en-US" dirty="0"/>
               <a:t>Click to edit Master title style</a:t>
             </a:r>
-            <a:endParaRPr lang="en-US" dirty="0"/>
           </a:p>
         </p:txBody>
       </p:sp>
@@ -2163,43 +2012,42 @@
         </p:nvSpPr>
         <p:spPr/>
         <p:txBody>
-          <a:bodyPr anchor="t"/>
+          <a:bodyPr/>
           <a:lstStyle/>
           <a:p>
             <a:pPr lvl="0"/>
             <a:r>
-              <a:rPr lang="en-US"/>
+              <a:rPr lang="en-US" dirty="0"/>
               <a:t>Click to edit Master text styles</a:t>
             </a:r>
           </a:p>
           <a:p>
             <a:pPr lvl="1"/>
             <a:r>
-              <a:rPr lang="en-US"/>
+              <a:rPr lang="en-US" dirty="0"/>
               <a:t>Second level</a:t>
             </a:r>
           </a:p>
           <a:p>
             <a:pPr lvl="2"/>
             <a:r>
-              <a:rPr lang="en-US"/>
+              <a:rPr lang="en-US" dirty="0"/>
               <a:t>Third level</a:t>
             </a:r>
           </a:p>
           <a:p>
             <a:pPr lvl="3"/>
             <a:r>
-              <a:rPr lang="en-US"/>
+              <a:rPr lang="en-US" dirty="0"/>
               <a:t>Fourth level</a:t>
             </a:r>
           </a:p>
           <a:p>
             <a:pPr lvl="4"/>
             <a:r>
-              <a:rPr lang="en-US"/>
+              <a:rPr lang="en-US" dirty="0"/>
               <a:t>Fifth level</a:t>
             </a:r>
-            <a:endParaRPr lang="en-US" dirty="0"/>
           </a:p>
         </p:txBody>
       </p:sp>
@@ -2218,9 +2066,9 @@
           <a:bodyPr/>
           <a:lstStyle/>
           <a:p>
-            <a:fld id="{83829175-527E-46A3-863C-1BB1F163B849}" type="datetimeFigureOut">
-              <a:rPr lang="en-US" smtClean="0"/>
-              <a:t>5/25/2023</a:t>
+            <a:fld id="{C764DE79-268F-4C1A-8933-263129D2AF90}" type="datetimeFigureOut">
+              <a:rPr lang="en-US" dirty="0"/>
+              <a:t>5/26/2023</a:t>
             </a:fld>
             <a:endParaRPr lang="en-US" dirty="0"/>
           </a:p>
@@ -2260,67 +2108,24 @@
           <a:bodyPr/>
           <a:lstStyle/>
           <a:p>
-            <a:fld id="{E5137D0E-4A4F-4307-8994-C1891D747D59}" type="slidenum">
-              <a:rPr lang="en-US" smtClean="0"/>
+            <a:fld id="{48F63A3B-78C7-47BE-AE5E-E10140E04643}" type="slidenum">
+              <a:rPr lang="en-US" dirty="0"/>
               <a:t>‹#›</a:t>
             </a:fld>
             <a:endParaRPr lang="en-US" dirty="0"/>
           </a:p>
         </p:txBody>
       </p:sp>
-      <p:cxnSp>
-        <p:nvCxnSpPr>
-          <p:cNvPr id="33" name="Straight Connector 32"/>
-          <p:cNvCxnSpPr/>
-          <p:nvPr/>
-        </p:nvCxnSpPr>
-        <p:spPr>
-          <a:xfrm>
-            <a:off x="1453517" y="1847088"/>
-            <a:ext cx="9605020" cy="0"/>
-          </a:xfrm>
-          <a:prstGeom prst="line">
-            <a:avLst/>
-          </a:prstGeom>
-          <a:ln w="31750"/>
-        </p:spPr>
-        <p:style>
-          <a:lnRef idx="3">
-            <a:schemeClr val="accent1"/>
-          </a:lnRef>
-          <a:fillRef idx="0">
-            <a:schemeClr val="accent1"/>
-          </a:fillRef>
-          <a:effectRef idx="2">
-            <a:schemeClr val="accent1"/>
-          </a:effectRef>
-          <a:fontRef idx="minor">
-            <a:schemeClr val="tx1"/>
-          </a:fontRef>
-        </p:style>
-      </p:cxnSp>
     </p:spTree>
     <p:extLst>
       <p:ext uri="{BB962C8B-B14F-4D97-AF65-F5344CB8AC3E}">
-        <p14:creationId xmlns:p14="http://schemas.microsoft.com/office/powerpoint/2010/main" val="3868420588"/>
+        <p14:creationId xmlns:p14="http://schemas.microsoft.com/office/powerpoint/2010/main" val="165910900"/>
       </p:ext>
     </p:extLst>
   </p:cSld>
   <p:clrMapOvr>
     <a:masterClrMapping/>
   </p:clrMapOvr>
-  <mc:AlternateContent xmlns:mc="http://schemas.openxmlformats.org/markup-compatibility/2006" xmlns:p14="http://schemas.microsoft.com/office/powerpoint/2010/main">
-    <mc:Choice Requires="p14">
-      <p:transition spd="med" p14:dur="700">
-        <p:fade/>
-      </p:transition>
-    </mc:Choice>
-    <mc:Fallback xmlns="">
-      <p:transition spd="med">
-        <p:fade/>
-      </p:transition>
-    </mc:Fallback>
-  </mc:AlternateContent>
 </p:sldLayout>
 </file>
 
@@ -2353,25 +2158,22 @@
         </p:nvSpPr>
         <p:spPr>
           <a:xfrm>
-            <a:off x="1453860" y="1756130"/>
-            <a:ext cx="8640903" cy="1887950"/>
+            <a:off x="831633" y="1709739"/>
+            <a:ext cx="10512862" cy="2852737"/>
           </a:xfrm>
         </p:spPr>
         <p:txBody>
-          <a:bodyPr anchor="b">
-            <a:normAutofit/>
-          </a:bodyPr>
+          <a:bodyPr anchor="b"/>
           <a:lstStyle>
-            <a:lvl1pPr algn="l">
-              <a:defRPr sz="3599"/>
+            <a:lvl1pPr>
+              <a:defRPr sz="10664"/>
             </a:lvl1pPr>
           </a:lstStyle>
           <a:p>
             <a:r>
-              <a:rPr lang="en-US"/>
+              <a:rPr lang="en-US" dirty="0"/>
               <a:t>Click to edit Master title style</a:t>
             </a:r>
-            <a:endParaRPr lang="en-US" dirty="0"/>
           </a:p>
         </p:txBody>
       </p:sp>
@@ -2387,26 +2189,26 @@
         </p:nvSpPr>
         <p:spPr>
           <a:xfrm>
-            <a:off x="1453861" y="3806196"/>
-            <a:ext cx="8628198" cy="1012929"/>
+            <a:off x="831633" y="4589464"/>
+            <a:ext cx="10512862" cy="1500187"/>
           </a:xfrm>
         </p:spPr>
         <p:txBody>
-          <a:bodyPr tIns="91440">
-            <a:normAutofit/>
-          </a:bodyPr>
+          <a:bodyPr/>
           <a:lstStyle>
-            <a:lvl1pPr marL="0" indent="0" algn="l">
+            <a:lvl1pPr marL="0" indent="0">
               <a:buNone/>
-              <a:defRPr sz="1799">
+              <a:defRPr sz="4266">
                 <a:solidFill>
-                  <a:schemeClr val="tx1"/>
+                  <a:schemeClr val="tx1">
+                    <a:tint val="75000"/>
+                  </a:schemeClr>
                 </a:solidFill>
               </a:defRPr>
             </a:lvl1pPr>
-            <a:lvl2pPr marL="457063" indent="0">
+            <a:lvl2pPr marL="812582" indent="0">
               <a:buNone/>
-              <a:defRPr sz="1799">
+              <a:defRPr sz="3555">
                 <a:solidFill>
                   <a:schemeClr val="tx1">
                     <a:tint val="75000"/>
@@ -2414,9 +2216,9 @@
                 </a:solidFill>
               </a:defRPr>
             </a:lvl2pPr>
-            <a:lvl3pPr marL="914126" indent="0">
+            <a:lvl3pPr marL="1625163" indent="0">
               <a:buNone/>
-              <a:defRPr sz="1799">
+              <a:defRPr sz="3199">
                 <a:solidFill>
                   <a:schemeClr val="tx1">
                     <a:tint val="75000"/>
@@ -2424,9 +2226,9 @@
                 </a:solidFill>
               </a:defRPr>
             </a:lvl3pPr>
-            <a:lvl4pPr marL="1371189" indent="0">
+            <a:lvl4pPr marL="2437745" indent="0">
               <a:buNone/>
-              <a:defRPr sz="1600">
+              <a:defRPr sz="2844">
                 <a:solidFill>
                   <a:schemeClr val="tx1">
                     <a:tint val="75000"/>
@@ -2434,9 +2236,9 @@
                 </a:solidFill>
               </a:defRPr>
             </a:lvl4pPr>
-            <a:lvl5pPr marL="1828251" indent="0">
+            <a:lvl5pPr marL="3250326" indent="0">
               <a:buNone/>
-              <a:defRPr sz="1600">
+              <a:defRPr sz="2844">
                 <a:solidFill>
                   <a:schemeClr val="tx1">
                     <a:tint val="75000"/>
@@ -2444,9 +2246,9 @@
                 </a:solidFill>
               </a:defRPr>
             </a:lvl5pPr>
-            <a:lvl6pPr marL="2285314" indent="0">
+            <a:lvl6pPr marL="4062908" indent="0">
               <a:buNone/>
-              <a:defRPr sz="1600">
+              <a:defRPr sz="2844">
                 <a:solidFill>
                   <a:schemeClr val="tx1">
                     <a:tint val="75000"/>
@@ -2454,9 +2256,9 @@
                 </a:solidFill>
               </a:defRPr>
             </a:lvl6pPr>
-            <a:lvl7pPr marL="2742377" indent="0">
+            <a:lvl7pPr marL="4875489" indent="0">
               <a:buNone/>
-              <a:defRPr sz="1600">
+              <a:defRPr sz="2844">
                 <a:solidFill>
                   <a:schemeClr val="tx1">
                     <a:tint val="75000"/>
@@ -2464,9 +2266,9 @@
                 </a:solidFill>
               </a:defRPr>
             </a:lvl7pPr>
-            <a:lvl8pPr marL="3199440" indent="0">
+            <a:lvl8pPr marL="5688071" indent="0">
               <a:buNone/>
-              <a:defRPr sz="1600">
+              <a:defRPr sz="2844">
                 <a:solidFill>
                   <a:schemeClr val="tx1">
                     <a:tint val="75000"/>
@@ -2474,9 +2276,9 @@
                 </a:solidFill>
               </a:defRPr>
             </a:lvl8pPr>
-            <a:lvl9pPr marL="3656503" indent="0">
+            <a:lvl9pPr marL="6500652" indent="0">
               <a:buNone/>
-              <a:defRPr sz="1600">
+              <a:defRPr sz="2844">
                 <a:solidFill>
                   <a:schemeClr val="tx1">
                     <a:tint val="75000"/>
@@ -2488,7 +2290,7 @@
           <a:p>
             <a:pPr lvl="0"/>
             <a:r>
-              <a:rPr lang="en-US"/>
+              <a:rPr lang="en-US" dirty="0"/>
               <a:t>Click to edit Master text styles</a:t>
             </a:r>
           </a:p>
@@ -2509,9 +2311,9 @@
           <a:bodyPr/>
           <a:lstStyle/>
           <a:p>
-            <a:fld id="{83829175-527E-46A3-863C-1BB1F163B849}" type="datetimeFigureOut">
-              <a:rPr lang="en-US" smtClean="0"/>
-              <a:t>5/25/2023</a:t>
+            <a:fld id="{C764DE79-268F-4C1A-8933-263129D2AF90}" type="datetimeFigureOut">
+              <a:rPr lang="en-US" dirty="0"/>
+              <a:t>5/26/2023</a:t>
             </a:fld>
             <a:endParaRPr lang="en-US" dirty="0"/>
           </a:p>
@@ -2551,67 +2353,24 @@
           <a:bodyPr/>
           <a:lstStyle/>
           <a:p>
-            <a:fld id="{E5137D0E-4A4F-4307-8994-C1891D747D59}" type="slidenum">
-              <a:rPr lang="en-US" smtClean="0"/>
+            <a:fld id="{48F63A3B-78C7-47BE-AE5E-E10140E04643}" type="slidenum">
+              <a:rPr lang="en-US" dirty="0"/>
               <a:t>‹#›</a:t>
             </a:fld>
             <a:endParaRPr lang="en-US" dirty="0"/>
           </a:p>
         </p:txBody>
       </p:sp>
-      <p:cxnSp>
-        <p:nvCxnSpPr>
-          <p:cNvPr id="15" name="Straight Connector 14"/>
-          <p:cNvCxnSpPr/>
-          <p:nvPr/>
-        </p:nvCxnSpPr>
-        <p:spPr>
-          <a:xfrm>
-            <a:off x="1453861" y="3804985"/>
-            <a:ext cx="8628198" cy="0"/>
-          </a:xfrm>
-          <a:prstGeom prst="line">
-            <a:avLst/>
-          </a:prstGeom>
-          <a:ln w="31750"/>
-        </p:spPr>
-        <p:style>
-          <a:lnRef idx="3">
-            <a:schemeClr val="accent1"/>
-          </a:lnRef>
-          <a:fillRef idx="0">
-            <a:schemeClr val="accent1"/>
-          </a:fillRef>
-          <a:effectRef idx="2">
-            <a:schemeClr val="accent1"/>
-          </a:effectRef>
-          <a:fontRef idx="minor">
-            <a:schemeClr val="tx1"/>
-          </a:fontRef>
-        </p:style>
-      </p:cxnSp>
     </p:spTree>
     <p:extLst>
       <p:ext uri="{BB962C8B-B14F-4D97-AF65-F5344CB8AC3E}">
-        <p14:creationId xmlns:p14="http://schemas.microsoft.com/office/powerpoint/2010/main" val="913426259"/>
+        <p14:creationId xmlns:p14="http://schemas.microsoft.com/office/powerpoint/2010/main" val="3422609326"/>
       </p:ext>
     </p:extLst>
   </p:cSld>
   <p:clrMapOvr>
     <a:masterClrMapping/>
   </p:clrMapOvr>
-  <mc:AlternateContent xmlns:mc="http://schemas.openxmlformats.org/markup-compatibility/2006" xmlns:p14="http://schemas.microsoft.com/office/powerpoint/2010/main">
-    <mc:Choice Requires="p14">
-      <p:transition spd="med" p14:dur="700">
-        <p:fade/>
-      </p:transition>
-    </mc:Choice>
-    <mc:Fallback xmlns="">
-      <p:transition spd="med">
-        <p:fade/>
-      </p:transition>
-    </mc:Fallback>
-  </mc:AlternateContent>
 </p:sldLayout>
 </file>
 
@@ -2642,38 +2401,88 @@
             <p:ph type="title"/>
           </p:nvPr>
         </p:nvSpPr>
+        <p:spPr/>
+        <p:txBody>
+          <a:bodyPr/>
+          <a:lstStyle/>
+          <a:p>
+            <a:r>
+              <a:rPr lang="en-US" dirty="0"/>
+              <a:t>Click to edit Master title style</a:t>
+            </a:r>
+          </a:p>
+        </p:txBody>
+      </p:sp>
+      <p:sp>
+        <p:nvSpPr>
+          <p:cNvPr id="3" name="Content Placeholder 2"/>
+          <p:cNvSpPr>
+            <a:spLocks noGrp="1"/>
+          </p:cNvSpPr>
+          <p:nvPr>
+            <p:ph sz="half" idx="1"/>
+          </p:nvPr>
+        </p:nvSpPr>
         <p:spPr>
           <a:xfrm>
-            <a:off x="1448840" y="804890"/>
-            <a:ext cx="9603134" cy="1059305"/>
+            <a:off x="837982" y="1825625"/>
+            <a:ext cx="5180251" cy="4351338"/>
           </a:xfrm>
         </p:spPr>
         <p:txBody>
           <a:bodyPr/>
           <a:lstStyle/>
           <a:p>
-            <a:r>
-              <a:rPr lang="en-US"/>
-              <a:t>Click to edit Master title style</a:t>
-            </a:r>
-            <a:endParaRPr lang="en-US" dirty="0"/>
-          </a:p>
-        </p:txBody>
-      </p:sp>
-      <p:sp>
-        <p:nvSpPr>
-          <p:cNvPr id="3" name="Content Placeholder 2"/>
-          <p:cNvSpPr>
-            <a:spLocks noGrp="1"/>
-          </p:cNvSpPr>
-          <p:nvPr>
-            <p:ph sz="half" idx="1"/>
+            <a:pPr lvl="0"/>
+            <a:r>
+              <a:rPr lang="en-US" dirty="0"/>
+              <a:t>Click to edit Master text styles</a:t>
+            </a:r>
+          </a:p>
+          <a:p>
+            <a:pPr lvl="1"/>
+            <a:r>
+              <a:rPr lang="en-US" dirty="0"/>
+              <a:t>Second level</a:t>
+            </a:r>
+          </a:p>
+          <a:p>
+            <a:pPr lvl="2"/>
+            <a:r>
+              <a:rPr lang="en-US" dirty="0"/>
+              <a:t>Third level</a:t>
+            </a:r>
+          </a:p>
+          <a:p>
+            <a:pPr lvl="3"/>
+            <a:r>
+              <a:rPr lang="en-US" dirty="0"/>
+              <a:t>Fourth level</a:t>
+            </a:r>
+          </a:p>
+          <a:p>
+            <a:pPr lvl="4"/>
+            <a:r>
+              <a:rPr lang="en-US" dirty="0"/>
+              <a:t>Fifth level</a:t>
+            </a:r>
+          </a:p>
+        </p:txBody>
+      </p:sp>
+      <p:sp>
+        <p:nvSpPr>
+          <p:cNvPr id="4" name="Content Placeholder 3"/>
+          <p:cNvSpPr>
+            <a:spLocks noGrp="1"/>
+          </p:cNvSpPr>
+          <p:nvPr>
+            <p:ph sz="half" idx="2"/>
           </p:nvPr>
         </p:nvSpPr>
         <p:spPr>
           <a:xfrm>
-            <a:off x="1446954" y="2010879"/>
-            <a:ext cx="4643942" cy="3448595"/>
+            <a:off x="6170592" y="1825625"/>
+            <a:ext cx="5180251" cy="4351338"/>
           </a:xfrm>
         </p:spPr>
         <p:txBody>
@@ -2682,106 +2491,90 @@
           <a:p>
             <a:pPr lvl="0"/>
             <a:r>
-              <a:rPr lang="en-US"/>
+              <a:rPr lang="en-US" dirty="0"/>
               <a:t>Click to edit Master text styles</a:t>
             </a:r>
           </a:p>
           <a:p>
             <a:pPr lvl="1"/>
             <a:r>
-              <a:rPr lang="en-US"/>
+              <a:rPr lang="en-US" dirty="0"/>
               <a:t>Second level</a:t>
             </a:r>
           </a:p>
           <a:p>
             <a:pPr lvl="2"/>
             <a:r>
-              <a:rPr lang="en-US"/>
+              <a:rPr lang="en-US" dirty="0"/>
               <a:t>Third level</a:t>
             </a:r>
           </a:p>
           <a:p>
             <a:pPr lvl="3"/>
             <a:r>
-              <a:rPr lang="en-US"/>
+              <a:rPr lang="en-US" dirty="0"/>
               <a:t>Fourth level</a:t>
             </a:r>
           </a:p>
           <a:p>
             <a:pPr lvl="4"/>
             <a:r>
-              <a:rPr lang="en-US"/>
+              <a:rPr lang="en-US" dirty="0"/>
               <a:t>Fifth level</a:t>
             </a:r>
+          </a:p>
+        </p:txBody>
+      </p:sp>
+      <p:sp>
+        <p:nvSpPr>
+          <p:cNvPr id="5" name="Date Placeholder 4"/>
+          <p:cNvSpPr>
+            <a:spLocks noGrp="1"/>
+          </p:cNvSpPr>
+          <p:nvPr>
+            <p:ph type="dt" sz="half" idx="10"/>
+          </p:nvPr>
+        </p:nvSpPr>
+        <p:spPr/>
+        <p:txBody>
+          <a:bodyPr/>
+          <a:lstStyle/>
+          <a:p>
+            <a:fld id="{C764DE79-268F-4C1A-8933-263129D2AF90}" type="datetimeFigureOut">
+              <a:rPr lang="en-US" dirty="0"/>
+              <a:t>5/26/2023</a:t>
+            </a:fld>
             <a:endParaRPr lang="en-US" dirty="0"/>
           </a:p>
         </p:txBody>
       </p:sp>
       <p:sp>
         <p:nvSpPr>
-          <p:cNvPr id="4" name="Content Placeholder 3"/>
-          <p:cNvSpPr>
-            <a:spLocks noGrp="1"/>
-          </p:cNvSpPr>
-          <p:nvPr>
-            <p:ph sz="half" idx="2"/>
-          </p:nvPr>
-        </p:nvSpPr>
-        <p:spPr>
-          <a:xfrm>
-            <a:off x="6412101" y="2017343"/>
-            <a:ext cx="4643942" cy="3441520"/>
-          </a:xfrm>
-        </p:spPr>
+          <p:cNvPr id="6" name="Footer Placeholder 5"/>
+          <p:cNvSpPr>
+            <a:spLocks noGrp="1"/>
+          </p:cNvSpPr>
+          <p:nvPr>
+            <p:ph type="ftr" sz="quarter" idx="11"/>
+          </p:nvPr>
+        </p:nvSpPr>
+        <p:spPr/>
         <p:txBody>
           <a:bodyPr/>
           <a:lstStyle/>
           <a:p>
-            <a:pPr lvl="0"/>
-            <a:r>
-              <a:rPr lang="en-US"/>
-              <a:t>Click to edit Master text styles</a:t>
-            </a:r>
-          </a:p>
-          <a:p>
-            <a:pPr lvl="1"/>
-            <a:r>
-              <a:rPr lang="en-US"/>
-              <a:t>Second level</a:t>
-            </a:r>
-          </a:p>
-          <a:p>
-            <a:pPr lvl="2"/>
-            <a:r>
-              <a:rPr lang="en-US"/>
-              <a:t>Third level</a:t>
-            </a:r>
-          </a:p>
-          <a:p>
-            <a:pPr lvl="3"/>
-            <a:r>
-              <a:rPr lang="en-US"/>
-              <a:t>Fourth level</a:t>
-            </a:r>
-          </a:p>
-          <a:p>
-            <a:pPr lvl="4"/>
-            <a:r>
-              <a:rPr lang="en-US"/>
-              <a:t>Fifth level</a:t>
-            </a:r>
             <a:endParaRPr lang="en-US" dirty="0"/>
           </a:p>
         </p:txBody>
       </p:sp>
       <p:sp>
         <p:nvSpPr>
-          <p:cNvPr id="5" name="Date Placeholder 4"/>
-          <p:cNvSpPr>
-            <a:spLocks noGrp="1"/>
-          </p:cNvSpPr>
-          <p:nvPr>
-            <p:ph type="dt" sz="half" idx="10"/>
+          <p:cNvPr id="7" name="Slide Number Placeholder 6"/>
+          <p:cNvSpPr>
+            <a:spLocks noGrp="1"/>
+          </p:cNvSpPr>
+          <p:nvPr>
+            <p:ph type="sldNum" sz="quarter" idx="12"/>
           </p:nvPr>
         </p:nvSpPr>
         <p:spPr/>
@@ -2789,109 +2582,24 @@
           <a:bodyPr/>
           <a:lstStyle/>
           <a:p>
-            <a:fld id="{83829175-527E-46A3-863C-1BB1F163B849}" type="datetimeFigureOut">
-              <a:rPr lang="en-US" smtClean="0"/>
-              <a:t>5/25/2023</a:t>
-            </a:fld>
-            <a:endParaRPr lang="en-US"/>
-          </a:p>
-        </p:txBody>
-      </p:sp>
-      <p:sp>
-        <p:nvSpPr>
-          <p:cNvPr id="6" name="Footer Placeholder 5"/>
-          <p:cNvSpPr>
-            <a:spLocks noGrp="1"/>
-          </p:cNvSpPr>
-          <p:nvPr>
-            <p:ph type="ftr" sz="quarter" idx="11"/>
-          </p:nvPr>
-        </p:nvSpPr>
-        <p:spPr/>
-        <p:txBody>
-          <a:bodyPr/>
-          <a:lstStyle/>
-          <a:p>
-            <a:endParaRPr lang="en-US" dirty="0"/>
-          </a:p>
-        </p:txBody>
-      </p:sp>
-      <p:sp>
-        <p:nvSpPr>
-          <p:cNvPr id="7" name="Slide Number Placeholder 6"/>
-          <p:cNvSpPr>
-            <a:spLocks noGrp="1"/>
-          </p:cNvSpPr>
-          <p:nvPr>
-            <p:ph type="sldNum" sz="quarter" idx="12"/>
-          </p:nvPr>
-        </p:nvSpPr>
-        <p:spPr/>
-        <p:txBody>
-          <a:bodyPr/>
-          <a:lstStyle/>
-          <a:p>
-            <a:fld id="{E5137D0E-4A4F-4307-8994-C1891D747D59}" type="slidenum">
-              <a:rPr lang="en-US" smtClean="0"/>
+            <a:fld id="{48F63A3B-78C7-47BE-AE5E-E10140E04643}" type="slidenum">
+              <a:rPr lang="en-US" dirty="0"/>
               <a:t>‹#›</a:t>
             </a:fld>
-            <a:endParaRPr lang="en-US"/>
-          </a:p>
-        </p:txBody>
-      </p:sp>
-      <p:cxnSp>
-        <p:nvCxnSpPr>
-          <p:cNvPr id="35" name="Straight Connector 34"/>
-          <p:cNvCxnSpPr/>
-          <p:nvPr/>
-        </p:nvCxnSpPr>
-        <p:spPr>
-          <a:xfrm>
-            <a:off x="1453517" y="1847088"/>
-            <a:ext cx="9605020" cy="0"/>
-          </a:xfrm>
-          <a:prstGeom prst="line">
-            <a:avLst/>
-          </a:prstGeom>
-          <a:ln w="31750"/>
-        </p:spPr>
-        <p:style>
-          <a:lnRef idx="3">
-            <a:schemeClr val="accent1"/>
-          </a:lnRef>
-          <a:fillRef idx="0">
-            <a:schemeClr val="accent1"/>
-          </a:fillRef>
-          <a:effectRef idx="2">
-            <a:schemeClr val="accent1"/>
-          </a:effectRef>
-          <a:fontRef idx="minor">
-            <a:schemeClr val="tx1"/>
-          </a:fontRef>
-        </p:style>
-      </p:cxnSp>
+            <a:endParaRPr lang="en-US" dirty="0"/>
+          </a:p>
+        </p:txBody>
+      </p:sp>
     </p:spTree>
     <p:extLst>
       <p:ext uri="{BB962C8B-B14F-4D97-AF65-F5344CB8AC3E}">
-        <p14:creationId xmlns:p14="http://schemas.microsoft.com/office/powerpoint/2010/main" val="2328448040"/>
+        <p14:creationId xmlns:p14="http://schemas.microsoft.com/office/powerpoint/2010/main" val="1491344143"/>
       </p:ext>
     </p:extLst>
   </p:cSld>
   <p:clrMapOvr>
     <a:masterClrMapping/>
   </p:clrMapOvr>
-  <mc:AlternateContent xmlns:mc="http://schemas.openxmlformats.org/markup-compatibility/2006" xmlns:p14="http://schemas.microsoft.com/office/powerpoint/2010/main">
-    <mc:Choice Requires="p14">
-      <p:transition spd="med" p14:dur="700">
-        <p:fade/>
-      </p:transition>
-    </mc:Choice>
-    <mc:Fallback xmlns="">
-      <p:transition spd="med">
-        <p:fade/>
-      </p:transition>
-    </mc:Fallback>
-  </mc:AlternateContent>
 </p:sldLayout>
 </file>
 
@@ -2924,8 +2632,8 @@
         </p:nvSpPr>
         <p:spPr>
           <a:xfrm>
-            <a:off x="1446815" y="804164"/>
-            <a:ext cx="9605159" cy="1056319"/>
+            <a:off x="839569" y="365126"/>
+            <a:ext cx="10512862" cy="1325563"/>
           </a:xfrm>
         </p:spPr>
         <p:txBody>
@@ -2933,10 +2641,9 @@
           <a:lstStyle/>
           <a:p>
             <a:r>
-              <a:rPr lang="en-US"/>
+              <a:rPr lang="en-US" dirty="0"/>
               <a:t>Click to edit Master title style</a:t>
             </a:r>
-            <a:endParaRPr lang="en-US" dirty="0"/>
           </a:p>
         </p:txBody>
       </p:sp>
@@ -2952,63 +2659,54 @@
         </p:nvSpPr>
         <p:spPr>
           <a:xfrm>
-            <a:off x="1446814" y="2019550"/>
-            <a:ext cx="4643942" cy="801943"/>
+            <a:off x="839570" y="1681163"/>
+            <a:ext cx="5156444" cy="823912"/>
           </a:xfrm>
         </p:spPr>
         <p:txBody>
-          <a:bodyPr anchor="b">
-            <a:normAutofit/>
-          </a:bodyPr>
+          <a:bodyPr anchor="b"/>
           <a:lstStyle>
             <a:lvl1pPr marL="0" indent="0">
-              <a:lnSpc>
-                <a:spcPct val="100000"/>
-              </a:lnSpc>
               <a:buNone/>
-              <a:defRPr sz="2199" b="0" cap="all" baseline="0">
-                <a:solidFill>
-                  <a:schemeClr val="accent1"/>
-                </a:solidFill>
-              </a:defRPr>
+              <a:defRPr sz="4266" b="1"/>
             </a:lvl1pPr>
-            <a:lvl2pPr marL="457063" indent="0">
+            <a:lvl2pPr marL="812582" indent="0">
               <a:buNone/>
-              <a:defRPr sz="1999" b="1"/>
+              <a:defRPr sz="3555" b="1"/>
             </a:lvl2pPr>
-            <a:lvl3pPr marL="914126" indent="0">
+            <a:lvl3pPr marL="1625163" indent="0">
               <a:buNone/>
-              <a:defRPr sz="1799" b="1"/>
+              <a:defRPr sz="3199" b="1"/>
             </a:lvl3pPr>
-            <a:lvl4pPr marL="1371189" indent="0">
+            <a:lvl4pPr marL="2437745" indent="0">
               <a:buNone/>
-              <a:defRPr sz="1600" b="1"/>
+              <a:defRPr sz="2844" b="1"/>
             </a:lvl4pPr>
-            <a:lvl5pPr marL="1828251" indent="0">
+            <a:lvl5pPr marL="3250326" indent="0">
               <a:buNone/>
-              <a:defRPr sz="1600" b="1"/>
+              <a:defRPr sz="2844" b="1"/>
             </a:lvl5pPr>
-            <a:lvl6pPr marL="2285314" indent="0">
+            <a:lvl6pPr marL="4062908" indent="0">
               <a:buNone/>
-              <a:defRPr sz="1600" b="1"/>
+              <a:defRPr sz="2844" b="1"/>
             </a:lvl6pPr>
-            <a:lvl7pPr marL="2742377" indent="0">
+            <a:lvl7pPr marL="4875489" indent="0">
               <a:buNone/>
-              <a:defRPr sz="1600" b="1"/>
+              <a:defRPr sz="2844" b="1"/>
             </a:lvl7pPr>
-            <a:lvl8pPr marL="3199440" indent="0">
+            <a:lvl8pPr marL="5688071" indent="0">
               <a:buNone/>
-              <a:defRPr sz="1600" b="1"/>
+              <a:defRPr sz="2844" b="1"/>
             </a:lvl8pPr>
-            <a:lvl9pPr marL="3656503" indent="0">
+            <a:lvl9pPr marL="6500652" indent="0">
               <a:buNone/>
-              <a:defRPr sz="1600" b="1"/>
+              <a:defRPr sz="2844" b="1"/>
             </a:lvl9pPr>
           </a:lstStyle>
           <a:p>
             <a:pPr lvl="0"/>
             <a:r>
-              <a:rPr lang="en-US"/>
+              <a:rPr lang="en-US" dirty="0"/>
               <a:t>Click to edit Master text styles</a:t>
             </a:r>
           </a:p>
@@ -3026,8 +2724,8 @@
         </p:nvSpPr>
         <p:spPr>
           <a:xfrm>
-            <a:off x="1446814" y="2824270"/>
-            <a:ext cx="4643942" cy="2644457"/>
+            <a:off x="839570" y="2505075"/>
+            <a:ext cx="5156444" cy="3684588"/>
           </a:xfrm>
         </p:spPr>
         <p:txBody>
@@ -3036,38 +2734,37 @@
           <a:p>
             <a:pPr lvl="0"/>
             <a:r>
-              <a:rPr lang="en-US"/>
+              <a:rPr lang="en-US" dirty="0"/>
               <a:t>Click to edit Master text styles</a:t>
             </a:r>
           </a:p>
           <a:p>
             <a:pPr lvl="1"/>
             <a:r>
-              <a:rPr lang="en-US"/>
+              <a:rPr lang="en-US" dirty="0"/>
               <a:t>Second level</a:t>
             </a:r>
           </a:p>
           <a:p>
             <a:pPr lvl="2"/>
             <a:r>
-              <a:rPr lang="en-US"/>
+              <a:rPr lang="en-US" dirty="0"/>
               <a:t>Third level</a:t>
             </a:r>
           </a:p>
           <a:p>
             <a:pPr lvl="3"/>
             <a:r>
-              <a:rPr lang="en-US"/>
+              <a:rPr lang="en-US" dirty="0"/>
               <a:t>Fourth level</a:t>
             </a:r>
           </a:p>
           <a:p>
             <a:pPr lvl="4"/>
             <a:r>
-              <a:rPr lang="en-US"/>
+              <a:rPr lang="en-US" dirty="0"/>
               <a:t>Fifth level</a:t>
             </a:r>
-            <a:endParaRPr lang="en-US" dirty="0"/>
           </a:p>
         </p:txBody>
       </p:sp>
@@ -3083,63 +2780,54 @@
         </p:nvSpPr>
         <p:spPr>
           <a:xfrm>
-            <a:off x="6410692" y="2023004"/>
-            <a:ext cx="4643942" cy="802237"/>
+            <a:off x="6170593" y="1681163"/>
+            <a:ext cx="5181838" cy="823912"/>
           </a:xfrm>
         </p:spPr>
         <p:txBody>
-          <a:bodyPr anchor="b">
-            <a:normAutofit/>
-          </a:bodyPr>
+          <a:bodyPr anchor="b"/>
           <a:lstStyle>
             <a:lvl1pPr marL="0" indent="0">
-              <a:lnSpc>
-                <a:spcPct val="100000"/>
-              </a:lnSpc>
               <a:buNone/>
-              <a:defRPr sz="2199" b="0" cap="all" baseline="0">
-                <a:solidFill>
-                  <a:schemeClr val="accent1"/>
-                </a:solidFill>
-              </a:defRPr>
+              <a:defRPr sz="4266" b="1"/>
             </a:lvl1pPr>
-            <a:lvl2pPr marL="457063" indent="0">
+            <a:lvl2pPr marL="812582" indent="0">
               <a:buNone/>
-              <a:defRPr sz="1999" b="1"/>
+              <a:defRPr sz="3555" b="1"/>
             </a:lvl2pPr>
-            <a:lvl3pPr marL="914126" indent="0">
+            <a:lvl3pPr marL="1625163" indent="0">
               <a:buNone/>
-              <a:defRPr sz="1799" b="1"/>
+              <a:defRPr sz="3199" b="1"/>
             </a:lvl3pPr>
-            <a:lvl4pPr marL="1371189" indent="0">
+            <a:lvl4pPr marL="2437745" indent="0">
               <a:buNone/>
-              <a:defRPr sz="1600" b="1"/>
+              <a:defRPr sz="2844" b="1"/>
             </a:lvl4pPr>
-            <a:lvl5pPr marL="1828251" indent="0">
+            <a:lvl5pPr marL="3250326" indent="0">
               <a:buNone/>
-              <a:defRPr sz="1600" b="1"/>
+              <a:defRPr sz="2844" b="1"/>
             </a:lvl5pPr>
-            <a:lvl6pPr marL="2285314" indent="0">
+            <a:lvl6pPr marL="4062908" indent="0">
               <a:buNone/>
-              <a:defRPr sz="1600" b="1"/>
+              <a:defRPr sz="2844" b="1"/>
             </a:lvl6pPr>
-            <a:lvl7pPr marL="2742377" indent="0">
+            <a:lvl7pPr marL="4875489" indent="0">
               <a:buNone/>
-              <a:defRPr sz="1600" b="1"/>
+              <a:defRPr sz="2844" b="1"/>
             </a:lvl7pPr>
-            <a:lvl8pPr marL="3199440" indent="0">
+            <a:lvl8pPr marL="5688071" indent="0">
               <a:buNone/>
-              <a:defRPr sz="1600" b="1"/>
+              <a:defRPr sz="2844" b="1"/>
             </a:lvl8pPr>
-            <a:lvl9pPr marL="3656503" indent="0">
+            <a:lvl9pPr marL="6500652" indent="0">
               <a:buNone/>
-              <a:defRPr sz="1600" b="1"/>
+              <a:defRPr sz="2844" b="1"/>
             </a:lvl9pPr>
           </a:lstStyle>
           <a:p>
             <a:pPr lvl="0"/>
             <a:r>
-              <a:rPr lang="en-US"/>
+              <a:rPr lang="en-US" dirty="0"/>
               <a:t>Click to edit Master text styles</a:t>
             </a:r>
           </a:p>
@@ -3157,8 +2845,8 @@
         </p:nvSpPr>
         <p:spPr>
           <a:xfrm>
-            <a:off x="6410692" y="2821491"/>
-            <a:ext cx="4643942" cy="2637371"/>
+            <a:off x="6170593" y="2505075"/>
+            <a:ext cx="5181838" cy="3684588"/>
           </a:xfrm>
         </p:spPr>
         <p:txBody>
@@ -3167,38 +2855,37 @@
           <a:p>
             <a:pPr lvl="0"/>
             <a:r>
-              <a:rPr lang="en-US"/>
+              <a:rPr lang="en-US" dirty="0"/>
               <a:t>Click to edit Master text styles</a:t>
             </a:r>
           </a:p>
           <a:p>
             <a:pPr lvl="1"/>
             <a:r>
-              <a:rPr lang="en-US"/>
+              <a:rPr lang="en-US" dirty="0"/>
               <a:t>Second level</a:t>
             </a:r>
           </a:p>
           <a:p>
             <a:pPr lvl="2"/>
             <a:r>
-              <a:rPr lang="en-US"/>
+              <a:rPr lang="en-US" dirty="0"/>
               <a:t>Third level</a:t>
             </a:r>
           </a:p>
           <a:p>
             <a:pPr lvl="3"/>
             <a:r>
-              <a:rPr lang="en-US"/>
+              <a:rPr lang="en-US" dirty="0"/>
               <a:t>Fourth level</a:t>
             </a:r>
           </a:p>
           <a:p>
             <a:pPr lvl="4"/>
             <a:r>
-              <a:rPr lang="en-US"/>
+              <a:rPr lang="en-US" dirty="0"/>
               <a:t>Fifth level</a:t>
             </a:r>
-            <a:endParaRPr lang="en-US" dirty="0"/>
           </a:p>
         </p:txBody>
       </p:sp>
@@ -3217,9 +2904,9 @@
           <a:bodyPr/>
           <a:lstStyle/>
           <a:p>
-            <a:fld id="{83829175-527E-46A3-863C-1BB1F163B849}" type="datetimeFigureOut">
-              <a:rPr lang="en-US" smtClean="0"/>
-              <a:t>5/25/2023</a:t>
+            <a:fld id="{C764DE79-268F-4C1A-8933-263129D2AF90}" type="datetimeFigureOut">
+              <a:rPr lang="en-US" dirty="0"/>
+              <a:t>5/26/2023</a:t>
             </a:fld>
             <a:endParaRPr lang="en-US" dirty="0"/>
           </a:p>
@@ -3259,67 +2946,24 @@
           <a:bodyPr/>
           <a:lstStyle/>
           <a:p>
-            <a:fld id="{E5137D0E-4A4F-4307-8994-C1891D747D59}" type="slidenum">
-              <a:rPr lang="en-US" smtClean="0"/>
+            <a:fld id="{48F63A3B-78C7-47BE-AE5E-E10140E04643}" type="slidenum">
+              <a:rPr lang="en-US" dirty="0"/>
               <a:t>‹#›</a:t>
             </a:fld>
-            <a:endParaRPr lang="en-US"/>
-          </a:p>
-        </p:txBody>
-      </p:sp>
-      <p:cxnSp>
-        <p:nvCxnSpPr>
-          <p:cNvPr id="29" name="Straight Connector 28"/>
-          <p:cNvCxnSpPr/>
-          <p:nvPr/>
-        </p:nvCxnSpPr>
-        <p:spPr>
-          <a:xfrm>
-            <a:off x="1453517" y="1847088"/>
-            <a:ext cx="9605020" cy="0"/>
-          </a:xfrm>
-          <a:prstGeom prst="line">
-            <a:avLst/>
-          </a:prstGeom>
-          <a:ln w="31750"/>
-        </p:spPr>
-        <p:style>
-          <a:lnRef idx="3">
-            <a:schemeClr val="accent1"/>
-          </a:lnRef>
-          <a:fillRef idx="0">
-            <a:schemeClr val="accent1"/>
-          </a:fillRef>
-          <a:effectRef idx="2">
-            <a:schemeClr val="accent1"/>
-          </a:effectRef>
-          <a:fontRef idx="minor">
-            <a:schemeClr val="tx1"/>
-          </a:fontRef>
-        </p:style>
-      </p:cxnSp>
+            <a:endParaRPr lang="en-US" dirty="0"/>
+          </a:p>
+        </p:txBody>
+      </p:sp>
     </p:spTree>
     <p:extLst>
       <p:ext uri="{BB962C8B-B14F-4D97-AF65-F5344CB8AC3E}">
-        <p14:creationId xmlns:p14="http://schemas.microsoft.com/office/powerpoint/2010/main" val="2159639924"/>
+        <p14:creationId xmlns:p14="http://schemas.microsoft.com/office/powerpoint/2010/main" val="3395916510"/>
       </p:ext>
     </p:extLst>
   </p:cSld>
   <p:clrMapOvr>
     <a:masterClrMapping/>
   </p:clrMapOvr>
-  <mc:AlternateContent xmlns:mc="http://schemas.openxmlformats.org/markup-compatibility/2006" xmlns:p14="http://schemas.microsoft.com/office/powerpoint/2010/main">
-    <mc:Choice Requires="p14">
-      <p:transition spd="med" p14:dur="700">
-        <p:fade/>
-      </p:transition>
-    </mc:Choice>
-    <mc:Fallback xmlns="">
-      <p:transition spd="med">
-        <p:fade/>
-      </p:transition>
-    </mc:Fallback>
-  </mc:AlternateContent>
 </p:sldLayout>
 </file>
 
@@ -3356,21 +3000,43 @@
           <a:lstStyle/>
           <a:p>
             <a:r>
-              <a:rPr lang="en-US"/>
+              <a:rPr lang="en-US" dirty="0"/>
               <a:t>Click to edit Master title style</a:t>
             </a:r>
+          </a:p>
+        </p:txBody>
+      </p:sp>
+      <p:sp>
+        <p:nvSpPr>
+          <p:cNvPr id="3" name="Date Placeholder 2"/>
+          <p:cNvSpPr>
+            <a:spLocks noGrp="1"/>
+          </p:cNvSpPr>
+          <p:nvPr>
+            <p:ph type="dt" sz="half" idx="10"/>
+          </p:nvPr>
+        </p:nvSpPr>
+        <p:spPr/>
+        <p:txBody>
+          <a:bodyPr/>
+          <a:lstStyle/>
+          <a:p>
+            <a:fld id="{C764DE79-268F-4C1A-8933-263129D2AF90}" type="datetimeFigureOut">
+              <a:rPr lang="en-US" dirty="0"/>
+              <a:t>5/26/2023</a:t>
+            </a:fld>
             <a:endParaRPr lang="en-US" dirty="0"/>
           </a:p>
         </p:txBody>
       </p:sp>
       <p:sp>
         <p:nvSpPr>
-          <p:cNvPr id="3" name="Date Placeholder 2"/>
-          <p:cNvSpPr>
-            <a:spLocks noGrp="1"/>
-          </p:cNvSpPr>
-          <p:nvPr>
-            <p:ph type="dt" sz="half" idx="10"/>
+          <p:cNvPr id="4" name="Footer Placeholder 3"/>
+          <p:cNvSpPr>
+            <a:spLocks noGrp="1"/>
+          </p:cNvSpPr>
+          <p:nvPr>
+            <p:ph type="ftr" sz="quarter" idx="11"/>
           </p:nvPr>
         </p:nvSpPr>
         <p:spPr/>
@@ -3378,22 +3044,18 @@
           <a:bodyPr/>
           <a:lstStyle/>
           <a:p>
-            <a:fld id="{83829175-527E-46A3-863C-1BB1F163B849}" type="datetimeFigureOut">
-              <a:rPr lang="en-US" smtClean="0"/>
-              <a:t>5/25/2023</a:t>
-            </a:fld>
-            <a:endParaRPr lang="en-US"/>
-          </a:p>
-        </p:txBody>
-      </p:sp>
-      <p:sp>
-        <p:nvSpPr>
-          <p:cNvPr id="4" name="Footer Placeholder 3"/>
-          <p:cNvSpPr>
-            <a:spLocks noGrp="1"/>
-          </p:cNvSpPr>
-          <p:nvPr>
-            <p:ph type="ftr" sz="quarter" idx="11"/>
+            <a:endParaRPr lang="en-US" dirty="0"/>
+          </a:p>
+        </p:txBody>
+      </p:sp>
+      <p:sp>
+        <p:nvSpPr>
+          <p:cNvPr id="5" name="Slide Number Placeholder 4"/>
+          <p:cNvSpPr>
+            <a:spLocks noGrp="1"/>
+          </p:cNvSpPr>
+          <p:nvPr>
+            <p:ph type="sldNum" sz="quarter" idx="12"/>
           </p:nvPr>
         </p:nvSpPr>
         <p:spPr/>
@@ -3401,86 +3063,24 @@
           <a:bodyPr/>
           <a:lstStyle/>
           <a:p>
-            <a:endParaRPr lang="en-US" dirty="0"/>
-          </a:p>
-        </p:txBody>
-      </p:sp>
-      <p:sp>
-        <p:nvSpPr>
-          <p:cNvPr id="5" name="Slide Number Placeholder 4"/>
-          <p:cNvSpPr>
-            <a:spLocks noGrp="1"/>
-          </p:cNvSpPr>
-          <p:nvPr>
-            <p:ph type="sldNum" sz="quarter" idx="12"/>
-          </p:nvPr>
-        </p:nvSpPr>
-        <p:spPr/>
-        <p:txBody>
-          <a:bodyPr/>
-          <a:lstStyle/>
-          <a:p>
-            <a:fld id="{E5137D0E-4A4F-4307-8994-C1891D747D59}" type="slidenum">
-              <a:rPr lang="en-US" smtClean="0"/>
+            <a:fld id="{48F63A3B-78C7-47BE-AE5E-E10140E04643}" type="slidenum">
+              <a:rPr lang="en-US" dirty="0"/>
               <a:t>‹#›</a:t>
             </a:fld>
-            <a:endParaRPr lang="en-US"/>
-          </a:p>
-        </p:txBody>
-      </p:sp>
-      <p:cxnSp>
-        <p:nvCxnSpPr>
-          <p:cNvPr id="25" name="Straight Connector 24"/>
-          <p:cNvCxnSpPr/>
-          <p:nvPr/>
-        </p:nvCxnSpPr>
-        <p:spPr>
-          <a:xfrm>
-            <a:off x="1453517" y="1847088"/>
-            <a:ext cx="9605020" cy="0"/>
-          </a:xfrm>
-          <a:prstGeom prst="line">
-            <a:avLst/>
-          </a:prstGeom>
-          <a:ln w="31750"/>
-        </p:spPr>
-        <p:style>
-          <a:lnRef idx="3">
-            <a:schemeClr val="accent1"/>
-          </a:lnRef>
-          <a:fillRef idx="0">
-            <a:schemeClr val="accent1"/>
-          </a:fillRef>
-          <a:effectRef idx="2">
-            <a:schemeClr val="accent1"/>
-          </a:effectRef>
-          <a:fontRef idx="minor">
-            <a:schemeClr val="tx1"/>
-          </a:fontRef>
-        </p:style>
-      </p:cxnSp>
+            <a:endParaRPr lang="en-US" dirty="0"/>
+          </a:p>
+        </p:txBody>
+      </p:sp>
     </p:spTree>
     <p:extLst>
       <p:ext uri="{BB962C8B-B14F-4D97-AF65-F5344CB8AC3E}">
-        <p14:creationId xmlns:p14="http://schemas.microsoft.com/office/powerpoint/2010/main" val="1686893595"/>
+        <p14:creationId xmlns:p14="http://schemas.microsoft.com/office/powerpoint/2010/main" val="3037449660"/>
       </p:ext>
     </p:extLst>
   </p:cSld>
   <p:clrMapOvr>
     <a:masterClrMapping/>
   </p:clrMapOvr>
-  <mc:AlternateContent xmlns:mc="http://schemas.openxmlformats.org/markup-compatibility/2006" xmlns:p14="http://schemas.microsoft.com/office/powerpoint/2010/main">
-    <mc:Choice Requires="p14">
-      <p:transition spd="med" p14:dur="700">
-        <p:fade/>
-      </p:transition>
-    </mc:Choice>
-    <mc:Fallback xmlns="">
-      <p:transition spd="med">
-        <p:fade/>
-      </p:transition>
-    </mc:Fallback>
-  </mc:AlternateContent>
 </p:sldLayout>
 </file>
 
@@ -3516,11 +3116,11 @@
           <a:bodyPr/>
           <a:lstStyle/>
           <a:p>
-            <a:fld id="{83829175-527E-46A3-863C-1BB1F163B849}" type="datetimeFigureOut">
-              <a:rPr lang="en-US" smtClean="0"/>
-              <a:t>5/25/2023</a:t>
+            <a:fld id="{C764DE79-268F-4C1A-8933-263129D2AF90}" type="datetimeFigureOut">
+              <a:rPr lang="en-US" dirty="0"/>
+              <a:t>5/26/2023</a:t>
             </a:fld>
-            <a:endParaRPr lang="en-US"/>
+            <a:endParaRPr lang="en-US" dirty="0"/>
           </a:p>
         </p:txBody>
       </p:sp>
@@ -3539,7 +3139,7 @@
           <a:bodyPr/>
           <a:lstStyle/>
           <a:p>
-            <a:endParaRPr lang="en-US"/>
+            <a:endParaRPr lang="en-US" dirty="0"/>
           </a:p>
         </p:txBody>
       </p:sp>
@@ -3558,36 +3158,24 @@
           <a:bodyPr/>
           <a:lstStyle/>
           <a:p>
-            <a:fld id="{E5137D0E-4A4F-4307-8994-C1891D747D59}" type="slidenum">
-              <a:rPr lang="en-US" smtClean="0"/>
+            <a:fld id="{48F63A3B-78C7-47BE-AE5E-E10140E04643}" type="slidenum">
+              <a:rPr lang="en-US" dirty="0"/>
               <a:t>‹#›</a:t>
             </a:fld>
-            <a:endParaRPr lang="en-US"/>
+            <a:endParaRPr lang="en-US" dirty="0"/>
           </a:p>
         </p:txBody>
       </p:sp>
     </p:spTree>
     <p:extLst>
       <p:ext uri="{BB962C8B-B14F-4D97-AF65-F5344CB8AC3E}">
-        <p14:creationId xmlns:p14="http://schemas.microsoft.com/office/powerpoint/2010/main" val="2754011493"/>
+        <p14:creationId xmlns:p14="http://schemas.microsoft.com/office/powerpoint/2010/main" val="2505532526"/>
       </p:ext>
     </p:extLst>
   </p:cSld>
   <p:clrMapOvr>
     <a:masterClrMapping/>
   </p:clrMapOvr>
-  <mc:AlternateContent xmlns:mc="http://schemas.openxmlformats.org/markup-compatibility/2006" xmlns:p14="http://schemas.microsoft.com/office/powerpoint/2010/main">
-    <mc:Choice Requires="p14">
-      <p:transition spd="med" p14:dur="700">
-        <p:fade/>
-      </p:transition>
-    </mc:Choice>
-    <mc:Fallback xmlns="">
-      <p:transition spd="med">
-        <p:fade/>
-      </p:transition>
-    </mc:Fallback>
-  </mc:AlternateContent>
 </p:sldLayout>
 </file>
 
@@ -3620,25 +3208,22 @@
         </p:nvSpPr>
         <p:spPr>
           <a:xfrm>
-            <a:off x="1444295" y="798973"/>
-            <a:ext cx="3272247" cy="2247117"/>
+            <a:off x="839570" y="457200"/>
+            <a:ext cx="3931213" cy="1600200"/>
           </a:xfrm>
         </p:spPr>
         <p:txBody>
-          <a:bodyPr anchor="b">
-            <a:normAutofit/>
-          </a:bodyPr>
+          <a:bodyPr anchor="b"/>
           <a:lstStyle>
-            <a:lvl1pPr algn="l">
-              <a:defRPr sz="2399"/>
+            <a:lvl1pPr>
+              <a:defRPr sz="5687"/>
             </a:lvl1pPr>
           </a:lstStyle>
           <a:p>
             <a:r>
-              <a:rPr lang="en-US"/>
+              <a:rPr lang="en-US" dirty="0"/>
               <a:t>Click to edit Master title style</a:t>
             </a:r>
-            <a:endParaRPr lang="en-US" dirty="0"/>
           </a:p>
         </p:txBody>
       </p:sp>
@@ -3654,48 +3239,75 @@
         </p:nvSpPr>
         <p:spPr>
           <a:xfrm>
-            <a:off x="5042401" y="798974"/>
-            <a:ext cx="6010904" cy="4658826"/>
+            <a:off x="5181838" y="987426"/>
+            <a:ext cx="6170593" cy="4873625"/>
           </a:xfrm>
         </p:spPr>
         <p:txBody>
-          <a:bodyPr anchor="ctr"/>
-          <a:lstStyle/>
+          <a:bodyPr/>
+          <a:lstStyle>
+            <a:lvl1pPr>
+              <a:defRPr sz="5687"/>
+            </a:lvl1pPr>
+            <a:lvl2pPr>
+              <a:defRPr sz="4976"/>
+            </a:lvl2pPr>
+            <a:lvl3pPr>
+              <a:defRPr sz="4266"/>
+            </a:lvl3pPr>
+            <a:lvl4pPr>
+              <a:defRPr sz="3555"/>
+            </a:lvl4pPr>
+            <a:lvl5pPr>
+              <a:defRPr sz="3555"/>
+            </a:lvl5pPr>
+            <a:lvl6pPr>
+              <a:defRPr sz="3555"/>
+            </a:lvl6pPr>
+            <a:lvl7pPr>
+              <a:defRPr sz="3555"/>
+            </a:lvl7pPr>
+            <a:lvl8pPr>
+              <a:defRPr sz="3555"/>
+            </a:lvl8pPr>
+            <a:lvl9pPr>
+              <a:defRPr sz="3555"/>
+            </a:lvl9pPr>
+          </a:lstStyle>
           <a:p>
             <a:pPr lvl="0"/>
             <a:r>
-              <a:rPr lang="en-US"/>
+              <a:rPr lang="en-US" dirty="0"/>
               <a:t>Click to edit Master text styles</a:t>
             </a:r>
           </a:p>
           <a:p>
             <a:pPr lvl="1"/>
             <a:r>
-              <a:rPr lang="en-US"/>
+              <a:rPr lang="en-US" dirty="0"/>
               <a:t>Second level</a:t>
             </a:r>
           </a:p>
           <a:p>
             <a:pPr lvl="2"/>
             <a:r>
-              <a:rPr lang="en-US"/>
+              <a:rPr lang="en-US" dirty="0"/>
               <a:t>Third level</a:t>
             </a:r>
           </a:p>
           <a:p>
             <a:pPr lvl="3"/>
             <a:r>
-              <a:rPr lang="en-US"/>
+              <a:rPr lang="en-US" dirty="0"/>
               <a:t>Fourth level</a:t>
             </a:r>
           </a:p>
           <a:p>
             <a:pPr lvl="4"/>
             <a:r>
-              <a:rPr lang="en-US"/>
+              <a:rPr lang="en-US" dirty="0"/>
               <a:t>Fifth level</a:t>
             </a:r>
-            <a:endParaRPr lang="en-US" dirty="0"/>
           </a:p>
         </p:txBody>
       </p:sp>
@@ -3711,54 +3323,54 @@
         </p:nvSpPr>
         <p:spPr>
           <a:xfrm>
-            <a:off x="1444295" y="3205492"/>
-            <a:ext cx="3274160" cy="2248181"/>
+            <a:off x="839570" y="2057400"/>
+            <a:ext cx="3931213" cy="3811588"/>
           </a:xfrm>
         </p:spPr>
         <p:txBody>
           <a:bodyPr/>
           <a:lstStyle>
-            <a:lvl1pPr marL="0" indent="0" algn="l">
+            <a:lvl1pPr marL="0" indent="0">
               <a:buNone/>
-              <a:defRPr sz="1600"/>
+              <a:defRPr sz="2844"/>
             </a:lvl1pPr>
-            <a:lvl2pPr marL="457063" indent="0">
+            <a:lvl2pPr marL="812582" indent="0">
               <a:buNone/>
-              <a:defRPr sz="1400"/>
+              <a:defRPr sz="2488"/>
             </a:lvl2pPr>
-            <a:lvl3pPr marL="914126" indent="0">
+            <a:lvl3pPr marL="1625163" indent="0">
               <a:buNone/>
-              <a:defRPr sz="1200"/>
+              <a:defRPr sz="2133"/>
             </a:lvl3pPr>
-            <a:lvl4pPr marL="1371189" indent="0">
+            <a:lvl4pPr marL="2437745" indent="0">
               <a:buNone/>
-              <a:defRPr sz="1000"/>
+              <a:defRPr sz="1777"/>
             </a:lvl4pPr>
-            <a:lvl5pPr marL="1828251" indent="0">
+            <a:lvl5pPr marL="3250326" indent="0">
               <a:buNone/>
-              <a:defRPr sz="1000"/>
+              <a:defRPr sz="1777"/>
             </a:lvl5pPr>
-            <a:lvl6pPr marL="2285314" indent="0">
+            <a:lvl6pPr marL="4062908" indent="0">
               <a:buNone/>
-              <a:defRPr sz="1000"/>
+              <a:defRPr sz="1777"/>
             </a:lvl6pPr>
-            <a:lvl7pPr marL="2742377" indent="0">
+            <a:lvl7pPr marL="4875489" indent="0">
               <a:buNone/>
-              <a:defRPr sz="1000"/>
+              <a:defRPr sz="1777"/>
             </a:lvl7pPr>
-            <a:lvl8pPr marL="3199440" indent="0">
+            <a:lvl8pPr marL="5688071" indent="0">
               <a:buNone/>
-              <a:defRPr sz="1000"/>
+              <a:defRPr sz="1777"/>
             </a:lvl8pPr>
-            <a:lvl9pPr marL="3656503" indent="0">
+            <a:lvl9pPr marL="6500652" indent="0">
               <a:buNone/>
-              <a:defRPr sz="1000"/>
+              <a:defRPr sz="1777"/>
             </a:lvl9pPr>
           </a:lstStyle>
           <a:p>
             <a:pPr lvl="0"/>
             <a:r>
-              <a:rPr lang="en-US"/>
+              <a:rPr lang="en-US" dirty="0"/>
               <a:t>Click to edit Master text styles</a:t>
             </a:r>
           </a:p>
@@ -3779,10 +3391,9 @@
           <a:bodyPr/>
           <a:lstStyle/>
           <a:p>
-            <a:fld id="{83829175-527E-46A3-863C-1BB1F163B849}" type="datetimeFigureOut">
-              <a:rPr lang="en-US" smtClean="0"/>
-              <a:pPr/>
-              <a:t>5/25/2023</a:t>
+            <a:fld id="{C764DE79-268F-4C1A-8933-263129D2AF90}" type="datetimeFigureOut">
+              <a:rPr lang="en-US" dirty="0"/>
+              <a:t>5/26/2023</a:t>
             </a:fld>
             <a:endParaRPr lang="en-US" dirty="0"/>
           </a:p>
@@ -3822,68 +3433,24 @@
           <a:bodyPr/>
           <a:lstStyle/>
           <a:p>
-            <a:fld id="{E5137D0E-4A4F-4307-8994-C1891D747D59}" type="slidenum">
-              <a:rPr lang="en-US" smtClean="0"/>
-              <a:pPr/>
+            <a:fld id="{48F63A3B-78C7-47BE-AE5E-E10140E04643}" type="slidenum">
+              <a:rPr lang="en-US" dirty="0"/>
               <a:t>‹#›</a:t>
             </a:fld>
             <a:endParaRPr lang="en-US" dirty="0"/>
           </a:p>
         </p:txBody>
       </p:sp>
-      <p:cxnSp>
-        <p:nvCxnSpPr>
-          <p:cNvPr id="17" name="Straight Connector 16"/>
-          <p:cNvCxnSpPr/>
-          <p:nvPr/>
-        </p:nvCxnSpPr>
-        <p:spPr>
-          <a:xfrm>
-            <a:off x="1447903" y="3205491"/>
-            <a:ext cx="3268639" cy="0"/>
-          </a:xfrm>
-          <a:prstGeom prst="line">
-            <a:avLst/>
-          </a:prstGeom>
-          <a:ln w="31750"/>
-        </p:spPr>
-        <p:style>
-          <a:lnRef idx="3">
-            <a:schemeClr val="accent1"/>
-          </a:lnRef>
-          <a:fillRef idx="0">
-            <a:schemeClr val="accent1"/>
-          </a:fillRef>
-          <a:effectRef idx="2">
-            <a:schemeClr val="accent1"/>
-          </a:effectRef>
-          <a:fontRef idx="minor">
-            <a:schemeClr val="tx1"/>
-          </a:fontRef>
-        </p:style>
-      </p:cxnSp>
     </p:spTree>
     <p:extLst>
       <p:ext uri="{BB962C8B-B14F-4D97-AF65-F5344CB8AC3E}">
-        <p14:creationId xmlns:p14="http://schemas.microsoft.com/office/powerpoint/2010/main" val="464978241"/>
+        <p14:creationId xmlns:p14="http://schemas.microsoft.com/office/powerpoint/2010/main" val="2045691461"/>
       </p:ext>
     </p:extLst>
   </p:cSld>
   <p:clrMapOvr>
     <a:masterClrMapping/>
   </p:clrMapOvr>
-  <mc:AlternateContent xmlns:mc="http://schemas.openxmlformats.org/markup-compatibility/2006" xmlns:p14="http://schemas.microsoft.com/office/powerpoint/2010/main">
-    <mc:Choice Requires="p14">
-      <p:transition spd="med" p14:dur="700">
-        <p:fade/>
-      </p:transition>
-    </mc:Choice>
-    <mc:Fallback xmlns="">
-      <p:transition spd="med">
-        <p:fade/>
-      </p:transition>
-    </mc:Fallback>
-  </mc:AlternateContent>
 </p:sldLayout>
 </file>
 
@@ -3904,140 +3471,6 @@
           <a:chExt cx="0" cy="0"/>
         </a:xfrm>
       </p:grpSpPr>
-      <p:grpSp>
-        <p:nvGrpSpPr>
-          <p:cNvPr id="8" name="Group 7"/>
-          <p:cNvGrpSpPr/>
-          <p:nvPr/>
-        </p:nvGrpSpPr>
-        <p:grpSpPr>
-          <a:xfrm>
-            <a:off x="7475440" y="482171"/>
-            <a:ext cx="4073472" cy="5149101"/>
-            <a:chOff x="7477387" y="482170"/>
-            <a:chExt cx="4074533" cy="5149101"/>
-          </a:xfrm>
-        </p:grpSpPr>
-        <p:sp>
-          <p:nvSpPr>
-            <p:cNvPr id="18" name="Rectangle 17"/>
-            <p:cNvSpPr/>
-            <p:nvPr/>
-          </p:nvSpPr>
-          <p:spPr bwMode="black">
-            <a:xfrm>
-              <a:off x="7477387" y="482170"/>
-              <a:ext cx="4074533" cy="5149101"/>
-            </a:xfrm>
-            <a:prstGeom prst="rect">
-              <a:avLst/>
-            </a:prstGeom>
-            <a:gradFill>
-              <a:gsLst>
-                <a:gs pos="0">
-                  <a:srgbClr val="000001"/>
-                </a:gs>
-                <a:gs pos="100000">
-                  <a:srgbClr val="191919"/>
-                </a:gs>
-              </a:gsLst>
-            </a:gradFill>
-            <a:ln w="76200" cmpd="sng">
-              <a:noFill/>
-              <a:miter lim="800000"/>
-            </a:ln>
-            <a:effectLst>
-              <a:outerShdw blurRad="127000" dist="228600" dir="4740000" sx="98000" sy="98000" algn="tl" rotWithShape="0">
-                <a:srgbClr val="000000">
-                  <a:alpha val="34000"/>
-                </a:srgbClr>
-              </a:outerShdw>
-            </a:effectLst>
-            <a:scene3d>
-              <a:camera prst="orthographicFront"/>
-              <a:lightRig rig="threePt" dir="t"/>
-            </a:scene3d>
-            <a:sp3d>
-              <a:bevelT w="152400" h="50800" prst="softRound"/>
-            </a:sp3d>
-          </p:spPr>
-          <p:style>
-            <a:lnRef idx="1">
-              <a:schemeClr val="accent1"/>
-            </a:lnRef>
-            <a:fillRef idx="3">
-              <a:schemeClr val="accent1"/>
-            </a:fillRef>
-            <a:effectRef idx="2">
-              <a:schemeClr val="accent1"/>
-            </a:effectRef>
-            <a:fontRef idx="minor">
-              <a:schemeClr val="lt1"/>
-            </a:fontRef>
-          </p:style>
-        </p:sp>
-        <p:sp>
-          <p:nvSpPr>
-            <p:cNvPr id="19" name="Rectangle 18"/>
-            <p:cNvSpPr/>
-            <p:nvPr/>
-          </p:nvSpPr>
-          <p:spPr bwMode="blackWhite">
-            <a:xfrm>
-              <a:off x="7790446" y="812506"/>
-              <a:ext cx="3450289" cy="4466452"/>
-            </a:xfrm>
-            <a:prstGeom prst="rect">
-              <a:avLst/>
-            </a:prstGeom>
-            <a:gradFill>
-              <a:gsLst>
-                <a:gs pos="0">
-                  <a:srgbClr val="DADADA"/>
-                </a:gs>
-                <a:gs pos="100000">
-                  <a:srgbClr val="FFFFFE"/>
-                </a:gs>
-              </a:gsLst>
-              <a:lin ang="16200000" scaled="0"/>
-            </a:gradFill>
-            <a:ln w="50800" cmpd="sng">
-              <a:solidFill>
-                <a:srgbClr val="191919"/>
-              </a:solidFill>
-              <a:miter lim="800000"/>
-            </a:ln>
-            <a:effectLst>
-              <a:innerShdw blurRad="63500" dist="88900" dir="14100000">
-                <a:srgbClr val="000000">
-                  <a:alpha val="30000"/>
-                </a:srgbClr>
-              </a:innerShdw>
-            </a:effectLst>
-            <a:scene3d>
-              <a:camera prst="orthographicFront"/>
-              <a:lightRig rig="threePt" dir="t"/>
-            </a:scene3d>
-            <a:sp3d>
-              <a:bevelT prst="relaxedInset"/>
-            </a:sp3d>
-          </p:spPr>
-          <p:style>
-            <a:lnRef idx="1">
-              <a:schemeClr val="accent1"/>
-            </a:lnRef>
-            <a:fillRef idx="3">
-              <a:schemeClr val="accent1"/>
-            </a:fillRef>
-            <a:effectRef idx="2">
-              <a:schemeClr val="accent1"/>
-            </a:effectRef>
-            <a:fontRef idx="minor">
-              <a:schemeClr val="lt1"/>
-            </a:fontRef>
-          </p:style>
-        </p:sp>
-      </p:grpSp>
       <p:sp>
         <p:nvSpPr>
           <p:cNvPr id="2" name="Title 1"/>
@@ -4050,25 +3483,22 @@
         </p:nvSpPr>
         <p:spPr>
           <a:xfrm>
-            <a:off x="1450828" y="1129513"/>
-            <a:ext cx="5530887" cy="1830584"/>
+            <a:off x="839570" y="457200"/>
+            <a:ext cx="3931213" cy="1600200"/>
           </a:xfrm>
         </p:spPr>
         <p:txBody>
-          <a:bodyPr anchor="b">
-            <a:normAutofit/>
-          </a:bodyPr>
+          <a:bodyPr anchor="b"/>
           <a:lstStyle>
             <a:lvl1pPr>
-              <a:defRPr sz="3199"/>
+              <a:defRPr sz="5687"/>
             </a:lvl1pPr>
           </a:lstStyle>
           <a:p>
             <a:r>
-              <a:rPr lang="en-US"/>
+              <a:rPr lang="en-US" dirty="0"/>
               <a:t>Click to edit Master title style</a:t>
             </a:r>
-            <a:endParaRPr lang="en-US" dirty="0"/>
           </a:p>
         </p:txBody>
       </p:sp>
@@ -4084,65 +3514,51 @@
         </p:nvSpPr>
         <p:spPr>
           <a:xfrm>
-            <a:off x="8122274" y="1122543"/>
-            <a:ext cx="2790444" cy="3866327"/>
+            <a:off x="5181838" y="987426"/>
+            <a:ext cx="6170593" cy="4873625"/>
           </a:xfrm>
-          <a:solidFill>
-            <a:schemeClr val="bg1">
-              <a:lumMod val="85000"/>
-            </a:schemeClr>
-          </a:solidFill>
-          <a:ln w="9525" cap="sq">
-            <a:noFill/>
-            <a:miter lim="800000"/>
-          </a:ln>
-          <a:effectLst/>
         </p:spPr>
         <p:txBody>
           <a:bodyPr anchor="t"/>
           <a:lstStyle>
-            <a:lvl1pPr marL="0" indent="0" algn="ctr">
+            <a:lvl1pPr marL="0" indent="0">
               <a:buNone/>
-              <a:defRPr sz="3199"/>
+              <a:defRPr sz="5687"/>
             </a:lvl1pPr>
-            <a:lvl2pPr marL="457063" indent="0">
+            <a:lvl2pPr marL="812582" indent="0">
               <a:buNone/>
-              <a:defRPr sz="2799"/>
+              <a:defRPr sz="4976"/>
             </a:lvl2pPr>
-            <a:lvl3pPr marL="914126" indent="0">
+            <a:lvl3pPr marL="1625163" indent="0">
               <a:buNone/>
-              <a:defRPr sz="2399"/>
+              <a:defRPr sz="4266"/>
             </a:lvl3pPr>
-            <a:lvl4pPr marL="1371189" indent="0">
+            <a:lvl4pPr marL="2437745" indent="0">
               <a:buNone/>
-              <a:defRPr sz="1999"/>
+              <a:defRPr sz="3555"/>
             </a:lvl4pPr>
-            <a:lvl5pPr marL="1828251" indent="0">
+            <a:lvl5pPr marL="3250326" indent="0">
               <a:buNone/>
-              <a:defRPr sz="1999"/>
+              <a:defRPr sz="3555"/>
             </a:lvl5pPr>
-            <a:lvl6pPr marL="2285314" indent="0">
+            <a:lvl6pPr marL="4062908" indent="0">
               <a:buNone/>
-              <a:defRPr sz="1999"/>
+              <a:defRPr sz="3555"/>
             </a:lvl6pPr>
-            <a:lvl7pPr marL="2742377" indent="0">
+            <a:lvl7pPr marL="4875489" indent="0">
               <a:buNone/>
-              <a:defRPr sz="1999"/>
+              <a:defRPr sz="3555"/>
             </a:lvl7pPr>
-            <a:lvl8pPr marL="3199440" indent="0">
+            <a:lvl8pPr marL="5688071" indent="0">
               <a:buNone/>
-              <a:defRPr sz="1999"/>
+              <a:defRPr sz="3555"/>
             </a:lvl8pPr>
-            <a:lvl9pPr marL="3656503" indent="0">
+            <a:lvl9pPr marL="6500652" indent="0">
               <a:buNone/>
-              <a:defRPr sz="1999"/>
+              <a:defRPr sz="3555"/>
             </a:lvl9pPr>
           </a:lstStyle>
           <a:p>
-            <a:r>
-              <a:rPr lang="en-US"/>
-              <a:t>Click icon to add picture</a:t>
-            </a:r>
             <a:endParaRPr lang="en-US" dirty="0"/>
           </a:p>
         </p:txBody>
@@ -4159,56 +3575,54 @@
         </p:nvSpPr>
         <p:spPr>
           <a:xfrm>
-            <a:off x="1449951" y="3145992"/>
-            <a:ext cx="5522965" cy="2003742"/>
+            <a:off x="839570" y="2057400"/>
+            <a:ext cx="3931213" cy="3811588"/>
           </a:xfrm>
         </p:spPr>
         <p:txBody>
-          <a:bodyPr>
-            <a:normAutofit/>
-          </a:bodyPr>
+          <a:bodyPr/>
           <a:lstStyle>
-            <a:lvl1pPr marL="0" indent="0" algn="l">
+            <a:lvl1pPr marL="0" indent="0">
               <a:buNone/>
-              <a:defRPr sz="1799"/>
+              <a:defRPr sz="2844"/>
             </a:lvl1pPr>
-            <a:lvl2pPr marL="457063" indent="0">
+            <a:lvl2pPr marL="812582" indent="0">
               <a:buNone/>
-              <a:defRPr sz="1400"/>
+              <a:defRPr sz="2488"/>
             </a:lvl2pPr>
-            <a:lvl3pPr marL="914126" indent="0">
+            <a:lvl3pPr marL="1625163" indent="0">
               <a:buNone/>
-              <a:defRPr sz="1200"/>
+              <a:defRPr sz="2133"/>
             </a:lvl3pPr>
-            <a:lvl4pPr marL="1371189" indent="0">
+            <a:lvl4pPr marL="2437745" indent="0">
               <a:buNone/>
-              <a:defRPr sz="1000"/>
+              <a:defRPr sz="1777"/>
             </a:lvl4pPr>
-            <a:lvl5pPr marL="1828251" indent="0">
+            <a:lvl5pPr marL="3250326" indent="0">
               <a:buNone/>
-              <a:defRPr sz="1000"/>
+              <a:defRPr sz="1777"/>
             </a:lvl5pPr>
-            <a:lvl6pPr marL="2285314" indent="0">
+            <a:lvl6pPr marL="4062908" indent="0">
               <a:buNone/>
-              <a:defRPr sz="1000"/>
+              <a:defRPr sz="1777"/>
             </a:lvl6pPr>
-            <a:lvl7pPr marL="2742377" indent="0">
+            <a:lvl7pPr marL="4875489" indent="0">
               <a:buNone/>
-              <a:defRPr sz="1000"/>
+              <a:defRPr sz="1777"/>
             </a:lvl7pPr>
-            <a:lvl8pPr marL="3199440" indent="0">
+            <a:lvl8pPr marL="5688071" indent="0">
               <a:buNone/>
-              <a:defRPr sz="1000"/>
+              <a:defRPr sz="1777"/>
             </a:lvl8pPr>
-            <a:lvl9pPr marL="3656503" indent="0">
+            <a:lvl9pPr marL="6500652" indent="0">
               <a:buNone/>
-              <a:defRPr sz="1000"/>
+              <a:defRPr sz="1777"/>
             </a:lvl9pPr>
           </a:lstStyle>
           <a:p>
             <a:pPr lvl="0"/>
             <a:r>
-              <a:rPr lang="en-US"/>
+              <a:rPr lang="en-US" dirty="0"/>
               <a:t>Click to edit Master text styles</a:t>
             </a:r>
           </a:p>
@@ -4224,24 +3638,14 @@
             <p:ph type="dt" sz="half" idx="10"/>
           </p:nvPr>
         </p:nvSpPr>
-        <p:spPr>
-          <a:xfrm>
-            <a:off x="1447005" y="5469857"/>
-            <a:ext cx="5525912" cy="320123"/>
-          </a:xfrm>
-        </p:spPr>
+        <p:spPr/>
         <p:txBody>
           <a:bodyPr/>
-          <a:lstStyle>
-            <a:lvl1pPr algn="l">
-              <a:defRPr/>
-            </a:lvl1pPr>
-          </a:lstStyle>
-          <a:p>
-            <a:fld id="{48A87A34-81AB-432B-8DAE-1953F412C126}" type="datetimeFigureOut">
-              <a:rPr lang="en-US" dirty="0"/>
-              <a:pPr/>
-              <a:t>5/25/2023</a:t>
+          <a:lstStyle/>
+          <a:p>
+            <a:fld id="{C764DE79-268F-4C1A-8933-263129D2AF90}" type="datetimeFigureOut">
+              <a:rPr lang="en-US" dirty="0"/>
+              <a:t>5/26/2023</a:t>
             </a:fld>
             <a:endParaRPr lang="en-US" dirty="0"/>
           </a:p>
@@ -4257,12 +3661,7 @@
             <p:ph type="ftr" sz="quarter" idx="11"/>
           </p:nvPr>
         </p:nvSpPr>
-        <p:spPr>
-          <a:xfrm>
-            <a:off x="1447005" y="318641"/>
-            <a:ext cx="5539561" cy="320931"/>
-          </a:xfrm>
-        </p:spPr>
+        <p:spPr/>
         <p:txBody>
           <a:bodyPr/>
           <a:lstStyle/>
@@ -4286,7 +3685,7 @@
           <a:bodyPr/>
           <a:lstStyle/>
           <a:p>
-            <a:fld id="{6D22F896-40B5-4ADD-8801-0D06FADFA095}" type="slidenum">
+            <a:fld id="{48F63A3B-78C7-47BE-AE5E-E10140E04643}" type="slidenum">
               <a:rPr lang="en-US" dirty="0"/>
               <a:t>‹#›</a:t>
             </a:fld>
@@ -4294,59 +3693,16 @@
           </a:p>
         </p:txBody>
       </p:sp>
-      <p:cxnSp>
-        <p:nvCxnSpPr>
-          <p:cNvPr id="31" name="Straight Connector 30"/>
-          <p:cNvCxnSpPr/>
-          <p:nvPr/>
-        </p:nvCxnSpPr>
-        <p:spPr>
-          <a:xfrm>
-            <a:off x="1447005" y="3143605"/>
-            <a:ext cx="5525912" cy="0"/>
-          </a:xfrm>
-          <a:prstGeom prst="line">
-            <a:avLst/>
-          </a:prstGeom>
-          <a:ln w="31750"/>
-        </p:spPr>
-        <p:style>
-          <a:lnRef idx="3">
-            <a:schemeClr val="accent1"/>
-          </a:lnRef>
-          <a:fillRef idx="0">
-            <a:schemeClr val="accent1"/>
-          </a:fillRef>
-          <a:effectRef idx="2">
-            <a:schemeClr val="accent1"/>
-          </a:effectRef>
-          <a:fontRef idx="minor">
-            <a:schemeClr val="tx1"/>
-          </a:fontRef>
-        </p:style>
-      </p:cxnSp>
     </p:spTree>
     <p:extLst>
       <p:ext uri="{BB962C8B-B14F-4D97-AF65-F5344CB8AC3E}">
-        <p14:creationId xmlns:p14="http://schemas.microsoft.com/office/powerpoint/2010/main" val="1552393058"/>
+        <p14:creationId xmlns:p14="http://schemas.microsoft.com/office/powerpoint/2010/main" val="3184073299"/>
       </p:ext>
     </p:extLst>
   </p:cSld>
   <p:clrMapOvr>
     <a:masterClrMapping/>
   </p:clrMapOvr>
-  <mc:AlternateContent xmlns:mc="http://schemas.openxmlformats.org/markup-compatibility/2006" xmlns:p14="http://schemas.microsoft.com/office/powerpoint/2010/main">
-    <mc:Choice Requires="p14">
-      <p:transition spd="med" p14:dur="700">
-        <p:fade/>
-      </p:transition>
-    </mc:Choice>
-    <mc:Fallback xmlns="">
-      <p:transition spd="med">
-        <p:fade/>
-      </p:transition>
-    </mc:Fallback>
-  </mc:AlternateContent>
 </p:sldLayout>
 </file>
 
@@ -4354,8 +3710,8 @@
 <p:sldMaster xmlns:a="http://schemas.openxmlformats.org/drawingml/2006/main" xmlns:r="http://schemas.openxmlformats.org/officeDocument/2006/relationships" xmlns:p="http://schemas.openxmlformats.org/presentationml/2006/main">
   <p:cSld>
     <p:bg>
-      <p:bgRef idx="1003">
-        <a:schemeClr val="bg2"/>
+      <p:bgRef idx="1001">
+        <a:schemeClr val="bg1"/>
       </p:bgRef>
     </p:bg>
     <p:spTree>
@@ -4374,31 +3730,697 @@
       </p:grpSpPr>
       <p:sp>
         <p:nvSpPr>
-          <p:cNvPr id="8" name="Rectangle 7"/>
-          <p:cNvSpPr/>
-          <p:nvPr/>
+          <p:cNvPr id="2" name="Title Placeholder 1"/>
+          <p:cNvSpPr>
+            <a:spLocks noGrp="1"/>
+          </p:cNvSpPr>
+          <p:nvPr>
+            <p:ph type="title"/>
+          </p:nvPr>
         </p:nvSpPr>
         <p:spPr>
           <a:xfrm>
-            <a:off x="0" y="2019477"/>
-            <a:ext cx="12188825" cy="4105941"/>
+            <a:off x="837982" y="365126"/>
+            <a:ext cx="10512862" cy="1325563"/>
           </a:xfrm>
           <a:prstGeom prst="rect">
             <a:avLst/>
           </a:prstGeom>
-          <a:gradFill flip="none" rotWithShape="1">
+        </p:spPr>
+        <p:txBody>
+          <a:bodyPr vert="horz" lIns="91440" tIns="45720" rIns="91440" bIns="45720" rtlCol="0" anchor="ctr">
+            <a:normAutofit/>
+          </a:bodyPr>
+          <a:lstStyle/>
+          <a:p>
+            <a:r>
+              <a:rPr lang="en-US" dirty="0"/>
+              <a:t>Click to edit Master title style</a:t>
+            </a:r>
+          </a:p>
+        </p:txBody>
+      </p:sp>
+      <p:sp>
+        <p:nvSpPr>
+          <p:cNvPr id="3" name="Text Placeholder 2"/>
+          <p:cNvSpPr>
+            <a:spLocks noGrp="1"/>
+          </p:cNvSpPr>
+          <p:nvPr>
+            <p:ph type="body" idx="1"/>
+          </p:nvPr>
+        </p:nvSpPr>
+        <p:spPr>
+          <a:xfrm>
+            <a:off x="837982" y="1825625"/>
+            <a:ext cx="10512862" cy="4351338"/>
+          </a:xfrm>
+          <a:prstGeom prst="rect">
+            <a:avLst/>
+          </a:prstGeom>
+        </p:spPr>
+        <p:txBody>
+          <a:bodyPr vert="horz" lIns="91440" tIns="45720" rIns="91440" bIns="45720" rtlCol="0">
+            <a:normAutofit/>
+          </a:bodyPr>
+          <a:lstStyle/>
+          <a:p>
+            <a:pPr lvl="0"/>
+            <a:r>
+              <a:rPr lang="en-US" dirty="0"/>
+              <a:t>Click to edit Master text styles</a:t>
+            </a:r>
+          </a:p>
+          <a:p>
+            <a:pPr lvl="1"/>
+            <a:r>
+              <a:rPr lang="en-US" dirty="0"/>
+              <a:t>Second level</a:t>
+            </a:r>
+          </a:p>
+          <a:p>
+            <a:pPr lvl="2"/>
+            <a:r>
+              <a:rPr lang="en-US" dirty="0"/>
+              <a:t>Third level</a:t>
+            </a:r>
+          </a:p>
+          <a:p>
+            <a:pPr lvl="3"/>
+            <a:r>
+              <a:rPr lang="en-US" dirty="0"/>
+              <a:t>Fourth level</a:t>
+            </a:r>
+          </a:p>
+          <a:p>
+            <a:pPr lvl="4"/>
+            <a:r>
+              <a:rPr lang="en-US" dirty="0"/>
+              <a:t>Fifth level</a:t>
+            </a:r>
+          </a:p>
+        </p:txBody>
+      </p:sp>
+      <p:sp>
+        <p:nvSpPr>
+          <p:cNvPr id="4" name="Date Placeholder 3"/>
+          <p:cNvSpPr>
+            <a:spLocks noGrp="1"/>
+          </p:cNvSpPr>
+          <p:nvPr>
+            <p:ph type="dt" sz="half" idx="2"/>
+          </p:nvPr>
+        </p:nvSpPr>
+        <p:spPr>
+          <a:xfrm>
+            <a:off x="837982" y="6356351"/>
+            <a:ext cx="2742486" cy="365125"/>
+          </a:xfrm>
+          <a:prstGeom prst="rect">
+            <a:avLst/>
+          </a:prstGeom>
+        </p:spPr>
+        <p:txBody>
+          <a:bodyPr vert="horz" lIns="91440" tIns="45720" rIns="91440" bIns="45720" rtlCol="0" anchor="ctr"/>
+          <a:lstStyle>
+            <a:lvl1pPr algn="l">
+              <a:defRPr sz="2133">
+                <a:solidFill>
+                  <a:schemeClr val="tx1">
+                    <a:tint val="75000"/>
+                  </a:schemeClr>
+                </a:solidFill>
+              </a:defRPr>
+            </a:lvl1pPr>
+          </a:lstStyle>
+          <a:p>
+            <a:fld id="{C764DE79-268F-4C1A-8933-263129D2AF90}" type="datetimeFigureOut">
+              <a:rPr lang="en-US" dirty="0"/>
+              <a:t>5/26/2023</a:t>
+            </a:fld>
+            <a:endParaRPr lang="en-US" dirty="0"/>
+          </a:p>
+        </p:txBody>
+      </p:sp>
+      <p:sp>
+        <p:nvSpPr>
+          <p:cNvPr id="5" name="Footer Placeholder 4"/>
+          <p:cNvSpPr>
+            <a:spLocks noGrp="1"/>
+          </p:cNvSpPr>
+          <p:nvPr>
+            <p:ph type="ftr" sz="quarter" idx="3"/>
+          </p:nvPr>
+        </p:nvSpPr>
+        <p:spPr>
+          <a:xfrm>
+            <a:off x="4037549" y="6356351"/>
+            <a:ext cx="4113728" cy="365125"/>
+          </a:xfrm>
+          <a:prstGeom prst="rect">
+            <a:avLst/>
+          </a:prstGeom>
+        </p:spPr>
+        <p:txBody>
+          <a:bodyPr vert="horz" lIns="91440" tIns="45720" rIns="91440" bIns="45720" rtlCol="0" anchor="ctr"/>
+          <a:lstStyle>
+            <a:lvl1pPr algn="ctr">
+              <a:defRPr sz="2133">
+                <a:solidFill>
+                  <a:schemeClr val="tx1">
+                    <a:tint val="75000"/>
+                  </a:schemeClr>
+                </a:solidFill>
+              </a:defRPr>
+            </a:lvl1pPr>
+          </a:lstStyle>
+          <a:p>
+            <a:endParaRPr lang="en-US" dirty="0"/>
+          </a:p>
+        </p:txBody>
+      </p:sp>
+      <p:sp>
+        <p:nvSpPr>
+          <p:cNvPr id="6" name="Slide Number Placeholder 5"/>
+          <p:cNvSpPr>
+            <a:spLocks noGrp="1"/>
+          </p:cNvSpPr>
+          <p:nvPr>
+            <p:ph type="sldNum" sz="quarter" idx="4"/>
+          </p:nvPr>
+        </p:nvSpPr>
+        <p:spPr>
+          <a:xfrm>
+            <a:off x="8608357" y="6356351"/>
+            <a:ext cx="2742486" cy="365125"/>
+          </a:xfrm>
+          <a:prstGeom prst="rect">
+            <a:avLst/>
+          </a:prstGeom>
+        </p:spPr>
+        <p:txBody>
+          <a:bodyPr vert="horz" lIns="91440" tIns="45720" rIns="91440" bIns="45720" rtlCol="0" anchor="ctr"/>
+          <a:lstStyle>
+            <a:lvl1pPr algn="r">
+              <a:defRPr sz="2133">
+                <a:solidFill>
+                  <a:schemeClr val="tx1">
+                    <a:tint val="75000"/>
+                  </a:schemeClr>
+                </a:solidFill>
+              </a:defRPr>
+            </a:lvl1pPr>
+          </a:lstStyle>
+          <a:p>
+            <a:fld id="{48F63A3B-78C7-47BE-AE5E-E10140E04643}" type="slidenum">
+              <a:rPr lang="en-US" dirty="0"/>
+              <a:t>‹#›</a:t>
+            </a:fld>
+            <a:endParaRPr lang="en-US" dirty="0"/>
+          </a:p>
+        </p:txBody>
+      </p:sp>
+    </p:spTree>
+    <p:extLst>
+      <p:ext uri="{BB962C8B-B14F-4D97-AF65-F5344CB8AC3E}">
+        <p14:creationId xmlns:p14="http://schemas.microsoft.com/office/powerpoint/2010/main" val="3045418121"/>
+      </p:ext>
+    </p:extLst>
+  </p:cSld>
+  <p:clrMap bg1="lt1" tx1="dk1" bg2="lt2" tx2="dk2" accent1="accent1" accent2="accent2" accent3="accent3" accent4="accent4" accent5="accent5" accent6="accent6" hlink="hlink" folHlink="folHlink"/>
+  <p:sldLayoutIdLst>
+    <p:sldLayoutId id="2147483709" r:id="rId1"/>
+    <p:sldLayoutId id="2147483710" r:id="rId2"/>
+    <p:sldLayoutId id="2147483711" r:id="rId3"/>
+    <p:sldLayoutId id="2147483712" r:id="rId4"/>
+    <p:sldLayoutId id="2147483713" r:id="rId5"/>
+    <p:sldLayoutId id="2147483714" r:id="rId6"/>
+    <p:sldLayoutId id="2147483715" r:id="rId7"/>
+    <p:sldLayoutId id="2147483716" r:id="rId8"/>
+    <p:sldLayoutId id="2147483717" r:id="rId9"/>
+    <p:sldLayoutId id="2147483718" r:id="rId10"/>
+    <p:sldLayoutId id="2147483719" r:id="rId11"/>
+  </p:sldLayoutIdLst>
+  <mc:AlternateContent xmlns:mc="http://schemas.openxmlformats.org/markup-compatibility/2006" xmlns:p14="http://schemas.microsoft.com/office/powerpoint/2010/main">
+    <mc:Choice Requires="p14">
+      <p:transition spd="med" p14:dur="700">
+        <p:fade/>
+      </p:transition>
+    </mc:Choice>
+    <mc:Fallback xmlns="">
+      <p:transition spd="med">
+        <p:fade/>
+      </p:transition>
+    </mc:Fallback>
+  </mc:AlternateContent>
+  <p:txStyles>
+    <p:titleStyle>
+      <a:lvl1pPr algn="l" defTabSz="914400" rtl="0" eaLnBrk="1" latinLnBrk="0" hangingPunct="1">
+        <a:lnSpc>
+          <a:spcPct val="90000"/>
+        </a:lnSpc>
+        <a:spcBef>
+          <a:spcPct val="0"/>
+        </a:spcBef>
+        <a:buNone/>
+        <a:defRPr sz="4400" kern="1200">
+          <a:solidFill>
+            <a:schemeClr val="tx1"/>
+          </a:solidFill>
+          <a:latin typeface="+mj-lt"/>
+          <a:ea typeface="+mj-ea"/>
+          <a:cs typeface="+mj-cs"/>
+        </a:defRPr>
+      </a:lvl1pPr>
+    </p:titleStyle>
+    <p:bodyStyle>
+      <a:lvl1pPr marL="228600" indent="-228600" algn="l" defTabSz="914400" rtl="0" eaLnBrk="1" latinLnBrk="0" hangingPunct="1">
+        <a:lnSpc>
+          <a:spcPct val="90000"/>
+        </a:lnSpc>
+        <a:spcBef>
+          <a:spcPts val="1000"/>
+        </a:spcBef>
+        <a:buFont typeface="Arial" panose="020B0604020202020204" pitchFamily="34" charset="0"/>
+        <a:buChar char="•"/>
+        <a:defRPr sz="2800" kern="1200">
+          <a:solidFill>
+            <a:schemeClr val="tx1"/>
+          </a:solidFill>
+          <a:latin typeface="+mn-lt"/>
+          <a:ea typeface="+mn-ea"/>
+          <a:cs typeface="+mn-cs"/>
+        </a:defRPr>
+      </a:lvl1pPr>
+      <a:lvl2pPr marL="685800" indent="-228600" algn="l" defTabSz="914400" rtl="0" eaLnBrk="1" latinLnBrk="0" hangingPunct="1">
+        <a:lnSpc>
+          <a:spcPct val="90000"/>
+        </a:lnSpc>
+        <a:spcBef>
+          <a:spcPts val="500"/>
+        </a:spcBef>
+        <a:buFont typeface="Arial" panose="020B0604020202020204" pitchFamily="34" charset="0"/>
+        <a:buChar char="•"/>
+        <a:defRPr sz="2400" kern="1200">
+          <a:solidFill>
+            <a:schemeClr val="tx1"/>
+          </a:solidFill>
+          <a:latin typeface="+mn-lt"/>
+          <a:ea typeface="+mn-ea"/>
+          <a:cs typeface="+mn-cs"/>
+        </a:defRPr>
+      </a:lvl2pPr>
+      <a:lvl3pPr marL="1143000" indent="-228600" algn="l" defTabSz="914400" rtl="0" eaLnBrk="1" latinLnBrk="0" hangingPunct="1">
+        <a:lnSpc>
+          <a:spcPct val="90000"/>
+        </a:lnSpc>
+        <a:spcBef>
+          <a:spcPts val="500"/>
+        </a:spcBef>
+        <a:buFont typeface="Arial" panose="020B0604020202020204" pitchFamily="34" charset="0"/>
+        <a:buChar char="•"/>
+        <a:defRPr sz="2000" kern="1200">
+          <a:solidFill>
+            <a:schemeClr val="tx1"/>
+          </a:solidFill>
+          <a:latin typeface="+mn-lt"/>
+          <a:ea typeface="+mn-ea"/>
+          <a:cs typeface="+mn-cs"/>
+        </a:defRPr>
+      </a:lvl3pPr>
+      <a:lvl4pPr marL="1600200" indent="-228600" algn="l" defTabSz="914400" rtl="0" eaLnBrk="1" latinLnBrk="0" hangingPunct="1">
+        <a:lnSpc>
+          <a:spcPct val="90000"/>
+        </a:lnSpc>
+        <a:spcBef>
+          <a:spcPts val="500"/>
+        </a:spcBef>
+        <a:buFont typeface="Arial" panose="020B0604020202020204" pitchFamily="34" charset="0"/>
+        <a:buChar char="•"/>
+        <a:defRPr sz="1800" kern="1200">
+          <a:solidFill>
+            <a:schemeClr val="tx1"/>
+          </a:solidFill>
+          <a:latin typeface="+mn-lt"/>
+          <a:ea typeface="+mn-ea"/>
+          <a:cs typeface="+mn-cs"/>
+        </a:defRPr>
+      </a:lvl4pPr>
+      <a:lvl5pPr marL="2057400" indent="-228600" algn="l" defTabSz="914400" rtl="0" eaLnBrk="1" latinLnBrk="0" hangingPunct="1">
+        <a:lnSpc>
+          <a:spcPct val="90000"/>
+        </a:lnSpc>
+        <a:spcBef>
+          <a:spcPts val="500"/>
+        </a:spcBef>
+        <a:buFont typeface="Arial" panose="020B0604020202020204" pitchFamily="34" charset="0"/>
+        <a:buChar char="•"/>
+        <a:defRPr sz="1800" kern="1200">
+          <a:solidFill>
+            <a:schemeClr val="tx1"/>
+          </a:solidFill>
+          <a:latin typeface="+mn-lt"/>
+          <a:ea typeface="+mn-ea"/>
+          <a:cs typeface="+mn-cs"/>
+        </a:defRPr>
+      </a:lvl5pPr>
+      <a:lvl6pPr marL="2514600" indent="-228600" algn="l" defTabSz="914400" rtl="0" eaLnBrk="1" latinLnBrk="0" hangingPunct="1">
+        <a:lnSpc>
+          <a:spcPct val="90000"/>
+        </a:lnSpc>
+        <a:spcBef>
+          <a:spcPts val="500"/>
+        </a:spcBef>
+        <a:buFont typeface="Arial" panose="020B0604020202020204" pitchFamily="34" charset="0"/>
+        <a:buChar char="•"/>
+        <a:defRPr sz="1800" kern="1200">
+          <a:solidFill>
+            <a:schemeClr val="tx1"/>
+          </a:solidFill>
+          <a:latin typeface="+mn-lt"/>
+          <a:ea typeface="+mn-ea"/>
+          <a:cs typeface="+mn-cs"/>
+        </a:defRPr>
+      </a:lvl6pPr>
+      <a:lvl7pPr marL="2971800" indent="-228600" algn="l" defTabSz="914400" rtl="0" eaLnBrk="1" latinLnBrk="0" hangingPunct="1">
+        <a:lnSpc>
+          <a:spcPct val="90000"/>
+        </a:lnSpc>
+        <a:spcBef>
+          <a:spcPts val="500"/>
+        </a:spcBef>
+        <a:buFont typeface="Arial" panose="020B0604020202020204" pitchFamily="34" charset="0"/>
+        <a:buChar char="•"/>
+        <a:defRPr sz="1800" kern="1200">
+          <a:solidFill>
+            <a:schemeClr val="tx1"/>
+          </a:solidFill>
+          <a:latin typeface="+mn-lt"/>
+          <a:ea typeface="+mn-ea"/>
+          <a:cs typeface="+mn-cs"/>
+        </a:defRPr>
+      </a:lvl7pPr>
+      <a:lvl8pPr marL="3429000" indent="-228600" algn="l" defTabSz="914400" rtl="0" eaLnBrk="1" latinLnBrk="0" hangingPunct="1">
+        <a:lnSpc>
+          <a:spcPct val="90000"/>
+        </a:lnSpc>
+        <a:spcBef>
+          <a:spcPts val="500"/>
+        </a:spcBef>
+        <a:buFont typeface="Arial" panose="020B0604020202020204" pitchFamily="34" charset="0"/>
+        <a:buChar char="•"/>
+        <a:defRPr sz="1800" kern="1200">
+          <a:solidFill>
+            <a:schemeClr val="tx1"/>
+          </a:solidFill>
+          <a:latin typeface="+mn-lt"/>
+          <a:ea typeface="+mn-ea"/>
+          <a:cs typeface="+mn-cs"/>
+        </a:defRPr>
+      </a:lvl8pPr>
+      <a:lvl9pPr marL="3886200" indent="-228600" algn="l" defTabSz="914400" rtl="0" eaLnBrk="1" latinLnBrk="0" hangingPunct="1">
+        <a:lnSpc>
+          <a:spcPct val="90000"/>
+        </a:lnSpc>
+        <a:spcBef>
+          <a:spcPts val="500"/>
+        </a:spcBef>
+        <a:buFont typeface="Arial" panose="020B0604020202020204" pitchFamily="34" charset="0"/>
+        <a:buChar char="•"/>
+        <a:defRPr sz="1800" kern="1200">
+          <a:solidFill>
+            <a:schemeClr val="tx1"/>
+          </a:solidFill>
+          <a:latin typeface="+mn-lt"/>
+          <a:ea typeface="+mn-ea"/>
+          <a:cs typeface="+mn-cs"/>
+        </a:defRPr>
+      </a:lvl9pPr>
+    </p:bodyStyle>
+    <p:otherStyle>
+      <a:defPPr>
+        <a:defRPr lang="en-US"/>
+      </a:defPPr>
+      <a:lvl1pPr marL="0" algn="l" defTabSz="914400" rtl="0" eaLnBrk="1" latinLnBrk="0" hangingPunct="1">
+        <a:defRPr sz="1800" kern="1200">
+          <a:solidFill>
+            <a:schemeClr val="tx1"/>
+          </a:solidFill>
+          <a:latin typeface="+mn-lt"/>
+          <a:ea typeface="+mn-ea"/>
+          <a:cs typeface="+mn-cs"/>
+        </a:defRPr>
+      </a:lvl1pPr>
+      <a:lvl2pPr marL="457200" algn="l" defTabSz="914400" rtl="0" eaLnBrk="1" latinLnBrk="0" hangingPunct="1">
+        <a:defRPr sz="1800" kern="1200">
+          <a:solidFill>
+            <a:schemeClr val="tx1"/>
+          </a:solidFill>
+          <a:latin typeface="+mn-lt"/>
+          <a:ea typeface="+mn-ea"/>
+          <a:cs typeface="+mn-cs"/>
+        </a:defRPr>
+      </a:lvl2pPr>
+      <a:lvl3pPr marL="914400" algn="l" defTabSz="914400" rtl="0" eaLnBrk="1" latinLnBrk="0" hangingPunct="1">
+        <a:defRPr sz="1800" kern="1200">
+          <a:solidFill>
+            <a:schemeClr val="tx1"/>
+          </a:solidFill>
+          <a:latin typeface="+mn-lt"/>
+          <a:ea typeface="+mn-ea"/>
+          <a:cs typeface="+mn-cs"/>
+        </a:defRPr>
+      </a:lvl3pPr>
+      <a:lvl4pPr marL="1371600" algn="l" defTabSz="914400" rtl="0" eaLnBrk="1" latinLnBrk="0" hangingPunct="1">
+        <a:defRPr sz="1800" kern="1200">
+          <a:solidFill>
+            <a:schemeClr val="tx1"/>
+          </a:solidFill>
+          <a:latin typeface="+mn-lt"/>
+          <a:ea typeface="+mn-ea"/>
+          <a:cs typeface="+mn-cs"/>
+        </a:defRPr>
+      </a:lvl4pPr>
+      <a:lvl5pPr marL="1828800" algn="l" defTabSz="914400" rtl="0" eaLnBrk="1" latinLnBrk="0" hangingPunct="1">
+        <a:defRPr sz="1800" kern="1200">
+          <a:solidFill>
+            <a:schemeClr val="tx1"/>
+          </a:solidFill>
+          <a:latin typeface="+mn-lt"/>
+          <a:ea typeface="+mn-ea"/>
+          <a:cs typeface="+mn-cs"/>
+        </a:defRPr>
+      </a:lvl5pPr>
+      <a:lvl6pPr marL="2286000" algn="l" defTabSz="914400" rtl="0" eaLnBrk="1" latinLnBrk="0" hangingPunct="1">
+        <a:defRPr sz="1800" kern="1200">
+          <a:solidFill>
+            <a:schemeClr val="tx1"/>
+          </a:solidFill>
+          <a:latin typeface="+mn-lt"/>
+          <a:ea typeface="+mn-ea"/>
+          <a:cs typeface="+mn-cs"/>
+        </a:defRPr>
+      </a:lvl6pPr>
+      <a:lvl7pPr marL="2743200" algn="l" defTabSz="914400" rtl="0" eaLnBrk="1" latinLnBrk="0" hangingPunct="1">
+        <a:defRPr sz="1800" kern="1200">
+          <a:solidFill>
+            <a:schemeClr val="tx1"/>
+          </a:solidFill>
+          <a:latin typeface="+mn-lt"/>
+          <a:ea typeface="+mn-ea"/>
+          <a:cs typeface="+mn-cs"/>
+        </a:defRPr>
+      </a:lvl7pPr>
+      <a:lvl8pPr marL="3200400" algn="l" defTabSz="914400" rtl="0" eaLnBrk="1" latinLnBrk="0" hangingPunct="1">
+        <a:defRPr sz="1800" kern="1200">
+          <a:solidFill>
+            <a:schemeClr val="tx1"/>
+          </a:solidFill>
+          <a:latin typeface="+mn-lt"/>
+          <a:ea typeface="+mn-ea"/>
+          <a:cs typeface="+mn-cs"/>
+        </a:defRPr>
+      </a:lvl8pPr>
+      <a:lvl9pPr marL="3657600" algn="l" defTabSz="914400" rtl="0" eaLnBrk="1" latinLnBrk="0" hangingPunct="1">
+        <a:defRPr sz="1800" kern="1200">
+          <a:solidFill>
+            <a:schemeClr val="tx1"/>
+          </a:solidFill>
+          <a:latin typeface="+mn-lt"/>
+          <a:ea typeface="+mn-ea"/>
+          <a:cs typeface="+mn-cs"/>
+        </a:defRPr>
+      </a:lvl9pPr>
+    </p:otherStyle>
+  </p:txStyles>
+</p:sldMaster>
+</file>
+
+<file path=ppt/slides/slide1.xml><?xml version="1.0" encoding="utf-8"?>
+<p:sld xmlns:a="http://schemas.openxmlformats.org/drawingml/2006/main" xmlns:r="http://schemas.openxmlformats.org/officeDocument/2006/relationships" xmlns:p="http://schemas.openxmlformats.org/presentationml/2006/main">
+  <p:cSld>
+    <p:bg>
+      <p:bgPr>
+        <a:solidFill>
+          <a:schemeClr val="bg1"/>
+        </a:solidFill>
+        <a:effectLst/>
+      </p:bgPr>
+    </p:bg>
+    <p:spTree>
+      <p:nvGrpSpPr>
+        <p:cNvPr id="1" name=""/>
+        <p:cNvGrpSpPr/>
+        <p:nvPr/>
+      </p:nvGrpSpPr>
+      <p:grpSpPr>
+        <a:xfrm>
+          <a:off x="0" y="0"/>
+          <a:ext cx="0" cy="0"/>
+          <a:chOff x="0" y="0"/>
+          <a:chExt cx="0" cy="0"/>
+        </a:xfrm>
+      </p:grpSpPr>
+      <p:sp useBgFill="1">
+        <p:nvSpPr>
+          <p:cNvPr id="9" name="Rectangle 8">
+            <a:extLst>
+              <a:ext uri="{FF2B5EF4-FFF2-40B4-BE49-F238E27FC236}">
+                <a16:creationId xmlns:a16="http://schemas.microsoft.com/office/drawing/2014/main" id="{0671A8AE-40A1-4631-A6B8-581AFF065482}"/>
+              </a:ext>
+              <a:ext uri="{C183D7F6-B498-43B3-948B-1728B52AA6E4}">
+                <adec:decorative xmlns:adec="http://schemas.microsoft.com/office/drawing/2017/decorative" val="1"/>
+              </a:ext>
+            </a:extLst>
+          </p:cNvPr>
+          <p:cNvSpPr>
+            <a:spLocks noGrp="1" noRot="1" noChangeAspect="1" noMove="1" noResize="1" noEditPoints="1" noAdjustHandles="1" noChangeArrowheads="1" noChangeShapeType="1" noTextEdit="1"/>
+          </p:cNvSpPr>
+          <p:nvPr>
+            <p:extLst>
+              <p:ext uri="{386F3935-93C4-4BCD-93E2-E3B085C9AB24}">
+                <p16:designElem xmlns:p16="http://schemas.microsoft.com/office/powerpoint/2015/main" val="1"/>
+              </p:ext>
+            </p:extLst>
+          </p:nvPr>
+        </p:nvSpPr>
+        <p:spPr>
+          <a:xfrm>
+            <a:off x="0" y="0"/>
+            <a:ext cx="12188825" cy="6858000"/>
+          </a:xfrm>
+          <a:prstGeom prst="rect">
+            <a:avLst/>
+          </a:prstGeom>
+          <a:ln>
+            <a:noFill/>
+          </a:ln>
+        </p:spPr>
+        <p:style>
+          <a:lnRef idx="2">
+            <a:schemeClr val="accent1">
+              <a:shade val="50000"/>
+            </a:schemeClr>
+          </a:lnRef>
+          <a:fillRef idx="1">
+            <a:schemeClr val="accent1"/>
+          </a:fillRef>
+          <a:effectRef idx="0">
+            <a:schemeClr val="accent1"/>
+          </a:effectRef>
+          <a:fontRef idx="minor">
+            <a:schemeClr val="lt1"/>
+          </a:fontRef>
+        </p:style>
+        <p:txBody>
+          <a:bodyPr rtlCol="0" anchor="ctr"/>
+          <a:lstStyle/>
+          <a:p>
+            <a:pPr algn="ctr"/>
+            <a:endParaRPr lang="en-US"/>
+          </a:p>
+        </p:txBody>
+      </p:sp>
+      <p:pic>
+        <p:nvPicPr>
+          <p:cNvPr id="5" name="Picture 4">
+            <a:extLst>
+              <a:ext uri="{FF2B5EF4-FFF2-40B4-BE49-F238E27FC236}">
+                <a16:creationId xmlns:a16="http://schemas.microsoft.com/office/drawing/2014/main" id="{96D23AB7-90F9-4D4F-A5B3-9293100F86D8}"/>
+              </a:ext>
+            </a:extLst>
+          </p:cNvPr>
+          <p:cNvPicPr>
+            <a:picLocks noChangeAspect="1"/>
+          </p:cNvPicPr>
+          <p:nvPr/>
+        </p:nvPicPr>
+        <p:blipFill rotWithShape="1">
+          <a:blip r:embed="rId3"/>
+          <a:srcRect l="2353" t="10052" r="6743" b="6"/>
+          <a:stretch/>
+        </p:blipFill>
+        <p:spPr>
+          <a:xfrm>
+            <a:off x="3522570" y="10"/>
+            <a:ext cx="8666255" cy="6857990"/>
+          </a:xfrm>
+          <a:prstGeom prst="rect">
+            <a:avLst/>
+          </a:prstGeom>
+        </p:spPr>
+      </p:pic>
+      <p:sp>
+        <p:nvSpPr>
+          <p:cNvPr id="11" name="Rectangle 10">
+            <a:extLst>
+              <a:ext uri="{FF2B5EF4-FFF2-40B4-BE49-F238E27FC236}">
+                <a16:creationId xmlns:a16="http://schemas.microsoft.com/office/drawing/2014/main" id="{AB58EF07-17C2-48CF-ABB0-EEF1F17CB8F0}"/>
+              </a:ext>
+              <a:ext uri="{C183D7F6-B498-43B3-948B-1728B52AA6E4}">
+                <adec:decorative xmlns:adec="http://schemas.microsoft.com/office/drawing/2017/decorative" val="1"/>
+              </a:ext>
+            </a:extLst>
+          </p:cNvPr>
+          <p:cNvSpPr>
+            <a:spLocks noGrp="1" noRot="1" noChangeAspect="1" noMove="1" noResize="1" noEditPoints="1" noAdjustHandles="1" noChangeArrowheads="1" noChangeShapeType="1" noTextEdit="1"/>
+          </p:cNvSpPr>
+          <p:nvPr>
+            <p:extLst>
+              <p:ext uri="{386F3935-93C4-4BCD-93E2-E3B085C9AB24}">
+                <p16:designElem xmlns:p16="http://schemas.microsoft.com/office/powerpoint/2015/main" val="1"/>
+              </p:ext>
+            </p:extLst>
+          </p:nvPr>
+        </p:nvSpPr>
+        <p:spPr>
+          <a:xfrm>
+            <a:off x="2" y="0"/>
+            <a:ext cx="9336774" cy="6858000"/>
+          </a:xfrm>
+          <a:prstGeom prst="rect">
+            <a:avLst/>
+          </a:prstGeom>
+          <a:gradFill>
             <a:gsLst>
+              <a:gs pos="58000">
+                <a:schemeClr val="bg1"/>
+              </a:gs>
+              <a:gs pos="33000">
+                <a:schemeClr val="bg1">
+                  <a:alpha val="64000"/>
+                </a:schemeClr>
+              </a:gs>
               <a:gs pos="0">
-                <a:schemeClr val="bg2">
+                <a:schemeClr val="bg1">
                   <a:alpha val="0"/>
                 </a:schemeClr>
               </a:gs>
               <a:gs pos="100000">
-                <a:schemeClr val="bg2"/>
+                <a:schemeClr val="bg1"/>
               </a:gs>
             </a:gsLst>
-            <a:lin ang="5400000" scaled="0"/>
-            <a:tileRect/>
+            <a:lin ang="10800000" scaled="0"/>
           </a:gradFill>
           <a:ln>
             <a:noFill/>
@@ -4420,972 +4442,317 @@
             <a:schemeClr val="lt1"/>
           </a:fontRef>
         </p:style>
-      </p:sp>
-      <p:pic>
-        <p:nvPicPr>
-          <p:cNvPr id="7" name="Picture 6"/>
-          <p:cNvPicPr>
-            <a:picLocks noChangeAspect="1"/>
-          </p:cNvPicPr>
-          <p:nvPr/>
-        </p:nvPicPr>
-        <p:blipFill rotWithShape="1">
-          <a:blip r:embed="rId13">
+        <p:txBody>
+          <a:bodyPr rtlCol="0" anchor="ctr"/>
+          <a:lstStyle/>
+          <a:p>
+            <a:pPr algn="ctr"/>
+            <a:endParaRPr lang="en-US" dirty="0"/>
+          </a:p>
+        </p:txBody>
+      </p:sp>
+      <p:sp>
+        <p:nvSpPr>
+          <p:cNvPr id="2" name="Title 1"/>
+          <p:cNvSpPr>
+            <a:spLocks noGrp="1"/>
+          </p:cNvSpPr>
+          <p:nvPr>
+            <p:ph type="ctrTitle"/>
+          </p:nvPr>
+        </p:nvSpPr>
+        <p:spPr>
+          <a:xfrm>
+            <a:off x="477856" y="1122363"/>
+            <a:ext cx="6012924" cy="3204134"/>
+          </a:xfrm>
+        </p:spPr>
+        <p:txBody>
+          <a:bodyPr anchor="b">
+            <a:normAutofit/>
+          </a:bodyPr>
+          <a:lstStyle/>
+          <a:p>
+            <a:pPr algn="l"/>
+            <a:r>
+              <a:rPr lang="en-US" sz="2600" b="1" dirty="0">
+                <a:cs typeface="Calibri Light"/>
+              </a:rPr>
+              <a:t>EXECUTIVE SUMMARY :</a:t>
+            </a:r>
+            <a:br>
+              <a:rPr lang="en-US" sz="2600" b="1" dirty="0"/>
+            </a:br>
+            <a:br>
+              <a:rPr lang="en-US" sz="2600" b="1" dirty="0"/>
+            </a:br>
+            <a:r>
+              <a:rPr lang="en-US" sz="2600" b="1" dirty="0"/>
+              <a:t>Safety Analysis and Recommendation  - </a:t>
+            </a:r>
+            <a:br>
+              <a:rPr lang="en-US" sz="2600" b="1" dirty="0"/>
+            </a:br>
+            <a:r>
+              <a:rPr lang="en-US" sz="2600" b="1" dirty="0"/>
+              <a:t>United Airlines</a:t>
+            </a:r>
+            <a:br>
+              <a:rPr lang="en-US" sz="2600" b="1" dirty="0"/>
+            </a:br>
+            <a:br>
+              <a:rPr lang="en-US" sz="2600" dirty="0"/>
+            </a:br>
+            <a:br>
+              <a:rPr lang="en-US" sz="2600" dirty="0"/>
+            </a:br>
+            <a:endParaRPr lang="en-US" sz="2600">
+              <a:cs typeface="Calibri Light"/>
+            </a:endParaRPr>
+          </a:p>
+        </p:txBody>
+      </p:sp>
+      <p:sp>
+        <p:nvSpPr>
+          <p:cNvPr id="3" name="Subtitle 2"/>
+          <p:cNvSpPr>
+            <a:spLocks noGrp="1"/>
+          </p:cNvSpPr>
+          <p:nvPr>
+            <p:ph type="subTitle" idx="1"/>
+          </p:nvPr>
+        </p:nvSpPr>
+        <p:spPr>
+          <a:xfrm>
+            <a:off x="477855" y="4872922"/>
+            <a:ext cx="4022311" cy="1208141"/>
+          </a:xfrm>
+        </p:spPr>
+        <p:txBody>
+          <a:bodyPr vert="horz" lIns="91440" tIns="45720" rIns="91440" bIns="45720" rtlCol="0" anchor="t">
+            <a:normAutofit/>
+          </a:bodyPr>
+          <a:lstStyle/>
+          <a:p>
+            <a:pPr algn="l"/>
+            <a:endParaRPr lang="en-US" sz="2000">
+              <a:latin typeface="Calibri" panose="020F0502020204030204" pitchFamily="34" charset="0"/>
+              <a:cs typeface="Calibri" panose="020F0502020204030204" pitchFamily="34" charset="0"/>
+            </a:endParaRPr>
+          </a:p>
+          <a:p>
+            <a:pPr algn="l"/>
+            <a:r>
+              <a:rPr lang="en-US" sz="2000" b="1" dirty="0">
+                <a:latin typeface="Calibri"/>
+                <a:cs typeface="Calibri"/>
+              </a:rPr>
+              <a:t>Author: Venkat J </a:t>
+            </a:r>
+            <a:r>
+              <a:rPr lang="en-US" sz="2000" b="1" dirty="0" err="1">
+                <a:latin typeface="Calibri"/>
+                <a:cs typeface="Calibri"/>
+              </a:rPr>
+              <a:t>Jampani</a:t>
+            </a:r>
+            <a:endParaRPr lang="en-US" sz="2000" b="1" dirty="0">
+              <a:latin typeface="Calibri"/>
+              <a:cs typeface="Calibri"/>
+            </a:endParaRPr>
+          </a:p>
+          <a:p>
+            <a:pPr algn="l"/>
+            <a:r>
+              <a:rPr lang="en-US" sz="2000" b="1" dirty="0">
+                <a:latin typeface="Calibri"/>
+                <a:cs typeface="Calibri"/>
+              </a:rPr>
+              <a:t>Date: April 25</a:t>
+            </a:r>
+            <a:r>
+              <a:rPr lang="en-US" sz="2000" b="1" baseline="30000" dirty="0">
+                <a:latin typeface="Calibri"/>
+                <a:cs typeface="Calibri"/>
+              </a:rPr>
+              <a:t>th</a:t>
+            </a:r>
+            <a:r>
+              <a:rPr lang="en-US" sz="2000" b="1" dirty="0">
+                <a:latin typeface="Calibri"/>
+                <a:cs typeface="Calibri"/>
+              </a:rPr>
+              <a:t>, 2023</a:t>
+            </a:r>
+            <a:endParaRPr lang="en-US" sz="2000" b="1" i="0" dirty="0">
+              <a:effectLst/>
+              <a:latin typeface="Calibri"/>
+              <a:cs typeface="Calibri"/>
+            </a:endParaRPr>
+          </a:p>
+          <a:p>
+            <a:pPr algn="l"/>
+            <a:endParaRPr lang="en-US" sz="2000"/>
+          </a:p>
+        </p:txBody>
+      </p:sp>
+      <p:sp>
+        <p:nvSpPr>
+          <p:cNvPr id="13" name="Rectangle 12">
             <a:extLst>
-              <a:ext uri="{28A0092B-C50C-407E-A947-70E740481C1C}">
-                <a14:useLocalDpi xmlns:a14="http://schemas.microsoft.com/office/drawing/2010/main" val="0"/>
+              <a:ext uri="{FF2B5EF4-FFF2-40B4-BE49-F238E27FC236}">
+                <a16:creationId xmlns:a16="http://schemas.microsoft.com/office/drawing/2014/main" id="{AF2F604E-43BE-4DC3-B983-E071523364F8}"/>
+              </a:ext>
+              <a:ext uri="{C183D7F6-B498-43B3-948B-1728B52AA6E4}">
+                <adec:decorative xmlns:adec="http://schemas.microsoft.com/office/drawing/2017/decorative" val="1"/>
               </a:ext>
             </a:extLst>
-          </a:blip>
-          <a:srcRect t="1538" b="-1538"/>
-          <a:stretch/>
-        </p:blipFill>
-        <p:spPr bwMode="black">
-          <a:xfrm>
-            <a:off x="0" y="6126480"/>
-            <a:ext cx="12188825" cy="742950"/>
+          </p:cNvPr>
+          <p:cNvSpPr>
+            <a:spLocks noGrp="1" noRot="1" noChangeAspect="1" noMove="1" noResize="1" noEditPoints="1" noAdjustHandles="1" noChangeArrowheads="1" noChangeShapeType="1" noTextEdit="1"/>
+          </p:cNvSpPr>
+          <p:nvPr>
+            <p:extLst>
+              <p:ext uri="{386F3935-93C4-4BCD-93E2-E3B085C9AB24}">
+                <p16:designElem xmlns:p16="http://schemas.microsoft.com/office/powerpoint/2015/main" val="1"/>
+              </p:ext>
+            </p:extLst>
+          </p:nvPr>
+        </p:nvSpPr>
+        <p:spPr>
+          <a:xfrm rot="5400000">
+            <a:off x="759704" y="346883"/>
+            <a:ext cx="146304" cy="703905"/>
           </a:xfrm>
           <a:prstGeom prst="rect">
             <a:avLst/>
           </a:prstGeom>
-        </p:spPr>
-      </p:pic>
-      <p:sp>
-        <p:nvSpPr>
-          <p:cNvPr id="2" name="Title Placeholder 1"/>
-          <p:cNvSpPr>
-            <a:spLocks noGrp="1"/>
-          </p:cNvSpPr>
-          <p:nvPr>
-            <p:ph type="title"/>
-          </p:nvPr>
-        </p:nvSpPr>
-        <p:spPr>
-          <a:xfrm>
-            <a:off x="1451202" y="804520"/>
-            <a:ext cx="9600774" cy="1049235"/>
-          </a:xfrm>
-          <a:prstGeom prst="rect">
-            <a:avLst/>
-          </a:prstGeom>
-        </p:spPr>
-        <p:txBody>
-          <a:bodyPr vert="horz" lIns="91440" tIns="45720" rIns="91440" bIns="45720" rtlCol="0" anchor="t">
-            <a:normAutofit/>
-          </a:bodyPr>
-          <a:lstStyle/>
-          <a:p>
-            <a:r>
-              <a:rPr lang="en-US"/>
-              <a:t>Click to edit Master title style</a:t>
-            </a:r>
-            <a:endParaRPr lang="en-US" dirty="0"/>
-          </a:p>
-        </p:txBody>
-      </p:sp>
-      <p:sp>
-        <p:nvSpPr>
-          <p:cNvPr id="3" name="Text Placeholder 2"/>
-          <p:cNvSpPr>
-            <a:spLocks noGrp="1"/>
-          </p:cNvSpPr>
-          <p:nvPr>
-            <p:ph type="body" idx="1"/>
-          </p:nvPr>
-        </p:nvSpPr>
-        <p:spPr>
-          <a:xfrm>
-            <a:off x="1451202" y="2015733"/>
-            <a:ext cx="9600774" cy="3450613"/>
-          </a:xfrm>
-          <a:prstGeom prst="rect">
-            <a:avLst/>
-          </a:prstGeom>
-        </p:spPr>
-        <p:txBody>
-          <a:bodyPr vert="horz" lIns="91440" tIns="45720" rIns="91440" bIns="45720" rtlCol="0">
-            <a:normAutofit/>
-          </a:bodyPr>
-          <a:lstStyle/>
-          <a:p>
-            <a:pPr lvl="0"/>
-            <a:r>
-              <a:rPr lang="en-US"/>
-              <a:t>Click to edit Master text styles</a:t>
-            </a:r>
-          </a:p>
-          <a:p>
-            <a:pPr lvl="1"/>
-            <a:r>
-              <a:rPr lang="en-US"/>
-              <a:t>Second level</a:t>
-            </a:r>
-          </a:p>
-          <a:p>
-            <a:pPr lvl="2"/>
-            <a:r>
-              <a:rPr lang="en-US"/>
-              <a:t>Third level</a:t>
-            </a:r>
-          </a:p>
-          <a:p>
-            <a:pPr lvl="3"/>
-            <a:r>
-              <a:rPr lang="en-US"/>
-              <a:t>Fourth level</a:t>
-            </a:r>
-          </a:p>
-          <a:p>
-            <a:pPr lvl="4"/>
-            <a:r>
-              <a:rPr lang="en-US"/>
-              <a:t>Fifth level</a:t>
-            </a:r>
-            <a:endParaRPr lang="en-US" dirty="0"/>
-          </a:p>
-        </p:txBody>
-      </p:sp>
-      <p:sp>
-        <p:nvSpPr>
-          <p:cNvPr id="4" name="Date Placeholder 3"/>
-          <p:cNvSpPr>
-            <a:spLocks noGrp="1"/>
-          </p:cNvSpPr>
-          <p:nvPr>
-            <p:ph type="dt" sz="half" idx="2"/>
-          </p:nvPr>
-        </p:nvSpPr>
-        <p:spPr>
-          <a:xfrm>
-            <a:off x="7552171" y="330370"/>
-            <a:ext cx="3499803" cy="309201"/>
-          </a:xfrm>
-          <a:prstGeom prst="rect">
-            <a:avLst/>
-          </a:prstGeom>
-        </p:spPr>
-        <p:txBody>
-          <a:bodyPr vert="horz" lIns="91440" tIns="45720" rIns="91440" bIns="45720" rtlCol="0" anchor="ctr"/>
-          <a:lstStyle>
-            <a:lvl1pPr algn="r">
-              <a:defRPr sz="1000">
-                <a:solidFill>
-                  <a:schemeClr val="tx1">
-                    <a:tint val="75000"/>
-                  </a:schemeClr>
-                </a:solidFill>
-              </a:defRPr>
-            </a:lvl1pPr>
-          </a:lstStyle>
-          <a:p>
-            <a:fld id="{83829175-527E-46A3-863C-1BB1F163B849}" type="datetimeFigureOut">
-              <a:rPr lang="en-US" smtClean="0"/>
-              <a:pPr/>
-              <a:t>5/25/2023</a:t>
-            </a:fld>
-            <a:endParaRPr lang="en-US" dirty="0"/>
-          </a:p>
-        </p:txBody>
-      </p:sp>
-      <p:sp>
-        <p:nvSpPr>
-          <p:cNvPr id="5" name="Footer Placeholder 4"/>
-          <p:cNvSpPr>
-            <a:spLocks noGrp="1"/>
-          </p:cNvSpPr>
-          <p:nvPr>
-            <p:ph type="ftr" sz="quarter" idx="3"/>
-          </p:nvPr>
-        </p:nvSpPr>
-        <p:spPr>
-          <a:xfrm>
-            <a:off x="1451201" y="329308"/>
-            <a:ext cx="5937289" cy="309201"/>
-          </a:xfrm>
-          <a:prstGeom prst="rect">
-            <a:avLst/>
-          </a:prstGeom>
-        </p:spPr>
-        <p:txBody>
-          <a:bodyPr vert="horz" lIns="91440" tIns="45720" rIns="91440" bIns="45720" rtlCol="0" anchor="ctr"/>
-          <a:lstStyle>
-            <a:lvl1pPr algn="l">
-              <a:defRPr sz="1000">
-                <a:solidFill>
-                  <a:schemeClr val="tx1">
-                    <a:tint val="75000"/>
-                  </a:schemeClr>
-                </a:solidFill>
-              </a:defRPr>
-            </a:lvl1pPr>
-          </a:lstStyle>
-          <a:p>
-            <a:endParaRPr lang="en-US" dirty="0"/>
-          </a:p>
-        </p:txBody>
-      </p:sp>
-      <p:sp>
-        <p:nvSpPr>
-          <p:cNvPr id="6" name="Slide Number Placeholder 5"/>
-          <p:cNvSpPr>
-            <a:spLocks noGrp="1"/>
-          </p:cNvSpPr>
-          <p:nvPr>
-            <p:ph type="sldNum" sz="quarter" idx="4"/>
-          </p:nvPr>
-        </p:nvSpPr>
-        <p:spPr>
-          <a:xfrm>
-            <a:off x="479935" y="798973"/>
-            <a:ext cx="810808" cy="503578"/>
-          </a:xfrm>
-          <a:prstGeom prst="rect">
-            <a:avLst/>
-          </a:prstGeom>
-        </p:spPr>
-        <p:txBody>
-          <a:bodyPr vert="horz" lIns="91440" tIns="45720" rIns="91440" bIns="45720" rtlCol="0" anchor="t"/>
-          <a:lstStyle>
-            <a:lvl1pPr algn="r">
-              <a:defRPr sz="2799">
-                <a:solidFill>
-                  <a:schemeClr val="accent1"/>
-                </a:solidFill>
-              </a:defRPr>
-            </a:lvl1pPr>
-          </a:lstStyle>
-          <a:p>
-            <a:fld id="{E5137D0E-4A4F-4307-8994-C1891D747D59}" type="slidenum">
-              <a:rPr lang="en-US" smtClean="0"/>
-              <a:pPr/>
-              <a:t>‹#›</a:t>
-            </a:fld>
-            <a:endParaRPr lang="en-US" dirty="0"/>
-          </a:p>
-        </p:txBody>
-      </p:sp>
-      <p:cxnSp>
-        <p:nvCxnSpPr>
-          <p:cNvPr id="10" name="Straight Connector 9"/>
-          <p:cNvCxnSpPr/>
-          <p:nvPr/>
-        </p:nvCxnSpPr>
-        <p:spPr>
-          <a:xfrm>
-            <a:off x="0" y="6128413"/>
-            <a:ext cx="12188825" cy="0"/>
-          </a:xfrm>
-          <a:prstGeom prst="line">
-            <a:avLst/>
-          </a:prstGeom>
-          <a:ln w="12700">
-            <a:solidFill>
-              <a:srgbClr val="000001">
-                <a:alpha val="20000"/>
-              </a:srgbClr>
-            </a:solidFill>
+          <a:solidFill>
+            <a:schemeClr val="accent2"/>
+          </a:solidFill>
+          <a:ln>
+            <a:noFill/>
           </a:ln>
         </p:spPr>
         <p:style>
-          <a:lnRef idx="1">
-            <a:schemeClr val="accent1"/>
+          <a:lnRef idx="2">
+            <a:schemeClr val="accent1">
+              <a:shade val="50000"/>
+            </a:schemeClr>
           </a:lnRef>
-          <a:fillRef idx="0">
+          <a:fillRef idx="1">
             <a:schemeClr val="accent1"/>
           </a:fillRef>
           <a:effectRef idx="0">
             <a:schemeClr val="accent1"/>
           </a:effectRef>
           <a:fontRef idx="minor">
-            <a:schemeClr val="tx1"/>
+            <a:schemeClr val="lt1"/>
           </a:fontRef>
         </p:style>
-      </p:cxnSp>
-    </p:spTree>
-    <p:extLst>
-      <p:ext uri="{BB962C8B-B14F-4D97-AF65-F5344CB8AC3E}">
-        <p14:creationId xmlns:p14="http://schemas.microsoft.com/office/powerpoint/2010/main" val="2274475041"/>
-      </p:ext>
-    </p:extLst>
-  </p:cSld>
-  <p:clrMap bg1="lt1" tx1="dk1" bg2="lt2" tx2="dk2" accent1="accent1" accent2="accent2" accent3="accent3" accent4="accent4" accent5="accent5" accent6="accent6" hlink="hlink" folHlink="folHlink"/>
-  <p:sldLayoutIdLst>
-    <p:sldLayoutId id="2147483661" r:id="rId1"/>
-    <p:sldLayoutId id="2147483662" r:id="rId2"/>
-    <p:sldLayoutId id="2147483663" r:id="rId3"/>
-    <p:sldLayoutId id="2147483664" r:id="rId4"/>
-    <p:sldLayoutId id="2147483665" r:id="rId5"/>
-    <p:sldLayoutId id="2147483666" r:id="rId6"/>
-    <p:sldLayoutId id="2147483667" r:id="rId7"/>
-    <p:sldLayoutId id="2147483668" r:id="rId8"/>
-    <p:sldLayoutId id="2147483669" r:id="rId9"/>
-    <p:sldLayoutId id="2147483670" r:id="rId10"/>
-    <p:sldLayoutId id="2147483671" r:id="rId11"/>
-  </p:sldLayoutIdLst>
-  <mc:AlternateContent xmlns:mc="http://schemas.openxmlformats.org/markup-compatibility/2006" xmlns:p14="http://schemas.microsoft.com/office/powerpoint/2010/main">
-    <mc:Choice Requires="p14">
-      <p:transition spd="med" p14:dur="700">
-        <p:fade/>
-      </p:transition>
-    </mc:Choice>
-    <mc:Fallback xmlns="">
-      <p:transition spd="med">
-        <p:fade/>
-      </p:transition>
-    </mc:Fallback>
-  </mc:AlternateContent>
-  <p:txStyles>
-    <p:titleStyle>
-      <a:lvl1pPr algn="l" defTabSz="914126" rtl="0" eaLnBrk="1" latinLnBrk="0" hangingPunct="1">
-        <a:lnSpc>
-          <a:spcPct val="90000"/>
-        </a:lnSpc>
-        <a:spcBef>
-          <a:spcPct val="0"/>
-        </a:spcBef>
-        <a:buNone/>
-        <a:defRPr sz="3199" b="0" i="0" kern="1200" cap="all">
+        <p:txBody>
+          <a:bodyPr rtlCol="0" anchor="ctr"/>
+          <a:lstStyle/>
+          <a:p>
+            <a:pPr algn="ctr"/>
+            <a:endParaRPr lang="en-US">
+              <a:solidFill>
+                <a:prstClr val="white"/>
+              </a:solidFill>
+              <a:latin typeface="Calibri" panose="020F0502020204030204"/>
+            </a:endParaRPr>
+          </a:p>
+        </p:txBody>
+      </p:sp>
+      <p:sp>
+        <p:nvSpPr>
+          <p:cNvPr id="15" name="Rectangle 14">
+            <a:extLst>
+              <a:ext uri="{FF2B5EF4-FFF2-40B4-BE49-F238E27FC236}">
+                <a16:creationId xmlns:a16="http://schemas.microsoft.com/office/drawing/2014/main" id="{08C9B587-E65E-4B52-B37C-ABEBB6E87928}"/>
+              </a:ext>
+              <a:ext uri="{C183D7F6-B498-43B3-948B-1728B52AA6E4}">
+                <adec:decorative xmlns:adec="http://schemas.microsoft.com/office/drawing/2017/decorative" val="1"/>
+              </a:ext>
+            </a:extLst>
+          </p:cNvPr>
+          <p:cNvSpPr>
+            <a:spLocks noGrp="1" noRot="1" noChangeAspect="1" noMove="1" noResize="1" noEditPoints="1" noAdjustHandles="1" noChangeArrowheads="1" noChangeShapeType="1" noTextEdit="1"/>
+          </p:cNvSpPr>
+          <p:nvPr>
+            <p:extLst>
+              <p:ext uri="{386F3935-93C4-4BCD-93E2-E3B085C9AB24}">
+                <p16:designElem xmlns:p16="http://schemas.microsoft.com/office/powerpoint/2015/main" val="1"/>
+              </p:ext>
+            </p:extLst>
+          </p:nvPr>
+        </p:nvSpPr>
+        <p:spPr>
+          <a:xfrm>
+            <a:off x="480903" y="4546920"/>
+            <a:ext cx="3976604" cy="18288"/>
+          </a:xfrm>
+          <a:prstGeom prst="rect">
+            <a:avLst/>
+          </a:prstGeom>
           <a:solidFill>
             <a:schemeClr val="tx1"/>
           </a:solidFill>
+          <a:ln w="3175">
+            <a:noFill/>
+          </a:ln>
           <a:effectLst/>
-          <a:latin typeface="+mj-lt"/>
-          <a:ea typeface="+mj-ea"/>
-          <a:cs typeface="+mj-cs"/>
-        </a:defRPr>
-      </a:lvl1pPr>
-    </p:titleStyle>
-    <p:bodyStyle>
-      <a:lvl1pPr marL="228531" indent="-228531" algn="l" defTabSz="914126" rtl="0" eaLnBrk="1" latinLnBrk="0" hangingPunct="1">
-        <a:lnSpc>
-          <a:spcPct val="120000"/>
-        </a:lnSpc>
-        <a:spcBef>
-          <a:spcPts val="1000"/>
-        </a:spcBef>
-        <a:buClr>
-          <a:schemeClr val="accent1"/>
-        </a:buClr>
-        <a:buSzPct val="100000"/>
-        <a:buFont typeface="Arial" panose="020B0604020202020204" pitchFamily="34" charset="0"/>
-        <a:buChar char="•"/>
-        <a:defRPr sz="1999" kern="1200">
-          <a:solidFill>
-            <a:schemeClr val="tx1"/>
-          </a:solidFill>
-          <a:effectLst/>
-          <a:latin typeface="+mn-lt"/>
-          <a:ea typeface="+mn-ea"/>
-          <a:cs typeface="+mn-cs"/>
-        </a:defRPr>
-      </a:lvl1pPr>
-      <a:lvl2pPr marL="685594" indent="-228531" algn="l" defTabSz="914126" rtl="0" eaLnBrk="1" latinLnBrk="0" hangingPunct="1">
-        <a:lnSpc>
-          <a:spcPct val="120000"/>
-        </a:lnSpc>
-        <a:spcBef>
-          <a:spcPts val="500"/>
-        </a:spcBef>
-        <a:buClr>
-          <a:schemeClr val="accent1"/>
-        </a:buClr>
-        <a:buSzPct val="100000"/>
-        <a:buFont typeface="Arial" panose="020B0604020202020204" pitchFamily="34" charset="0"/>
-        <a:buChar char="•"/>
-        <a:defRPr sz="1799" kern="1200" cap="none" baseline="0">
-          <a:solidFill>
-            <a:schemeClr val="tx1"/>
-          </a:solidFill>
-          <a:effectLst/>
-          <a:latin typeface="+mn-lt"/>
-          <a:ea typeface="+mn-ea"/>
-          <a:cs typeface="+mn-cs"/>
-        </a:defRPr>
-      </a:lvl2pPr>
-      <a:lvl3pPr marL="1142657" indent="-228531" algn="l" defTabSz="914126" rtl="0" eaLnBrk="1" latinLnBrk="0" hangingPunct="1">
-        <a:lnSpc>
-          <a:spcPct val="120000"/>
-        </a:lnSpc>
-        <a:spcBef>
-          <a:spcPts val="500"/>
-        </a:spcBef>
-        <a:buClr>
-          <a:schemeClr val="accent1"/>
-        </a:buClr>
-        <a:buSzPct val="100000"/>
-        <a:buFont typeface="Arial" panose="020B0604020202020204" pitchFamily="34" charset="0"/>
-        <a:buChar char="•"/>
-        <a:defRPr sz="1600" kern="1200">
-          <a:solidFill>
-            <a:schemeClr val="tx1"/>
-          </a:solidFill>
-          <a:effectLst/>
-          <a:latin typeface="+mn-lt"/>
-          <a:ea typeface="+mn-ea"/>
-          <a:cs typeface="+mn-cs"/>
-        </a:defRPr>
-      </a:lvl3pPr>
-      <a:lvl4pPr marL="1599720" indent="-228531" algn="l" defTabSz="914126" rtl="0" eaLnBrk="1" latinLnBrk="0" hangingPunct="1">
-        <a:lnSpc>
-          <a:spcPct val="120000"/>
-        </a:lnSpc>
-        <a:spcBef>
-          <a:spcPts val="500"/>
-        </a:spcBef>
-        <a:buClr>
-          <a:schemeClr val="accent1"/>
-        </a:buClr>
-        <a:buSzPct val="100000"/>
-        <a:buFont typeface="Arial" panose="020B0604020202020204" pitchFamily="34" charset="0"/>
-        <a:buChar char="•"/>
-        <a:defRPr sz="1400" kern="1200" cap="none" baseline="0">
-          <a:solidFill>
-            <a:schemeClr val="tx1"/>
-          </a:solidFill>
-          <a:effectLst/>
-          <a:latin typeface="+mn-lt"/>
-          <a:ea typeface="+mn-ea"/>
-          <a:cs typeface="+mn-cs"/>
-        </a:defRPr>
-      </a:lvl4pPr>
-      <a:lvl5pPr marL="2056783" indent="-228531" algn="l" defTabSz="914126" rtl="0" eaLnBrk="1" latinLnBrk="0" hangingPunct="1">
-        <a:lnSpc>
-          <a:spcPct val="120000"/>
-        </a:lnSpc>
-        <a:spcBef>
-          <a:spcPts val="500"/>
-        </a:spcBef>
-        <a:buClr>
-          <a:schemeClr val="accent1"/>
-        </a:buClr>
-        <a:buSzPct val="100000"/>
-        <a:buFont typeface="Arial" panose="020B0604020202020204" pitchFamily="34" charset="0"/>
-        <a:buChar char="•"/>
-        <a:defRPr sz="1200" kern="1200">
-          <a:solidFill>
-            <a:schemeClr val="tx1"/>
-          </a:solidFill>
-          <a:effectLst/>
-          <a:latin typeface="+mn-lt"/>
-          <a:ea typeface="+mn-ea"/>
-          <a:cs typeface="+mn-cs"/>
-        </a:defRPr>
-      </a:lvl5pPr>
-      <a:lvl6pPr marL="2513846" indent="-228531" algn="l" defTabSz="914126" rtl="0" eaLnBrk="1" latinLnBrk="0" hangingPunct="1">
-        <a:lnSpc>
-          <a:spcPct val="120000"/>
-        </a:lnSpc>
-        <a:spcBef>
-          <a:spcPts val="500"/>
-        </a:spcBef>
-        <a:buClr>
-          <a:schemeClr val="accent1"/>
-        </a:buClr>
-        <a:buSzPct val="100000"/>
-        <a:buFont typeface="Arial" panose="020B0604020202020204" pitchFamily="34" charset="0"/>
-        <a:buChar char="•"/>
-        <a:defRPr sz="1200" kern="1200">
-          <a:solidFill>
-            <a:schemeClr val="tx1"/>
-          </a:solidFill>
-          <a:effectLst/>
-          <a:latin typeface="+mn-lt"/>
-          <a:ea typeface="+mn-ea"/>
-          <a:cs typeface="+mn-cs"/>
-        </a:defRPr>
-      </a:lvl6pPr>
-      <a:lvl7pPr marL="2970908" indent="-228531" algn="l" defTabSz="914126" rtl="0" eaLnBrk="1" latinLnBrk="0" hangingPunct="1">
-        <a:lnSpc>
-          <a:spcPct val="120000"/>
-        </a:lnSpc>
-        <a:spcBef>
-          <a:spcPts val="500"/>
-        </a:spcBef>
-        <a:buClr>
-          <a:schemeClr val="accent1"/>
-        </a:buClr>
-        <a:buSzPct val="100000"/>
-        <a:buFont typeface="Arial" panose="020B0604020202020204" pitchFamily="34" charset="0"/>
-        <a:buChar char="•"/>
-        <a:defRPr sz="1200" kern="1200">
-          <a:solidFill>
-            <a:schemeClr val="tx1"/>
-          </a:solidFill>
-          <a:effectLst/>
-          <a:latin typeface="+mn-lt"/>
-          <a:ea typeface="+mn-ea"/>
-          <a:cs typeface="+mn-cs"/>
-        </a:defRPr>
-      </a:lvl7pPr>
-      <a:lvl8pPr marL="3427971" indent="-228531" algn="l" defTabSz="914126" rtl="0" eaLnBrk="1" latinLnBrk="0" hangingPunct="1">
-        <a:lnSpc>
-          <a:spcPct val="120000"/>
-        </a:lnSpc>
-        <a:spcBef>
-          <a:spcPts val="500"/>
-        </a:spcBef>
-        <a:buClr>
-          <a:schemeClr val="accent1"/>
-        </a:buClr>
-        <a:buSzPct val="100000"/>
-        <a:buFont typeface="Arial" panose="020B0604020202020204" pitchFamily="34" charset="0"/>
-        <a:buChar char="•"/>
-        <a:defRPr sz="1200" kern="1200" baseline="0">
-          <a:solidFill>
-            <a:schemeClr val="tx1"/>
-          </a:solidFill>
-          <a:effectLst/>
-          <a:latin typeface="+mn-lt"/>
-          <a:ea typeface="+mn-ea"/>
-          <a:cs typeface="+mn-cs"/>
-        </a:defRPr>
-      </a:lvl8pPr>
-      <a:lvl9pPr marL="3885034" indent="-228531" algn="l" defTabSz="914126" rtl="0" eaLnBrk="1" latinLnBrk="0" hangingPunct="1">
-        <a:lnSpc>
-          <a:spcPct val="120000"/>
-        </a:lnSpc>
-        <a:spcBef>
-          <a:spcPts val="500"/>
-        </a:spcBef>
-        <a:buClr>
-          <a:schemeClr val="accent1"/>
-        </a:buClr>
-        <a:buSzPct val="100000"/>
-        <a:buFont typeface="Arial" panose="020B0604020202020204" pitchFamily="34" charset="0"/>
-        <a:buChar char="•"/>
-        <a:defRPr sz="1200" kern="1200" baseline="0">
-          <a:solidFill>
-            <a:schemeClr val="tx1"/>
-          </a:solidFill>
-          <a:effectLst/>
-          <a:latin typeface="+mn-lt"/>
-          <a:ea typeface="+mn-ea"/>
-          <a:cs typeface="+mn-cs"/>
-        </a:defRPr>
-      </a:lvl9pPr>
-    </p:bodyStyle>
-    <p:otherStyle>
-      <a:defPPr>
-        <a:defRPr lang="en-US"/>
-      </a:defPPr>
-      <a:lvl1pPr marL="0" algn="l" defTabSz="914126" rtl="0" eaLnBrk="1" latinLnBrk="0" hangingPunct="1">
-        <a:defRPr sz="1799" kern="1200">
-          <a:solidFill>
-            <a:schemeClr val="tx1"/>
-          </a:solidFill>
-          <a:latin typeface="+mn-lt"/>
-          <a:ea typeface="+mn-ea"/>
-          <a:cs typeface="+mn-cs"/>
-        </a:defRPr>
-      </a:lvl1pPr>
-      <a:lvl2pPr marL="457063" algn="l" defTabSz="914126" rtl="0" eaLnBrk="1" latinLnBrk="0" hangingPunct="1">
-        <a:defRPr sz="1799" kern="1200">
-          <a:solidFill>
-            <a:schemeClr val="tx1"/>
-          </a:solidFill>
-          <a:latin typeface="+mn-lt"/>
-          <a:ea typeface="+mn-ea"/>
-          <a:cs typeface="+mn-cs"/>
-        </a:defRPr>
-      </a:lvl2pPr>
-      <a:lvl3pPr marL="914126" algn="l" defTabSz="914126" rtl="0" eaLnBrk="1" latinLnBrk="0" hangingPunct="1">
-        <a:defRPr sz="1799" kern="1200">
-          <a:solidFill>
-            <a:schemeClr val="tx1"/>
-          </a:solidFill>
-          <a:latin typeface="+mn-lt"/>
-          <a:ea typeface="+mn-ea"/>
-          <a:cs typeface="+mn-cs"/>
-        </a:defRPr>
-      </a:lvl3pPr>
-      <a:lvl4pPr marL="1371189" algn="l" defTabSz="914126" rtl="0" eaLnBrk="1" latinLnBrk="0" hangingPunct="1">
-        <a:defRPr sz="1799" kern="1200">
-          <a:solidFill>
-            <a:schemeClr val="tx1"/>
-          </a:solidFill>
-          <a:latin typeface="+mn-lt"/>
-          <a:ea typeface="+mn-ea"/>
-          <a:cs typeface="+mn-cs"/>
-        </a:defRPr>
-      </a:lvl4pPr>
-      <a:lvl5pPr marL="1828251" algn="l" defTabSz="914126" rtl="0" eaLnBrk="1" latinLnBrk="0" hangingPunct="1">
-        <a:defRPr sz="1799" kern="1200">
-          <a:solidFill>
-            <a:schemeClr val="tx1"/>
-          </a:solidFill>
-          <a:latin typeface="+mn-lt"/>
-          <a:ea typeface="+mn-ea"/>
-          <a:cs typeface="+mn-cs"/>
-        </a:defRPr>
-      </a:lvl5pPr>
-      <a:lvl6pPr marL="2285314" algn="l" defTabSz="914126" rtl="0" eaLnBrk="1" latinLnBrk="0" hangingPunct="1">
-        <a:defRPr sz="1799" kern="1200">
-          <a:solidFill>
-            <a:schemeClr val="tx1"/>
-          </a:solidFill>
-          <a:latin typeface="+mn-lt"/>
-          <a:ea typeface="+mn-ea"/>
-          <a:cs typeface="+mn-cs"/>
-        </a:defRPr>
-      </a:lvl6pPr>
-      <a:lvl7pPr marL="2742377" algn="l" defTabSz="914126" rtl="0" eaLnBrk="1" latinLnBrk="0" hangingPunct="1">
-        <a:defRPr sz="1799" kern="1200">
-          <a:solidFill>
-            <a:schemeClr val="tx1"/>
-          </a:solidFill>
-          <a:latin typeface="+mn-lt"/>
-          <a:ea typeface="+mn-ea"/>
-          <a:cs typeface="+mn-cs"/>
-        </a:defRPr>
-      </a:lvl7pPr>
-      <a:lvl8pPr marL="3199440" algn="l" defTabSz="914126" rtl="0" eaLnBrk="1" latinLnBrk="0" hangingPunct="1">
-        <a:defRPr sz="1799" kern="1200">
-          <a:solidFill>
-            <a:schemeClr val="tx1"/>
-          </a:solidFill>
-          <a:latin typeface="+mn-lt"/>
-          <a:ea typeface="+mn-ea"/>
-          <a:cs typeface="+mn-cs"/>
-        </a:defRPr>
-      </a:lvl8pPr>
-      <a:lvl9pPr marL="3656503" algn="l" defTabSz="914126" rtl="0" eaLnBrk="1" latinLnBrk="0" hangingPunct="1">
-        <a:defRPr sz="1799" kern="1200">
-          <a:solidFill>
-            <a:schemeClr val="tx1"/>
-          </a:solidFill>
-          <a:latin typeface="+mn-lt"/>
-          <a:ea typeface="+mn-ea"/>
-          <a:cs typeface="+mn-cs"/>
-        </a:defRPr>
-      </a:lvl9pPr>
-    </p:otherStyle>
-  </p:txStyles>
-</p:sldMaster>
-</file>
-
-<file path=ppt/slides/slide1.xml><?xml version="1.0" encoding="utf-8"?>
-<p:sld xmlns:a="http://schemas.openxmlformats.org/drawingml/2006/main" xmlns:r="http://schemas.openxmlformats.org/officeDocument/2006/relationships" xmlns:p="http://schemas.openxmlformats.org/presentationml/2006/main">
-  <p:cSld>
-    <p:spTree>
-      <p:nvGrpSpPr>
-        <p:cNvPr id="1" name=""/>
-        <p:cNvGrpSpPr/>
-        <p:nvPr/>
-      </p:nvGrpSpPr>
-      <p:grpSpPr>
-        <a:xfrm>
-          <a:off x="0" y="0"/>
-          <a:ext cx="0" cy="0"/>
-          <a:chOff x="0" y="0"/>
-          <a:chExt cx="0" cy="0"/>
-        </a:xfrm>
-      </p:grpSpPr>
-      <p:sp>
-        <p:nvSpPr>
-          <p:cNvPr id="2" name="Title 1"/>
-          <p:cNvSpPr>
-            <a:spLocks noGrp="1"/>
-          </p:cNvSpPr>
-          <p:nvPr>
-            <p:ph type="ctrTitle"/>
-          </p:nvPr>
-        </p:nvSpPr>
-        <p:spPr>
-          <a:xfrm>
-            <a:off x="1141412" y="609600"/>
-            <a:ext cx="10058400" cy="5029200"/>
-          </a:xfrm>
         </p:spPr>
-        <p:txBody>
-          <a:bodyPr>
-            <a:normAutofit/>
-          </a:bodyPr>
-          <a:lstStyle/>
-          <a:p>
-            <a:pPr algn="ctr"/>
-            <a:r>
-              <a:rPr lang="en-US" sz="3400" b="1" dirty="0" smtClean="0">
-                <a:solidFill>
-                  <a:schemeClr val="accent6">
-                    <a:lumMod val="50000"/>
-                  </a:schemeClr>
-                </a:solidFill>
-              </a:rPr>
-              <a:t>Safety </a:t>
-            </a:r>
-            <a:r>
-              <a:rPr lang="en-US" sz="3400" b="1" dirty="0">
-                <a:solidFill>
-                  <a:schemeClr val="accent6">
-                    <a:lumMod val="50000"/>
-                  </a:schemeClr>
-                </a:solidFill>
-              </a:rPr>
-              <a:t>Analysis </a:t>
-            </a:r>
-            <a:r>
-              <a:rPr lang="en-US" sz="3400" b="1" dirty="0" smtClean="0">
-                <a:solidFill>
-                  <a:schemeClr val="accent6">
-                    <a:lumMod val="50000"/>
-                  </a:schemeClr>
-                </a:solidFill>
-              </a:rPr>
-              <a:t>/ Recommendation</a:t>
-            </a:r>
-            <a:r>
-              <a:rPr lang="en-US" sz="3400" b="1" dirty="0">
-                <a:solidFill>
-                  <a:schemeClr val="accent6">
-                    <a:lumMod val="50000"/>
-                  </a:schemeClr>
-                </a:solidFill>
-              </a:rPr>
-              <a:t/>
-            </a:r>
-            <a:br>
-              <a:rPr lang="en-US" sz="3400" b="1" dirty="0">
-                <a:solidFill>
-                  <a:schemeClr val="accent6">
-                    <a:lumMod val="50000"/>
-                  </a:schemeClr>
-                </a:solidFill>
-              </a:rPr>
-            </a:br>
-            <a:r>
-              <a:rPr lang="en-US" b="1" dirty="0">
-                <a:solidFill>
-                  <a:schemeClr val="accent6">
-                    <a:lumMod val="50000"/>
-                  </a:schemeClr>
-                </a:solidFill>
-              </a:rPr>
-              <a:t/>
-            </a:r>
-            <a:br>
-              <a:rPr lang="en-US" b="1" dirty="0">
-                <a:solidFill>
-                  <a:schemeClr val="accent6">
-                    <a:lumMod val="50000"/>
-                  </a:schemeClr>
-                </a:solidFill>
-              </a:rPr>
-            </a:br>
-            <a:r>
-              <a:rPr lang="en-US" sz="2800" b="1" dirty="0">
-                <a:solidFill>
-                  <a:schemeClr val="accent6">
-                    <a:lumMod val="50000"/>
-                  </a:schemeClr>
-                </a:solidFill>
-              </a:rPr>
-              <a:t>EXECUTIVE </a:t>
-            </a:r>
-            <a:r>
-              <a:rPr lang="en-US" sz="2800" b="1" dirty="0">
-                <a:solidFill>
-                  <a:schemeClr val="accent6">
-                    <a:lumMod val="50000"/>
-                  </a:schemeClr>
-                </a:solidFill>
-              </a:rPr>
-              <a:t>SUMMARY - United Airlines</a:t>
-            </a:r>
-            <a:r>
-              <a:rPr lang="en-US" sz="2800" b="1" dirty="0">
-                <a:solidFill>
-                  <a:schemeClr val="accent6">
-                    <a:lumMod val="50000"/>
-                  </a:schemeClr>
-                </a:solidFill>
-              </a:rPr>
-              <a:t/>
-            </a:r>
-            <a:br>
-              <a:rPr lang="en-US" sz="2800" b="1" dirty="0">
-                <a:solidFill>
-                  <a:schemeClr val="accent6">
-                    <a:lumMod val="50000"/>
-                  </a:schemeClr>
-                </a:solidFill>
-              </a:rPr>
-            </a:br>
-            <a:r>
-              <a:rPr lang="en-US" dirty="0">
-                <a:solidFill>
-                  <a:schemeClr val="accent6">
-                    <a:lumMod val="50000"/>
-                  </a:schemeClr>
-                </a:solidFill>
-              </a:rPr>
-              <a:t/>
-            </a:r>
-            <a:br>
-              <a:rPr lang="en-US" dirty="0">
-                <a:solidFill>
-                  <a:schemeClr val="accent6">
-                    <a:lumMod val="50000"/>
-                  </a:schemeClr>
-                </a:solidFill>
-              </a:rPr>
-            </a:br>
-            <a:r>
-              <a:rPr lang="en-US" dirty="0"/>
-              <a:t/>
-            </a:r>
-            <a:br>
-              <a:rPr lang="en-US" dirty="0"/>
-            </a:br>
-            <a:endParaRPr lang="en-US" dirty="0"/>
-          </a:p>
-        </p:txBody>
-      </p:sp>
-      <p:sp>
-        <p:nvSpPr>
-          <p:cNvPr id="3" name="Subtitle 2"/>
-          <p:cNvSpPr>
-            <a:spLocks noGrp="1"/>
-          </p:cNvSpPr>
-          <p:nvPr>
-            <p:ph type="subTitle" idx="1"/>
-          </p:nvPr>
-        </p:nvSpPr>
-        <p:spPr>
-          <a:xfrm>
-            <a:off x="8228012" y="4191000"/>
-            <a:ext cx="3581400" cy="1485900"/>
-          </a:xfrm>
-        </p:spPr>
-        <p:txBody>
-          <a:bodyPr>
-            <a:normAutofit lnSpcReduction="10000"/>
-          </a:bodyPr>
-          <a:lstStyle/>
-          <a:p>
-            <a:endParaRPr lang="en-US" dirty="0">
+        <p:style>
+          <a:lnRef idx="2">
+            <a:schemeClr val="accent1">
+              <a:shade val="50000"/>
+            </a:schemeClr>
+          </a:lnRef>
+          <a:fillRef idx="1">
+            <a:schemeClr val="accent1"/>
+          </a:fillRef>
+          <a:effectRef idx="0">
+            <a:schemeClr val="accent1"/>
+          </a:effectRef>
+          <a:fontRef idx="minor">
+            <a:schemeClr val="lt1"/>
+          </a:fontRef>
+        </p:style>
+        <p:txBody>
+          <a:bodyPr rtlCol="0" anchor="ctr"/>
+          <a:lstStyle/>
+          <a:p>
+            <a:pPr marL="0" marR="0" lvl="0" indent="0" algn="ctr" defTabSz="914400" rtl="0" eaLnBrk="1" fontAlgn="auto" latinLnBrk="0" hangingPunct="1">
+              <a:lnSpc>
+                <a:spcPct val="100000"/>
+              </a:lnSpc>
+              <a:spcBef>
+                <a:spcPts val="0"/>
+              </a:spcBef>
+              <a:spcAft>
+                <a:spcPts val="0"/>
+              </a:spcAft>
+              <a:buClrTx/>
+              <a:buSzTx/>
+              <a:buFontTx/>
+              <a:buNone/>
+              <a:tabLst/>
+              <a:defRPr/>
+            </a:pPr>
+            <a:endParaRPr kumimoji="0" lang="en-US" sz="1800" b="0" i="0" u="none" strike="noStrike" kern="1200" cap="none" spc="0" normalizeH="0" baseline="0" noProof="0">
+              <a:ln>
+                <a:noFill/>
+              </a:ln>
               <a:solidFill>
-                <a:schemeClr val="tx1">
-                  <a:lumMod val="50000"/>
-                </a:schemeClr>
-              </a:solidFill>
-              <a:latin typeface="Calibri" panose="020F0502020204030204" pitchFamily="34" charset="0"/>
-              <a:cs typeface="Calibri" panose="020F0502020204030204" pitchFamily="34" charset="0"/>
-            </a:endParaRPr>
-          </a:p>
-          <a:p>
-            <a:r>
-              <a:rPr lang="en-US" sz="2000" b="1" dirty="0">
-                <a:solidFill>
-                  <a:schemeClr val="accent6">
-                    <a:lumMod val="50000"/>
-                  </a:schemeClr>
-                </a:solidFill>
-                <a:latin typeface="Calibri" panose="020F0502020204030204" pitchFamily="34" charset="0"/>
-                <a:cs typeface="Calibri" panose="020F0502020204030204" pitchFamily="34" charset="0"/>
-              </a:rPr>
-              <a:t>Author: </a:t>
-            </a:r>
-            <a:r>
-              <a:rPr lang="en-US" sz="2000" b="1" dirty="0" smtClean="0">
-                <a:solidFill>
-                  <a:schemeClr val="accent6">
-                    <a:lumMod val="50000"/>
-                  </a:schemeClr>
-                </a:solidFill>
-                <a:latin typeface="Calibri" panose="020F0502020204030204" pitchFamily="34" charset="0"/>
-                <a:cs typeface="Calibri" panose="020F0502020204030204" pitchFamily="34" charset="0"/>
-              </a:rPr>
-              <a:t>VENKAT J </a:t>
-            </a:r>
-            <a:r>
-              <a:rPr lang="en-US" sz="2000" b="1" dirty="0" err="1" smtClean="0">
-                <a:solidFill>
-                  <a:schemeClr val="accent6">
-                    <a:lumMod val="50000"/>
-                  </a:schemeClr>
-                </a:solidFill>
-                <a:latin typeface="Calibri" panose="020F0502020204030204" pitchFamily="34" charset="0"/>
-                <a:cs typeface="Calibri" panose="020F0502020204030204" pitchFamily="34" charset="0"/>
-              </a:rPr>
-              <a:t>Jampani</a:t>
-            </a:r>
-            <a:endParaRPr lang="en-US" sz="2000" b="1" dirty="0">
-              <a:solidFill>
-                <a:schemeClr val="accent6">
-                  <a:lumMod val="50000"/>
-                </a:schemeClr>
-              </a:solidFill>
-              <a:latin typeface="Calibri" panose="020F0502020204030204" pitchFamily="34" charset="0"/>
-              <a:cs typeface="Calibri" panose="020F0502020204030204" pitchFamily="34" charset="0"/>
-            </a:endParaRPr>
-          </a:p>
-          <a:p>
-            <a:r>
-              <a:rPr lang="en-US" sz="2000" b="1" dirty="0">
-                <a:solidFill>
-                  <a:schemeClr val="accent6">
-                    <a:lumMod val="50000"/>
-                  </a:schemeClr>
-                </a:solidFill>
-                <a:latin typeface="Calibri" panose="020F0502020204030204" pitchFamily="34" charset="0"/>
-                <a:cs typeface="Calibri" panose="020F0502020204030204" pitchFamily="34" charset="0"/>
-              </a:rPr>
-              <a:t>Date: </a:t>
-            </a:r>
-            <a:r>
-              <a:rPr lang="en-US" sz="2000" b="1" dirty="0" smtClean="0">
-                <a:solidFill>
-                  <a:schemeClr val="accent6">
-                    <a:lumMod val="50000"/>
-                  </a:schemeClr>
-                </a:solidFill>
-                <a:latin typeface="Calibri" panose="020F0502020204030204" pitchFamily="34" charset="0"/>
-                <a:cs typeface="Calibri" panose="020F0502020204030204" pitchFamily="34" charset="0"/>
-              </a:rPr>
-              <a:t>April 25</a:t>
-            </a:r>
-            <a:r>
-              <a:rPr lang="en-US" sz="2000" b="1" baseline="30000" dirty="0" smtClean="0">
-                <a:solidFill>
-                  <a:schemeClr val="accent6">
-                    <a:lumMod val="50000"/>
-                  </a:schemeClr>
-                </a:solidFill>
-                <a:latin typeface="Calibri" panose="020F0502020204030204" pitchFamily="34" charset="0"/>
-                <a:cs typeface="Calibri" panose="020F0502020204030204" pitchFamily="34" charset="0"/>
-              </a:rPr>
-              <a:t>th</a:t>
-            </a:r>
-            <a:r>
-              <a:rPr lang="en-US" sz="2000" b="1" dirty="0" smtClean="0">
-                <a:solidFill>
-                  <a:schemeClr val="accent6">
-                    <a:lumMod val="50000"/>
-                  </a:schemeClr>
-                </a:solidFill>
-                <a:latin typeface="Calibri" panose="020F0502020204030204" pitchFamily="34" charset="0"/>
-                <a:cs typeface="Calibri" panose="020F0502020204030204" pitchFamily="34" charset="0"/>
-              </a:rPr>
-              <a:t>, 2023</a:t>
-            </a:r>
-            <a:endParaRPr lang="en-US" sz="2000" b="1" i="0" dirty="0">
-              <a:solidFill>
-                <a:schemeClr val="accent6">
-                  <a:lumMod val="50000"/>
-                </a:schemeClr>
+                <a:prstClr val="white"/>
               </a:solidFill>
               <a:effectLst/>
-              <a:latin typeface="Calibri" panose="020F0502020204030204" pitchFamily="34" charset="0"/>
-              <a:cs typeface="Calibri" panose="020F0502020204030204" pitchFamily="34" charset="0"/>
-            </a:endParaRPr>
-          </a:p>
-          <a:p>
-            <a:endParaRPr lang="en-US" dirty="0">
-              <a:solidFill>
-                <a:schemeClr val="tx1">
-                  <a:lumMod val="50000"/>
-                </a:schemeClr>
-              </a:solidFill>
+              <a:uLnTx/>
+              <a:uFillTx/>
+              <a:latin typeface="Calibri" panose="020F0502020204030204"/>
+              <a:ea typeface="+mn-ea"/>
+              <a:cs typeface="+mn-cs"/>
             </a:endParaRPr>
           </a:p>
         </p:txBody>
@@ -5398,7 +4765,7 @@
     </p:extLst>
   </p:cSld>
   <p:clrMapOvr>
-    <a:masterClrMapping/>
+    <a:overrideClrMapping bg1="dk1" tx1="lt1" bg2="dk2" tx2="lt2" accent1="accent1" accent2="accent2" accent3="accent3" accent4="accent4" accent5="accent5" accent6="accent6" hlink="hlink" folHlink="folHlink"/>
   </p:clrMapOvr>
   <mc:AlternateContent xmlns:mc="http://schemas.openxmlformats.org/markup-compatibility/2006" xmlns:p14="http://schemas.microsoft.com/office/powerpoint/2010/main">
     <mc:Choice Requires="p14">
@@ -5437,7 +4804,7 @@
           <p:cNvPr id="2" name="Title 1">
             <a:extLst>
               <a:ext uri="{FF2B5EF4-FFF2-40B4-BE49-F238E27FC236}">
-                <a16:creationId xmlns:a16="http://schemas.microsoft.com/office/drawing/2014/main" xmlns="" id="{887DFEE2-E526-746F-1EE4-DFF3AAE6FCE6}"/>
+                <a16:creationId xmlns:a16="http://schemas.microsoft.com/office/drawing/2014/main" id="{887DFEE2-E526-746F-1EE4-DFF3AAE6FCE6}"/>
               </a:ext>
             </a:extLst>
           </p:cNvPr>
@@ -5462,23 +4829,17 @@
           <a:p>
             <a:r>
               <a:rPr lang="en-US" dirty="0"/>
-              <a:t>Recommendations</a:t>
+              <a:t>Recommendations from Statistics</a:t>
             </a:r>
             <a:br>
               <a:rPr lang="en-US" dirty="0"/>
             </a:br>
-            <a:r>
-              <a:rPr lang="en-US" dirty="0"/>
-              <a:t/>
-            </a:r>
             <a:br>
               <a:rPr lang="en-US" dirty="0"/>
             </a:br>
-            <a:r>
-              <a:rPr lang="en-US" sz="2200" b="1" dirty="0"/>
-              <a:t>What did stats say?</a:t>
-            </a:r>
-            <a:endParaRPr lang="en-US" b="1" dirty="0"/>
+            <a:endParaRPr lang="en-US" sz="2200" b="1">
+              <a:cs typeface="Calibri Light"/>
+            </a:endParaRPr>
           </a:p>
         </p:txBody>
       </p:sp>
@@ -5487,7 +4848,7 @@
           <p:cNvPr id="5" name="TextBox 4">
             <a:extLst>
               <a:ext uri="{FF2B5EF4-FFF2-40B4-BE49-F238E27FC236}">
-                <a16:creationId xmlns:a16="http://schemas.microsoft.com/office/drawing/2014/main" xmlns="" id="{65CBE71F-8412-CD63-3E8B-CA78DB346AED}"/>
+                <a16:creationId xmlns:a16="http://schemas.microsoft.com/office/drawing/2014/main" id="{65CBE71F-8412-CD63-3E8B-CA78DB346AED}"/>
               </a:ext>
             </a:extLst>
           </p:cNvPr>
@@ -5496,8 +4857,8 @@
         </p:nvSpPr>
         <p:spPr>
           <a:xfrm>
-            <a:off x="303212" y="1371600"/>
-            <a:ext cx="10134600" cy="3277820"/>
+            <a:off x="293407" y="1214622"/>
+            <a:ext cx="10144405" cy="4108817"/>
           </a:xfrm>
           <a:prstGeom prst="rect">
             <a:avLst/>
@@ -5505,22 +4866,28 @@
           <a:noFill/>
         </p:spPr>
         <p:txBody>
-          <a:bodyPr wrap="square" rtlCol="0">
+          <a:bodyPr wrap="square" lIns="91440" tIns="45720" rIns="91440" bIns="45720" rtlCol="0" anchor="t">
             <a:spAutoFit/>
           </a:bodyPr>
           <a:lstStyle/>
           <a:p>
-            <a:pPr marL="285750" indent="-285750">
+            <a:pPr marL="285750" indent="-285750" algn="just">
               <a:lnSpc>
                 <a:spcPct val="150000"/>
               </a:lnSpc>
               <a:buFont typeface="Wingdings" panose="05000000000000000000" pitchFamily="2" charset="2"/>
               <a:buChar char="q"/>
             </a:pPr>
-            <a:endParaRPr lang="en-US" dirty="0"/>
-          </a:p>
-          <a:p>
-            <a:pPr marL="285750" indent="-285750">
+            <a:r>
+              <a:rPr lang="en-US" dirty="0"/>
+              <a:t>Airline reported Accidents and Fatality (worldwide) was very less and non comparable than the total number of ground accidents and fatalities reported in USA alone.</a:t>
+            </a:r>
+            <a:endParaRPr lang="en-US" dirty="0">
+              <a:cs typeface="Calibri"/>
+            </a:endParaRPr>
+          </a:p>
+          <a:p>
+            <a:pPr marL="285750" indent="-285750" algn="just">
               <a:lnSpc>
                 <a:spcPct val="150000"/>
               </a:lnSpc>
@@ -5529,11 +4896,14 @@
             </a:pPr>
             <a:r>
               <a:rPr lang="en-US" dirty="0"/>
-              <a:t>Airline reported Accidents and Fatality (worldwide) was very less and non comparable than the total number of ground accidents and fatalities reported in USA alone</a:t>
-            </a:r>
-          </a:p>
-          <a:p>
-            <a:pPr marL="285750" indent="-285750">
+              <a:t>Management needs to focus on controlling the operating expenses by promoting some automations and eliminating repetitive tasks.</a:t>
+            </a:r>
+            <a:endParaRPr lang="en-US" dirty="0">
+              <a:cs typeface="Calibri" panose="020F0502020204030204"/>
+            </a:endParaRPr>
+          </a:p>
+          <a:p>
+            <a:pPr marL="285750" indent="-285750" algn="just">
               <a:lnSpc>
                 <a:spcPct val="150000"/>
               </a:lnSpc>
@@ -5542,11 +4912,14 @@
             </a:pPr>
             <a:r>
               <a:rPr lang="en-US" dirty="0"/>
-              <a:t>Management needs to focus on controlling the operating expenses by promoting some automations</a:t>
-            </a:r>
-          </a:p>
-          <a:p>
-            <a:pPr marL="285750" indent="-285750">
+              <a:t>As Covid restriction eases, the people willing to travel surges. So, management should focus on increasing the fleet capacity for 2022 and 2023 to overcome the loss incurred during covid.</a:t>
+            </a:r>
+            <a:endParaRPr lang="en-US" dirty="0">
+              <a:cs typeface="Calibri" panose="020F0502020204030204"/>
+            </a:endParaRPr>
+          </a:p>
+          <a:p>
+            <a:pPr marL="285750" indent="-285750" algn="just">
               <a:lnSpc>
                 <a:spcPct val="150000"/>
               </a:lnSpc>
@@ -5555,11 +4928,14 @@
             </a:pPr>
             <a:r>
               <a:rPr lang="en-US" dirty="0"/>
-              <a:t>As Covid restriction eases, the people willing to travel surges. So, management should focus on increasing the fleet capacity for 2022 and 2023 to overcome the loss incurred during covid</a:t>
-            </a:r>
-          </a:p>
-          <a:p>
-            <a:pPr marL="285750" indent="-285750">
+              <a:t>Management can attract more passengers by providing offers and holiday packages and compliments.</a:t>
+            </a:r>
+            <a:endParaRPr lang="en-US" dirty="0">
+              <a:cs typeface="Calibri"/>
+            </a:endParaRPr>
+          </a:p>
+          <a:p>
+            <a:pPr marL="285750" indent="-285750" algn="just">
               <a:lnSpc>
                 <a:spcPct val="150000"/>
               </a:lnSpc>
@@ -5567,8 +4943,10 @@
               <a:buChar char="q"/>
             </a:pPr>
             <a:r>
-              <a:rPr lang="en-US" dirty="0"/>
-              <a:t>Management can attract more passengers by providing some offers and compliments</a:t>
+              <a:rPr lang="en-US" dirty="0">
+                <a:cs typeface="Calibri"/>
+              </a:rPr>
+              <a:t>With the numbers in hand, All airlines should run a combined or individual Campines / advertisements with the safety measures and explaining the benefits of air travel.</a:t>
             </a:r>
           </a:p>
           <a:p>
@@ -5576,7 +4954,9 @@
               <a:buFont typeface="Wingdings" panose="05000000000000000000" pitchFamily="2" charset="2"/>
               <a:buChar char="q"/>
             </a:pPr>
-            <a:endParaRPr lang="en-US" dirty="0"/>
+            <a:endParaRPr lang="en-US" dirty="0">
+              <a:cs typeface="Calibri"/>
+            </a:endParaRPr>
           </a:p>
         </p:txBody>
       </p:sp>
@@ -5585,7 +4965,7 @@
           <p:cNvPr id="6" name="Straight Connector 5">
             <a:extLst>
               <a:ext uri="{FF2B5EF4-FFF2-40B4-BE49-F238E27FC236}">
-                <a16:creationId xmlns:a16="http://schemas.microsoft.com/office/drawing/2014/main" xmlns="" id="{A6DF01E6-D2B8-1AB8-D133-7A9A9840C124}"/>
+                <a16:creationId xmlns:a16="http://schemas.microsoft.com/office/drawing/2014/main" id="{A6DF01E6-D2B8-1AB8-D133-7A9A9840C124}"/>
               </a:ext>
             </a:extLst>
           </p:cNvPr>
@@ -5595,9 +4975,9 @@
           <p:nvPr/>
         </p:nvCxnSpPr>
         <p:spPr>
-          <a:xfrm>
-            <a:off x="379412" y="1143000"/>
-            <a:ext cx="4343400" cy="0"/>
+          <a:xfrm flipV="1">
+            <a:off x="379412" y="1005644"/>
+            <a:ext cx="6794893" cy="9811"/>
           </a:xfrm>
           <a:prstGeom prst="line">
             <a:avLst/>
@@ -5666,7 +5046,7 @@
           <p:cNvPr id="2" name="Title 1">
             <a:extLst>
               <a:ext uri="{FF2B5EF4-FFF2-40B4-BE49-F238E27FC236}">
-                <a16:creationId xmlns:a16="http://schemas.microsoft.com/office/drawing/2014/main" xmlns="" id="{887DFEE2-E526-746F-1EE4-DFF3AAE6FCE6}"/>
+                <a16:creationId xmlns:a16="http://schemas.microsoft.com/office/drawing/2014/main" id="{887DFEE2-E526-746F-1EE4-DFF3AAE6FCE6}"/>
               </a:ext>
             </a:extLst>
           </p:cNvPr>
@@ -5696,10 +5076,6 @@
             <a:br>
               <a:rPr lang="en-US" dirty="0"/>
             </a:br>
-            <a:r>
-              <a:rPr lang="en-US" dirty="0"/>
-              <a:t/>
-            </a:r>
             <a:br>
               <a:rPr lang="en-US" dirty="0"/>
             </a:br>
@@ -5716,7 +5092,7 @@
           <p:cNvPr id="3" name="Straight Connector 2">
             <a:extLst>
               <a:ext uri="{FF2B5EF4-FFF2-40B4-BE49-F238E27FC236}">
-                <a16:creationId xmlns:a16="http://schemas.microsoft.com/office/drawing/2014/main" xmlns="" id="{50045783-F2EE-1725-1687-5C03ACA7F571}"/>
+                <a16:creationId xmlns:a16="http://schemas.microsoft.com/office/drawing/2014/main" id="{50045783-F2EE-1725-1687-5C03ACA7F571}"/>
               </a:ext>
             </a:extLst>
           </p:cNvPr>
@@ -5755,7 +5131,7 @@
           <p:cNvPr id="5" name="TextBox 4">
             <a:extLst>
               <a:ext uri="{FF2B5EF4-FFF2-40B4-BE49-F238E27FC236}">
-                <a16:creationId xmlns:a16="http://schemas.microsoft.com/office/drawing/2014/main" xmlns="" id="{65CBE71F-8412-CD63-3E8B-CA78DB346AED}"/>
+                <a16:creationId xmlns:a16="http://schemas.microsoft.com/office/drawing/2014/main" id="{65CBE71F-8412-CD63-3E8B-CA78DB346AED}"/>
               </a:ext>
             </a:extLst>
           </p:cNvPr>
@@ -5773,7 +5149,7 @@
           <a:noFill/>
         </p:spPr>
         <p:txBody>
-          <a:bodyPr wrap="square" rtlCol="0">
+          <a:bodyPr wrap="square" lIns="91440" tIns="45720" rIns="91440" bIns="45720" rtlCol="0" anchor="t">
             <a:spAutoFit/>
           </a:bodyPr>
           <a:lstStyle/>
@@ -5788,7 +5164,7 @@
             <a:endParaRPr lang="en-US" dirty="0"/>
           </a:p>
           <a:p>
-            <a:pPr marL="285750" indent="-285750">
+            <a:pPr marL="285750" indent="-285750" algn="just">
               <a:lnSpc>
                 <a:spcPct val="150000"/>
               </a:lnSpc>
@@ -5797,11 +5173,14 @@
             </a:pPr>
             <a:r>
               <a:rPr lang="en-US" dirty="0"/>
-              <a:t>No Personal Identifiable Information (PII) and confidential data are used for Analysis</a:t>
-            </a:r>
-          </a:p>
-          <a:p>
-            <a:pPr marL="285750" indent="-285750">
+              <a:t>No Personal Identifiable Information (PII) and confidential data are used for Analysis.</a:t>
+            </a:r>
+            <a:endParaRPr lang="en-US" dirty="0">
+              <a:cs typeface="Calibri"/>
+            </a:endParaRPr>
+          </a:p>
+          <a:p>
+            <a:pPr marL="285750" indent="-285750" algn="just">
               <a:lnSpc>
                 <a:spcPct val="150000"/>
               </a:lnSpc>
@@ -5810,11 +5189,14 @@
             </a:pPr>
             <a:r>
               <a:rPr lang="en-US" dirty="0"/>
-              <a:t>The data considered for the analysis are shared by government for public benefits</a:t>
-            </a:r>
-          </a:p>
-          <a:p>
-            <a:pPr marL="285750" indent="-285750">
+              <a:t>The data considered for the analysis are shared by government for public benefits.</a:t>
+            </a:r>
+            <a:endParaRPr lang="en-US" dirty="0">
+              <a:cs typeface="Calibri" panose="020F0502020204030204"/>
+            </a:endParaRPr>
+          </a:p>
+          <a:p>
+            <a:pPr marL="285750" indent="-285750" algn="just">
               <a:lnSpc>
                 <a:spcPct val="150000"/>
               </a:lnSpc>
@@ -5823,11 +5205,14 @@
             </a:pPr>
             <a:r>
               <a:rPr lang="en-US" dirty="0"/>
-              <a:t>All data sets are extracted from public websites. The data source used for each chart has been mentioned in the respective slide (below the chart)</a:t>
-            </a:r>
-          </a:p>
-          <a:p>
-            <a:pPr marL="285750" indent="-285750">
+              <a:t>All data sets are extracted from public websites. The data source used for each chart has been mentioned in the respective slide (below the chart).</a:t>
+            </a:r>
+            <a:endParaRPr lang="en-US" dirty="0">
+              <a:cs typeface="Calibri" panose="020F0502020204030204"/>
+            </a:endParaRPr>
+          </a:p>
+          <a:p>
+            <a:pPr marL="285750" indent="-285750" algn="just">
               <a:lnSpc>
                 <a:spcPct val="150000"/>
               </a:lnSpc>
@@ -5836,11 +5221,14 @@
             </a:pPr>
             <a:r>
               <a:rPr lang="en-US" dirty="0"/>
-              <a:t>There is no restrictions to use this data for Analysis and academic purpose</a:t>
-            </a:r>
-          </a:p>
-          <a:p>
-            <a:pPr marL="285750" indent="-285750">
+              <a:t>There is no restrictions to use this data for Analysis and academic purpose.</a:t>
+            </a:r>
+            <a:endParaRPr lang="en-US" dirty="0">
+              <a:cs typeface="Calibri" panose="020F0502020204030204"/>
+            </a:endParaRPr>
+          </a:p>
+          <a:p>
+            <a:pPr marL="285750" indent="-285750" algn="just">
               <a:lnSpc>
                 <a:spcPct val="150000"/>
               </a:lnSpc>
@@ -5849,15 +5237,17 @@
             </a:pPr>
             <a:r>
               <a:rPr lang="en-US" dirty="0"/>
-              <a:t>Only relevant information required for this analysis is considered</a:t>
-            </a:r>
-          </a:p>
-          <a:p>
-            <a:pPr marL="285750" indent="-285750">
-              <a:buFont typeface="Wingdings" panose="05000000000000000000" pitchFamily="2" charset="2"/>
-              <a:buChar char="q"/>
-            </a:pPr>
-            <a:endParaRPr lang="en-US" dirty="0"/>
+              <a:t>Only relevant information required for this analysis is considered.</a:t>
+            </a:r>
+            <a:endParaRPr lang="en-US" dirty="0">
+              <a:cs typeface="Calibri" panose="020F0502020204030204"/>
+            </a:endParaRPr>
+          </a:p>
+          <a:p>
+            <a:pPr algn="just"/>
+            <a:endParaRPr lang="en-US" dirty="0">
+              <a:cs typeface="Calibri" panose="020F0502020204030204"/>
+            </a:endParaRPr>
           </a:p>
         </p:txBody>
       </p:sp>
@@ -5908,7 +5298,7 @@
           <p:cNvPr id="2" name="Title 1">
             <a:extLst>
               <a:ext uri="{FF2B5EF4-FFF2-40B4-BE49-F238E27FC236}">
-                <a16:creationId xmlns:a16="http://schemas.microsoft.com/office/drawing/2014/main" xmlns="" id="{887DFEE2-E526-746F-1EE4-DFF3AAE6FCE6}"/>
+                <a16:creationId xmlns:a16="http://schemas.microsoft.com/office/drawing/2014/main" id="{887DFEE2-E526-746F-1EE4-DFF3AAE6FCE6}"/>
               </a:ext>
             </a:extLst>
           </p:cNvPr>
@@ -5938,10 +5328,6 @@
             <a:br>
               <a:rPr lang="en-US" dirty="0"/>
             </a:br>
-            <a:r>
-              <a:rPr lang="en-US" dirty="0"/>
-              <a:t/>
-            </a:r>
             <a:br>
               <a:rPr lang="en-US" dirty="0"/>
             </a:br>
@@ -5958,7 +5344,7 @@
           <p:cNvPr id="5" name="TextBox 4">
             <a:extLst>
               <a:ext uri="{FF2B5EF4-FFF2-40B4-BE49-F238E27FC236}">
-                <a16:creationId xmlns:a16="http://schemas.microsoft.com/office/drawing/2014/main" xmlns="" id="{65CBE71F-8412-CD63-3E8B-CA78DB346AED}"/>
+                <a16:creationId xmlns:a16="http://schemas.microsoft.com/office/drawing/2014/main" id="{65CBE71F-8412-CD63-3E8B-CA78DB346AED}"/>
               </a:ext>
             </a:extLst>
           </p:cNvPr>
@@ -6199,7 +5585,7 @@
           <p:cNvPr id="6" name="Straight Connector 5">
             <a:extLst>
               <a:ext uri="{FF2B5EF4-FFF2-40B4-BE49-F238E27FC236}">
-                <a16:creationId xmlns:a16="http://schemas.microsoft.com/office/drawing/2014/main" xmlns="" id="{A6DF01E6-D2B8-1AB8-D133-7A9A9840C124}"/>
+                <a16:creationId xmlns:a16="http://schemas.microsoft.com/office/drawing/2014/main" id="{A6DF01E6-D2B8-1AB8-D133-7A9A9840C124}"/>
               </a:ext>
             </a:extLst>
           </p:cNvPr>
@@ -6280,7 +5666,7 @@
           <p:cNvPr id="2" name="Title 1">
             <a:extLst>
               <a:ext uri="{FF2B5EF4-FFF2-40B4-BE49-F238E27FC236}">
-                <a16:creationId xmlns:a16="http://schemas.microsoft.com/office/drawing/2014/main" xmlns="" id="{9452E532-6BCD-028D-CAFC-AA6035608BA0}"/>
+                <a16:creationId xmlns:a16="http://schemas.microsoft.com/office/drawing/2014/main" id="{9452E532-6BCD-028D-CAFC-AA6035608BA0}"/>
               </a:ext>
             </a:extLst>
           </p:cNvPr>
@@ -6315,7 +5701,7 @@
           <p:cNvPr id="3" name="Text Placeholder 2">
             <a:extLst>
               <a:ext uri="{FF2B5EF4-FFF2-40B4-BE49-F238E27FC236}">
-                <a16:creationId xmlns:a16="http://schemas.microsoft.com/office/drawing/2014/main" xmlns="" id="{3AA70166-BDDA-9C95-753B-03EB4FA7DD70}"/>
+                <a16:creationId xmlns:a16="http://schemas.microsoft.com/office/drawing/2014/main" id="{3AA70166-BDDA-9C95-753B-03EB4FA7DD70}"/>
               </a:ext>
             </a:extLst>
           </p:cNvPr>
@@ -6333,10 +5719,26 @@
           </a:xfrm>
         </p:spPr>
         <p:txBody>
-          <a:bodyPr>
-            <a:normAutofit lnSpcReduction="10000"/>
+          <a:bodyPr vert="horz" lIns="91440" tIns="45720" rIns="91440" bIns="45720" rtlCol="0" anchor="t">
+            <a:normAutofit fontScale="92500" lnSpcReduction="20000"/>
           </a:bodyPr>
           <a:lstStyle/>
+          <a:p>
+            <a:pPr marL="228600" indent="-228600">
+              <a:lnSpc>
+                <a:spcPct val="160000"/>
+              </a:lnSpc>
+              <a:buFont typeface="Wingdings" panose="020B0604020202020204" pitchFamily="34" charset="0"/>
+              <a:buChar char="§"/>
+            </a:pPr>
+            <a:r>
+              <a:rPr lang="en-US" sz="1200" b="1" dirty="0"/>
+              <a:t>Myth vs Reality</a:t>
+            </a:r>
+            <a:endParaRPr lang="en-US" dirty="0">
+              <a:cs typeface="Calibri" panose="020F0502020204030204"/>
+            </a:endParaRPr>
+          </a:p>
           <a:p>
             <a:pPr>
               <a:lnSpc>
@@ -6344,9 +5746,32 @@
               </a:lnSpc>
             </a:pPr>
             <a:r>
-              <a:rPr lang="en-US" sz="1200" b="1" u="sng" dirty="0"/>
-              <a:t>Myth vs Reality</a:t>
-            </a:r>
+              <a:rPr lang="en-US" sz="1200" dirty="0"/>
+              <a:t>              </a:t>
+            </a:r>
+            <a:r>
+              <a:rPr lang="en-US" sz="1400" dirty="0"/>
+              <a:t> Media  spreading rumors about Airline Safety concerns versus Statistical data.</a:t>
+            </a:r>
+            <a:endParaRPr lang="en-US" sz="1400" dirty="0">
+              <a:cs typeface="Calibri"/>
+            </a:endParaRPr>
+          </a:p>
+          <a:p>
+            <a:pPr marL="171450" indent="-171450">
+              <a:lnSpc>
+                <a:spcPct val="160000"/>
+              </a:lnSpc>
+              <a:buFont typeface="Wingdings" panose="020B0604020202020204" pitchFamily="34" charset="0"/>
+              <a:buChar char="§"/>
+            </a:pPr>
+            <a:r>
+              <a:rPr lang="en-US" sz="1200" b="1" dirty="0"/>
+              <a:t>Passenger Enplanement</a:t>
+            </a:r>
+            <a:endParaRPr lang="en-US" sz="1200" b="1" dirty="0">
+              <a:cs typeface="Calibri"/>
+            </a:endParaRPr>
           </a:p>
           <a:p>
             <a:pPr>
@@ -6356,8 +5781,31 @@
             </a:pPr>
             <a:r>
               <a:rPr lang="en-US" sz="1200" dirty="0"/>
-              <a:t>Media  spreading rumors about Airline Safety concerns versus Statistical data</a:t>
-            </a:r>
+              <a:t>             </a:t>
+            </a:r>
+            <a:r>
+              <a:rPr lang="en-US" sz="1400" dirty="0"/>
+              <a:t>Increase in passenger enplanement and available seats, air miles.</a:t>
+            </a:r>
+            <a:endParaRPr lang="en-US" sz="1400">
+              <a:cs typeface="Calibri"/>
+            </a:endParaRPr>
+          </a:p>
+          <a:p>
+            <a:pPr marL="171450" indent="-171450">
+              <a:lnSpc>
+                <a:spcPct val="160000"/>
+              </a:lnSpc>
+              <a:buFont typeface="Wingdings" panose="020B0604020202020204" pitchFamily="34" charset="0"/>
+              <a:buChar char="§"/>
+            </a:pPr>
+            <a:r>
+              <a:rPr lang="en-US" sz="1200" b="1" dirty="0"/>
+              <a:t>Airline Revenue</a:t>
+            </a:r>
+            <a:endParaRPr lang="en-US" sz="1200" b="1" dirty="0">
+              <a:cs typeface="Calibri"/>
+            </a:endParaRPr>
           </a:p>
           <a:p>
             <a:pPr>
@@ -6366,9 +5814,32 @@
               </a:lnSpc>
             </a:pPr>
             <a:r>
-              <a:rPr lang="en-US" sz="1200" b="1" u="sng" dirty="0"/>
-              <a:t>Passenger Enplanement</a:t>
-            </a:r>
+              <a:rPr lang="en-US" sz="1200" dirty="0"/>
+              <a:t>             </a:t>
+            </a:r>
+            <a:r>
+              <a:rPr lang="en-US" sz="1400" dirty="0"/>
+              <a:t>Covid Impact and increase in revenue over time.</a:t>
+            </a:r>
+            <a:endParaRPr lang="en-US" sz="1400" dirty="0">
+              <a:cs typeface="Calibri"/>
+            </a:endParaRPr>
+          </a:p>
+          <a:p>
+            <a:pPr marL="171450" indent="-171450">
+              <a:lnSpc>
+                <a:spcPct val="160000"/>
+              </a:lnSpc>
+              <a:buFont typeface="Wingdings" panose="020B0604020202020204" pitchFamily="34" charset="0"/>
+              <a:buChar char="§"/>
+            </a:pPr>
+            <a:r>
+              <a:rPr lang="en-US" sz="1200" b="1" dirty="0"/>
+              <a:t>Operating Cost</a:t>
+            </a:r>
+            <a:endParaRPr lang="en-US" sz="1200" b="1" dirty="0">
+              <a:cs typeface="Calibri"/>
+            </a:endParaRPr>
           </a:p>
           <a:p>
             <a:pPr>
@@ -6378,8 +5849,31 @@
             </a:pPr>
             <a:r>
               <a:rPr lang="en-US" sz="1200" dirty="0"/>
-              <a:t>Increase in passenger enplanement and available seat miles</a:t>
-            </a:r>
+              <a:t>             </a:t>
+            </a:r>
+            <a:r>
+              <a:rPr lang="en-US" sz="1400" dirty="0"/>
+              <a:t> Impact to income due to increase in operating cost.</a:t>
+            </a:r>
+            <a:endParaRPr lang="en-US" sz="1400" u="sng">
+              <a:cs typeface="Calibri"/>
+            </a:endParaRPr>
+          </a:p>
+          <a:p>
+            <a:pPr marL="171450" indent="-171450">
+              <a:lnSpc>
+                <a:spcPct val="160000"/>
+              </a:lnSpc>
+              <a:buFont typeface="Wingdings" panose="020B0604020202020204" pitchFamily="34" charset="0"/>
+              <a:buChar char="§"/>
+            </a:pPr>
+            <a:r>
+              <a:rPr lang="en-US" sz="1200" b="1" dirty="0"/>
+              <a:t>Recommendations</a:t>
+            </a:r>
+            <a:endParaRPr lang="en-US" sz="1200" b="1" dirty="0">
+              <a:cs typeface="Calibri" panose="020F0502020204030204"/>
+            </a:endParaRPr>
           </a:p>
           <a:p>
             <a:pPr>
@@ -6388,9 +5882,32 @@
               </a:lnSpc>
             </a:pPr>
             <a:r>
-              <a:rPr lang="en-US" sz="1200" b="1" u="sng" dirty="0"/>
-              <a:t>Airline Revenue</a:t>
-            </a:r>
+              <a:rPr lang="en-US" sz="1200" dirty="0"/>
+              <a:t>             </a:t>
+            </a:r>
+            <a:r>
+              <a:rPr lang="en-US" sz="1400" dirty="0"/>
+              <a:t>Actual Statistics on accidents and fatalities.</a:t>
+            </a:r>
+            <a:endParaRPr lang="en-US" sz="1400" dirty="0">
+              <a:cs typeface="Calibri"/>
+            </a:endParaRPr>
+          </a:p>
+          <a:p>
+            <a:pPr marL="171450" indent="-171450">
+              <a:lnSpc>
+                <a:spcPct val="160000"/>
+              </a:lnSpc>
+              <a:buFont typeface="Wingdings" panose="020B0604020202020204" pitchFamily="34" charset="0"/>
+              <a:buChar char="§"/>
+            </a:pPr>
+            <a:r>
+              <a:rPr lang="en-US" sz="1200" b="1" dirty="0"/>
+              <a:t> Legal and Ethical Considerations</a:t>
+            </a:r>
+            <a:endParaRPr lang="en-US" sz="1200" b="1" dirty="0">
+              <a:cs typeface="Calibri"/>
+            </a:endParaRPr>
           </a:p>
           <a:p>
             <a:pPr>
@@ -6400,75 +5917,15 @@
             </a:pPr>
             <a:r>
               <a:rPr lang="en-US" sz="1200" dirty="0"/>
-              <a:t>Covid Impact and increase in revenue over years</a:t>
-            </a:r>
-          </a:p>
-          <a:p>
-            <a:pPr>
-              <a:lnSpc>
-                <a:spcPct val="160000"/>
-              </a:lnSpc>
-            </a:pPr>
-            <a:r>
-              <a:rPr lang="en-US" sz="1200" b="1" u="sng" dirty="0"/>
-              <a:t>Operating Cost</a:t>
-            </a:r>
-          </a:p>
-          <a:p>
-            <a:pPr>
-              <a:lnSpc>
-                <a:spcPct val="160000"/>
-              </a:lnSpc>
-            </a:pPr>
-            <a:r>
-              <a:rPr lang="en-US" sz="1200" dirty="0"/>
-              <a:t>Impact to income due to increase in operating cost</a:t>
-            </a:r>
-            <a:endParaRPr lang="en-US" sz="1200" u="sng" dirty="0"/>
-          </a:p>
-          <a:p>
-            <a:pPr>
-              <a:lnSpc>
-                <a:spcPct val="160000"/>
-              </a:lnSpc>
-            </a:pPr>
-            <a:r>
-              <a:rPr lang="en-US" sz="1200" b="1" u="sng" dirty="0"/>
-              <a:t>Recommendations</a:t>
-            </a:r>
-          </a:p>
-          <a:p>
-            <a:pPr>
-              <a:lnSpc>
-                <a:spcPct val="160000"/>
-              </a:lnSpc>
-            </a:pPr>
-            <a:r>
-              <a:rPr lang="en-US" sz="1200" dirty="0"/>
-              <a:t>Actual Stats</a:t>
-            </a:r>
-          </a:p>
-          <a:p>
-            <a:pPr>
-              <a:lnSpc>
-                <a:spcPct val="160000"/>
-              </a:lnSpc>
-            </a:pPr>
-            <a:r>
-              <a:rPr lang="en-US" sz="1200" b="1" u="sng" dirty="0"/>
-              <a:t>Legal and Ethical Considerations</a:t>
-            </a:r>
-          </a:p>
-          <a:p>
-            <a:pPr>
-              <a:lnSpc>
-                <a:spcPct val="160000"/>
-              </a:lnSpc>
-            </a:pPr>
-            <a:r>
-              <a:rPr lang="en-US" sz="1200" dirty="0"/>
-              <a:t>Data Authenticity and compliance </a:t>
-            </a:r>
+              <a:t>             </a:t>
+            </a:r>
+            <a:r>
+              <a:rPr lang="en-US" sz="1400" dirty="0"/>
+              <a:t>Data Authenticity and compliance. </a:t>
+            </a:r>
+            <a:endParaRPr lang="en-US" sz="1400">
+              <a:cs typeface="Calibri"/>
+            </a:endParaRPr>
           </a:p>
         </p:txBody>
       </p:sp>
@@ -6477,7 +5934,7 @@
           <p:cNvPr id="12" name="TextBox 11">
             <a:extLst>
               <a:ext uri="{FF2B5EF4-FFF2-40B4-BE49-F238E27FC236}">
-                <a16:creationId xmlns:a16="http://schemas.microsoft.com/office/drawing/2014/main" xmlns="" id="{ED731DCA-2D4B-896A-2852-9DB1F46B0360}"/>
+                <a16:creationId xmlns:a16="http://schemas.microsoft.com/office/drawing/2014/main" id="{ED731DCA-2D4B-896A-2852-9DB1F46B0360}"/>
               </a:ext>
             </a:extLst>
           </p:cNvPr>
@@ -6512,7 +5969,7 @@
           <p:cNvPr id="20" name="Picture 19">
             <a:extLst>
               <a:ext uri="{FF2B5EF4-FFF2-40B4-BE49-F238E27FC236}">
-                <a16:creationId xmlns:a16="http://schemas.microsoft.com/office/drawing/2014/main" xmlns="" id="{13FF8D46-F096-7A77-E38B-B92E6CBE50E0}"/>
+                <a16:creationId xmlns:a16="http://schemas.microsoft.com/office/drawing/2014/main" id="{13FF8D46-F096-7A77-E38B-B92E6CBE50E0}"/>
               </a:ext>
             </a:extLst>
           </p:cNvPr>
@@ -6542,7 +5999,7 @@
           <p:cNvPr id="5" name="Picture 4">
             <a:extLst>
               <a:ext uri="{FF2B5EF4-FFF2-40B4-BE49-F238E27FC236}">
-                <a16:creationId xmlns:a16="http://schemas.microsoft.com/office/drawing/2014/main" xmlns="" id="{97F3BAD0-C77E-6CAC-ED5E-A39863D4F811}"/>
+                <a16:creationId xmlns:a16="http://schemas.microsoft.com/office/drawing/2014/main" id="{97F3BAD0-C77E-6CAC-ED5E-A39863D4F811}"/>
               </a:ext>
             </a:extLst>
           </p:cNvPr>
@@ -6572,7 +6029,7 @@
           <p:cNvPr id="6" name="Picture 5">
             <a:extLst>
               <a:ext uri="{FF2B5EF4-FFF2-40B4-BE49-F238E27FC236}">
-                <a16:creationId xmlns:a16="http://schemas.microsoft.com/office/drawing/2014/main" xmlns="" id="{D8CEC8DC-A625-C4EF-11D3-433422FF1872}"/>
+                <a16:creationId xmlns:a16="http://schemas.microsoft.com/office/drawing/2014/main" id="{D8CEC8DC-A625-C4EF-11D3-433422FF1872}"/>
               </a:ext>
             </a:extLst>
           </p:cNvPr>
@@ -6644,7 +6101,7 @@
           <p:cNvPr id="5" name="Title 4">
             <a:extLst>
               <a:ext uri="{FF2B5EF4-FFF2-40B4-BE49-F238E27FC236}">
-                <a16:creationId xmlns:a16="http://schemas.microsoft.com/office/drawing/2014/main" xmlns="" id="{D82F8461-1566-F249-672E-F5AEE2B0E9F1}"/>
+                <a16:creationId xmlns:a16="http://schemas.microsoft.com/office/drawing/2014/main" id="{D82F8461-1566-F249-672E-F5AEE2B0E9F1}"/>
               </a:ext>
             </a:extLst>
           </p:cNvPr>
@@ -6667,10 +6124,6 @@
           </a:bodyPr>
           <a:lstStyle/>
           <a:p>
-            <a:r>
-              <a:rPr lang="en-US" sz="2000" dirty="0"/>
-              <a:t/>
-            </a:r>
             <a:br>
               <a:rPr lang="en-US" sz="2000" dirty="0"/>
             </a:br>
@@ -6678,17 +6131,9 @@
               <a:rPr lang="en-US" sz="2400" b="1" dirty="0"/>
               <a:t>Myth vs Reality</a:t>
             </a:r>
-            <a:r>
-              <a:rPr lang="en-US" sz="2000" dirty="0"/>
-              <a:t/>
-            </a:r>
             <a:br>
               <a:rPr lang="en-US" sz="2000" dirty="0"/>
             </a:br>
-            <a:r>
-              <a:rPr lang="en-US" sz="2000" dirty="0"/>
-              <a:t/>
-            </a:r>
             <a:br>
               <a:rPr lang="en-US" sz="2000" dirty="0"/>
             </a:br>
@@ -6716,12 +6161,12 @@
           </a:xfrm>
         </p:spPr>
         <p:txBody>
-          <a:bodyPr>
-            <a:normAutofit fontScale="70000" lnSpcReduction="20000"/>
+          <a:bodyPr vert="horz" lIns="91440" tIns="45720" rIns="91440" bIns="45720" rtlCol="0" anchor="t">
+            <a:normAutofit fontScale="85000" lnSpcReduction="20000"/>
           </a:bodyPr>
           <a:lstStyle/>
           <a:p>
-            <a:pPr marL="285750" indent="-285750">
+            <a:pPr marL="285750" indent="-285750" algn="just">
               <a:lnSpc>
                 <a:spcPct val="150000"/>
               </a:lnSpc>
@@ -6729,40 +6174,38 @@
               <a:buChar char="q"/>
             </a:pPr>
             <a:r>
-              <a:rPr lang="en-US" dirty="0"/>
-              <a:t>Media promoting statistics stating air travel is no longer safe.</a:t>
-            </a:r>
-          </a:p>
-          <a:p>
-            <a:pPr>
+              <a:rPr lang="en-US" sz="1600" dirty="0"/>
+              <a:t>Media promoting statistics stating air travel is not completely safe.</a:t>
+            </a:r>
+            <a:endParaRPr lang="en-US" sz="1600" dirty="0">
+              <a:cs typeface="Calibri"/>
+            </a:endParaRPr>
+          </a:p>
+          <a:p>
+            <a:pPr algn="just">
               <a:lnSpc>
                 <a:spcPct val="150000"/>
               </a:lnSpc>
             </a:pPr>
-            <a:endParaRPr lang="en-US" dirty="0"/>
-          </a:p>
-          <a:p>
-            <a:pPr marL="285750" indent="-285750">
+            <a:endParaRPr lang="en-US" sz="1600" dirty="0">
+              <a:cs typeface="Calibri"/>
+            </a:endParaRPr>
+          </a:p>
+          <a:p>
+            <a:pPr marL="285750" indent="-285750" algn="just">
               <a:lnSpc>
                 <a:spcPct val="150000"/>
               </a:lnSpc>
               <a:buFont typeface="Wingdings" panose="05000000000000000000" pitchFamily="2" charset="2"/>
               <a:buChar char="q"/>
             </a:pPr>
-            <a:endParaRPr lang="en-US" dirty="0"/>
-          </a:p>
-          <a:p>
-            <a:pPr marL="285750" indent="-285750">
-              <a:lnSpc>
-                <a:spcPct val="150000"/>
-              </a:lnSpc>
-              <a:buFont typeface="Wingdings" panose="05000000000000000000" pitchFamily="2" charset="2"/>
-              <a:buChar char="q"/>
-            </a:pPr>
-            <a:r>
-              <a:rPr lang="en-US" dirty="0"/>
-              <a:t>Actual data shows the passenger airline accidents is decreasing over the year throughout the world.</a:t>
-            </a:r>
+            <a:r>
+              <a:rPr lang="en-US" sz="1600" dirty="0"/>
+              <a:t>Actual data shows the passenger airline accidents incidents are decreasing over the time in the entire world.</a:t>
+            </a:r>
+            <a:endParaRPr lang="en-US" sz="1600" dirty="0">
+              <a:cs typeface="Calibri"/>
+            </a:endParaRPr>
           </a:p>
           <a:p>
             <a:pPr marL="285750" indent="-285750">
@@ -6772,11 +6215,9 @@
             <a:endParaRPr lang="en-US" dirty="0"/>
           </a:p>
           <a:p>
-            <a:pPr marL="285750" indent="-285750">
-              <a:buFont typeface="Wingdings" panose="05000000000000000000" pitchFamily="2" charset="2"/>
-              <a:buChar char="q"/>
-            </a:pPr>
-            <a:endParaRPr lang="en-US" dirty="0"/>
+            <a:endParaRPr lang="en-US" dirty="0">
+              <a:cs typeface="Calibri" panose="020F0502020204030204"/>
+            </a:endParaRPr>
           </a:p>
         </p:txBody>
       </p:sp>
@@ -6785,7 +6226,7 @@
           <p:cNvPr id="7" name="Picture 6">
             <a:extLst>
               <a:ext uri="{FF2B5EF4-FFF2-40B4-BE49-F238E27FC236}">
-                <a16:creationId xmlns:a16="http://schemas.microsoft.com/office/drawing/2014/main" xmlns="" id="{93E2F21B-7790-DA3A-18B3-D6EFB69BFCEC}"/>
+                <a16:creationId xmlns:a16="http://schemas.microsoft.com/office/drawing/2014/main" id="{93E2F21B-7790-DA3A-18B3-D6EFB69BFCEC}"/>
               </a:ext>
             </a:extLst>
           </p:cNvPr>
@@ -6815,7 +6256,7 @@
           <p:cNvPr id="8" name="TextBox 7">
             <a:extLst>
               <a:ext uri="{FF2B5EF4-FFF2-40B4-BE49-F238E27FC236}">
-                <a16:creationId xmlns:a16="http://schemas.microsoft.com/office/drawing/2014/main" xmlns="" id="{44013537-6234-6FD6-CFAC-70D69C0E470E}"/>
+                <a16:creationId xmlns:a16="http://schemas.microsoft.com/office/drawing/2014/main" id="{44013537-6234-6FD6-CFAC-70D69C0E470E}"/>
               </a:ext>
             </a:extLst>
           </p:cNvPr>
@@ -6872,7 +6313,7 @@
           <p:cNvPr id="12" name="Straight Connector 11">
             <a:extLst>
               <a:ext uri="{FF2B5EF4-FFF2-40B4-BE49-F238E27FC236}">
-                <a16:creationId xmlns:a16="http://schemas.microsoft.com/office/drawing/2014/main" xmlns="" id="{51384A9A-6E5D-94A3-71CC-CEE59741B0A0}"/>
+                <a16:creationId xmlns:a16="http://schemas.microsoft.com/office/drawing/2014/main" id="{51384A9A-6E5D-94A3-71CC-CEE59741B0A0}"/>
               </a:ext>
             </a:extLst>
           </p:cNvPr>
@@ -6883,7 +6324,7 @@
         </p:nvCxnSpPr>
         <p:spPr>
           <a:xfrm>
-            <a:off x="150812" y="762000"/>
+            <a:off x="150812" y="867934"/>
             <a:ext cx="4343400" cy="0"/>
           </a:xfrm>
           <a:prstGeom prst="line">
@@ -6960,15 +6401,17 @@
         </p:nvSpPr>
         <p:spPr>
           <a:xfrm>
-            <a:off x="227013" y="1981200"/>
+            <a:off x="227013" y="1627998"/>
             <a:ext cx="3886200" cy="4038600"/>
           </a:xfrm>
         </p:spPr>
         <p:txBody>
-          <a:bodyPr/>
-          <a:lstStyle/>
-          <a:p>
-            <a:pPr marL="285750" indent="-285750">
+          <a:bodyPr vert="horz" lIns="91440" tIns="45720" rIns="91440" bIns="45720" rtlCol="0" anchor="t">
+            <a:normAutofit/>
+          </a:bodyPr>
+          <a:lstStyle/>
+          <a:p>
+            <a:pPr marL="285750" indent="-285750" algn="just">
               <a:lnSpc>
                 <a:spcPct val="150000"/>
               </a:lnSpc>
@@ -6976,22 +6419,27 @@
               <a:buChar char="q"/>
             </a:pPr>
             <a:r>
-              <a:rPr lang="en-US" dirty="0"/>
+              <a:rPr lang="en-US" sz="1600" dirty="0"/>
               <a:t>The chart shows the airline fatality count decreases over time.</a:t>
             </a:r>
-          </a:p>
-          <a:p>
-            <a:pPr marL="285750" indent="-285750">
+            <a:endParaRPr lang="en-US" sz="1600" dirty="0">
+              <a:cs typeface="Calibri"/>
+            </a:endParaRPr>
+          </a:p>
+          <a:p>
+            <a:pPr marL="285750" indent="-285750" algn="just">
               <a:lnSpc>
                 <a:spcPct val="150000"/>
               </a:lnSpc>
               <a:buFont typeface="Wingdings" panose="05000000000000000000" pitchFamily="2" charset="2"/>
               <a:buChar char="q"/>
             </a:pPr>
-            <a:endParaRPr lang="en-US" dirty="0"/>
-          </a:p>
-          <a:p>
-            <a:pPr marL="285750" indent="-285750">
+            <a:endParaRPr lang="en-US" sz="1600" dirty="0">
+              <a:cs typeface="Calibri"/>
+            </a:endParaRPr>
+          </a:p>
+          <a:p>
+            <a:pPr marL="285750" indent="-285750" algn="just">
               <a:lnSpc>
                 <a:spcPct val="150000"/>
               </a:lnSpc>
@@ -6999,9 +6447,21 @@
               <a:buChar char="q"/>
             </a:pPr>
             <a:r>
-              <a:rPr lang="en-US" dirty="0"/>
+              <a:rPr lang="en-US" sz="1600" dirty="0"/>
               <a:t>The fatality count is very less; less than ~0.5 fatality occurred / Millions of flights scheduled in 2019 to 2021 throughout the globe.</a:t>
             </a:r>
+            <a:endParaRPr lang="en-US" sz="1600" dirty="0">
+              <a:cs typeface="Calibri"/>
+            </a:endParaRPr>
+          </a:p>
+          <a:p>
+            <a:pPr marL="285750" indent="-285750" algn="just">
+              <a:buFont typeface="Wingdings" panose="05000000000000000000" pitchFamily="2" charset="2"/>
+              <a:buChar char="q"/>
+            </a:pPr>
+            <a:endParaRPr lang="en-US" sz="1600" dirty="0">
+              <a:cs typeface="Calibri"/>
+            </a:endParaRPr>
           </a:p>
           <a:p>
             <a:pPr marL="285750" indent="-285750">
@@ -7010,13 +6470,6 @@
             </a:pPr>
             <a:endParaRPr lang="en-US" dirty="0"/>
           </a:p>
-          <a:p>
-            <a:pPr marL="285750" indent="-285750">
-              <a:buFont typeface="Wingdings" panose="05000000000000000000" pitchFamily="2" charset="2"/>
-              <a:buChar char="q"/>
-            </a:pPr>
-            <a:endParaRPr lang="en-US" dirty="0"/>
-          </a:p>
         </p:txBody>
       </p:sp>
       <p:sp>
@@ -7024,7 +6477,7 @@
           <p:cNvPr id="8" name="TextBox 7">
             <a:extLst>
               <a:ext uri="{FF2B5EF4-FFF2-40B4-BE49-F238E27FC236}">
-                <a16:creationId xmlns:a16="http://schemas.microsoft.com/office/drawing/2014/main" xmlns="" id="{44013537-6234-6FD6-CFAC-70D69C0E470E}"/>
+                <a16:creationId xmlns:a16="http://schemas.microsoft.com/office/drawing/2014/main" id="{44013537-6234-6FD6-CFAC-70D69C0E470E}"/>
               </a:ext>
             </a:extLst>
           </p:cNvPr>
@@ -7081,7 +6534,7 @@
           <p:cNvPr id="9" name="Title 4">
             <a:extLst>
               <a:ext uri="{FF2B5EF4-FFF2-40B4-BE49-F238E27FC236}">
-                <a16:creationId xmlns:a16="http://schemas.microsoft.com/office/drawing/2014/main" xmlns="" id="{3FA80EAA-0B74-DF11-0D85-B9521D4A59D5}"/>
+                <a16:creationId xmlns:a16="http://schemas.microsoft.com/office/drawing/2014/main" id="{3FA80EAA-0B74-DF11-0D85-B9521D4A59D5}"/>
               </a:ext>
             </a:extLst>
           </p:cNvPr>
@@ -7123,10 +6576,6 @@
             </a:lvl1pPr>
           </a:lstStyle>
           <a:p>
-            <a:r>
-              <a:rPr lang="en-US" sz="2000" dirty="0"/>
-              <a:t/>
-            </a:r>
             <a:br>
               <a:rPr lang="en-US" sz="2000" dirty="0"/>
             </a:br>
@@ -7141,10 +6590,6 @@
             <a:br>
               <a:rPr lang="en-US" sz="2000" dirty="0"/>
             </a:br>
-            <a:r>
-              <a:rPr lang="en-US" sz="2000" dirty="0"/>
-              <a:t/>
-            </a:r>
             <a:br>
               <a:rPr lang="en-US" sz="2000" dirty="0"/>
             </a:br>
@@ -7160,7 +6605,7 @@
           <p:cNvPr id="10" name="Straight Connector 9">
             <a:extLst>
               <a:ext uri="{FF2B5EF4-FFF2-40B4-BE49-F238E27FC236}">
-                <a16:creationId xmlns:a16="http://schemas.microsoft.com/office/drawing/2014/main" xmlns="" id="{66E99E9F-F36D-C712-7285-9C5218F4D29D}"/>
+                <a16:creationId xmlns:a16="http://schemas.microsoft.com/office/drawing/2014/main" id="{66E99E9F-F36D-C712-7285-9C5218F4D29D}"/>
               </a:ext>
             </a:extLst>
           </p:cNvPr>
@@ -7199,7 +6644,7 @@
           <p:cNvPr id="3" name="Picture 2">
             <a:extLst>
               <a:ext uri="{FF2B5EF4-FFF2-40B4-BE49-F238E27FC236}">
-                <a16:creationId xmlns:a16="http://schemas.microsoft.com/office/drawing/2014/main" xmlns="" id="{26FAE249-04BC-AE0B-68F5-C5D7A2274C0B}"/>
+                <a16:creationId xmlns:a16="http://schemas.microsoft.com/office/drawing/2014/main" id="{26FAE249-04BC-AE0B-68F5-C5D7A2274C0B}"/>
               </a:ext>
             </a:extLst>
           </p:cNvPr>
@@ -7271,7 +6716,7 @@
           <p:cNvPr id="8" name="TextBox 7">
             <a:extLst>
               <a:ext uri="{FF2B5EF4-FFF2-40B4-BE49-F238E27FC236}">
-                <a16:creationId xmlns:a16="http://schemas.microsoft.com/office/drawing/2014/main" xmlns="" id="{44013537-6234-6FD6-CFAC-70D69C0E470E}"/>
+                <a16:creationId xmlns:a16="http://schemas.microsoft.com/office/drawing/2014/main" id="{44013537-6234-6FD6-CFAC-70D69C0E470E}"/>
               </a:ext>
             </a:extLst>
           </p:cNvPr>
@@ -7328,7 +6773,7 @@
           <p:cNvPr id="7" name="Picture 6">
             <a:extLst>
               <a:ext uri="{FF2B5EF4-FFF2-40B4-BE49-F238E27FC236}">
-                <a16:creationId xmlns:a16="http://schemas.microsoft.com/office/drawing/2014/main" xmlns="" id="{FA53ED08-CF61-A4F0-C6AC-0B300C33500A}"/>
+                <a16:creationId xmlns:a16="http://schemas.microsoft.com/office/drawing/2014/main" id="{FA53ED08-CF61-A4F0-C6AC-0B300C33500A}"/>
               </a:ext>
             </a:extLst>
           </p:cNvPr>
@@ -7358,7 +6803,7 @@
           <p:cNvPr id="10" name="Title 4">
             <a:extLst>
               <a:ext uri="{FF2B5EF4-FFF2-40B4-BE49-F238E27FC236}">
-                <a16:creationId xmlns:a16="http://schemas.microsoft.com/office/drawing/2014/main" xmlns="" id="{6C4C4786-469B-730F-C38B-B0AC3B61F463}"/>
+                <a16:creationId xmlns:a16="http://schemas.microsoft.com/office/drawing/2014/main" id="{6C4C4786-469B-730F-C38B-B0AC3B61F463}"/>
               </a:ext>
             </a:extLst>
           </p:cNvPr>
@@ -7400,10 +6845,6 @@
             </a:lvl1pPr>
           </a:lstStyle>
           <a:p>
-            <a:r>
-              <a:rPr lang="en-US" sz="2000" dirty="0"/>
-              <a:t/>
-            </a:r>
             <a:br>
               <a:rPr lang="en-US" sz="2000" dirty="0"/>
             </a:br>
@@ -7411,23 +6852,15 @@
               <a:rPr lang="en-US" sz="2800" b="1" dirty="0"/>
               <a:t>Myth vs Reality</a:t>
             </a:r>
-            <a:r>
-              <a:rPr lang="en-US" sz="2000" dirty="0"/>
-              <a:t/>
-            </a:r>
             <a:br>
               <a:rPr lang="en-US" sz="2000" dirty="0"/>
             </a:br>
-            <a:r>
-              <a:rPr lang="en-US" sz="2000" dirty="0"/>
-              <a:t/>
-            </a:r>
             <a:br>
               <a:rPr lang="en-US" sz="2000" dirty="0"/>
             </a:br>
             <a:r>
               <a:rPr lang="en-US" sz="2000" b="1" dirty="0"/>
-              <a:t>Chart showing Auto Accidents and Fatality Trend</a:t>
+              <a:t>Chart showing Auto Accidents and Fatality Trend in United States</a:t>
             </a:r>
           </a:p>
         </p:txBody>
@@ -7437,7 +6870,7 @@
           <p:cNvPr id="11" name="Straight Connector 10">
             <a:extLst>
               <a:ext uri="{FF2B5EF4-FFF2-40B4-BE49-F238E27FC236}">
-                <a16:creationId xmlns:a16="http://schemas.microsoft.com/office/drawing/2014/main" xmlns="" id="{704401AD-9DC6-A19D-1358-4E260D72A9CA}"/>
+                <a16:creationId xmlns:a16="http://schemas.microsoft.com/office/drawing/2014/main" id="{704401AD-9DC6-A19D-1358-4E260D72A9CA}"/>
               </a:ext>
             </a:extLst>
           </p:cNvPr>
@@ -7476,7 +6909,7 @@
           <p:cNvPr id="12" name="Text Placeholder 3">
             <a:extLst>
               <a:ext uri="{FF2B5EF4-FFF2-40B4-BE49-F238E27FC236}">
-                <a16:creationId xmlns:a16="http://schemas.microsoft.com/office/drawing/2014/main" xmlns="" id="{7CAA6028-C5FF-0959-C6E2-17EF051E1743}"/>
+                <a16:creationId xmlns:a16="http://schemas.microsoft.com/office/drawing/2014/main" id="{7CAA6028-C5FF-0959-C6E2-17EF051E1743}"/>
               </a:ext>
             </a:extLst>
           </p:cNvPr>
@@ -7489,17 +6922,17 @@
         </p:nvSpPr>
         <p:spPr>
           <a:xfrm>
-            <a:off x="227013" y="1981200"/>
+            <a:off x="227013" y="1608376"/>
             <a:ext cx="3886200" cy="4267200"/>
           </a:xfrm>
         </p:spPr>
         <p:txBody>
-          <a:bodyPr>
-            <a:normAutofit fontScale="85000" lnSpcReduction="20000"/>
+          <a:bodyPr vert="horz" lIns="91440" tIns="45720" rIns="91440" bIns="45720" rtlCol="0" anchor="t">
+            <a:noAutofit/>
           </a:bodyPr>
           <a:lstStyle/>
           <a:p>
-            <a:pPr marL="285750" indent="-285750">
+            <a:pPr marL="285750" indent="-285750" algn="just">
               <a:lnSpc>
                 <a:spcPct val="150000"/>
               </a:lnSpc>
@@ -7507,22 +6940,31 @@
               <a:buChar char="q"/>
             </a:pPr>
             <a:r>
-              <a:rPr lang="en-US" dirty="0"/>
+              <a:rPr lang="en-US" sz="1600" dirty="0"/>
               <a:t>This chart shows the auto Accidents and fatality over time in USA.</a:t>
             </a:r>
-          </a:p>
-          <a:p>
-            <a:pPr marL="285750" indent="-285750">
+            <a:endParaRPr lang="en-US" sz="1600" dirty="0">
+              <a:cs typeface="Calibri"/>
+            </a:endParaRPr>
+          </a:p>
+          <a:p>
+            <a:pPr marL="285750" indent="-285750" algn="just">
               <a:lnSpc>
                 <a:spcPct val="150000"/>
               </a:lnSpc>
               <a:buFont typeface="Wingdings" panose="05000000000000000000" pitchFamily="2" charset="2"/>
               <a:buChar char="q"/>
             </a:pPr>
-            <a:endParaRPr lang="en-US" dirty="0"/>
-          </a:p>
-          <a:p>
-            <a:pPr marL="285750" indent="-285750">
+            <a:r>
+              <a:rPr lang="en-US" sz="1600" dirty="0"/>
+              <a:t>Total accidents and fatalities for the automobiles is around 50K and ~36K respectively. This number is only for US country.</a:t>
+            </a:r>
+            <a:endParaRPr lang="en-US" sz="1600" dirty="0">
+              <a:cs typeface="Calibri"/>
+            </a:endParaRPr>
+          </a:p>
+          <a:p>
+            <a:pPr marL="285750" indent="-285750" algn="just">
               <a:lnSpc>
                 <a:spcPct val="150000"/>
               </a:lnSpc>
@@ -7530,39 +6972,21 @@
               <a:buChar char="q"/>
             </a:pPr>
             <a:r>
-              <a:rPr lang="en-US" dirty="0"/>
-              <a:t>Total accidents and fatalities for the automobiles is around 50K and ~36L respectively. This number is only for US country.</a:t>
-            </a:r>
-          </a:p>
-          <a:p>
-            <a:pPr marL="285750" indent="-285750">
-              <a:lnSpc>
-                <a:spcPct val="150000"/>
-              </a:lnSpc>
-              <a:buFont typeface="Wingdings" panose="05000000000000000000" pitchFamily="2" charset="2"/>
-              <a:buChar char="q"/>
-            </a:pPr>
-            <a:endParaRPr lang="en-US" dirty="0"/>
-          </a:p>
-          <a:p>
-            <a:pPr marL="285750" indent="-285750">
-              <a:lnSpc>
-                <a:spcPct val="150000"/>
-              </a:lnSpc>
-              <a:buFont typeface="Wingdings" panose="05000000000000000000" pitchFamily="2" charset="2"/>
-              <a:buChar char="q"/>
-            </a:pPr>
-            <a:r>
-              <a:rPr lang="en-US" dirty="0"/>
+              <a:rPr lang="en-US" sz="1600" dirty="0"/>
               <a:t>Comparing the charts, Airline reported accidents and fatalities was way less and not comparable to total ground accidents and fatality reported in US alone.</a:t>
             </a:r>
+            <a:endParaRPr lang="en-US" sz="1600" dirty="0">
+              <a:cs typeface="Calibri" panose="020F0502020204030204"/>
+            </a:endParaRPr>
           </a:p>
           <a:p>
             <a:pPr marL="285750" indent="-285750">
               <a:buFont typeface="Wingdings" panose="05000000000000000000" pitchFamily="2" charset="2"/>
               <a:buChar char="q"/>
             </a:pPr>
-            <a:endParaRPr lang="en-US" dirty="0"/>
+            <a:endParaRPr lang="en-US" sz="1600" dirty="0">
+              <a:cs typeface="Calibri" panose="020F0502020204030204"/>
+            </a:endParaRPr>
           </a:p>
           <a:p>
             <a:pPr marL="285750" indent="-285750">
@@ -7627,15 +7051,17 @@
         </p:nvSpPr>
         <p:spPr>
           <a:xfrm>
-            <a:off x="227013" y="1981200"/>
+            <a:off x="227013" y="1696676"/>
             <a:ext cx="3886200" cy="4267200"/>
           </a:xfrm>
         </p:spPr>
         <p:txBody>
-          <a:bodyPr/>
-          <a:lstStyle/>
-          <a:p>
-            <a:pPr marL="285750" indent="-285750">
+          <a:bodyPr vert="horz" lIns="91440" tIns="45720" rIns="91440" bIns="45720" rtlCol="0" anchor="t">
+            <a:normAutofit/>
+          </a:bodyPr>
+          <a:lstStyle/>
+          <a:p>
+            <a:pPr marL="285750" indent="-285750" algn="just">
               <a:lnSpc>
                 <a:spcPct val="150000"/>
               </a:lnSpc>
@@ -7643,12 +7069,15 @@
               <a:buChar char="q"/>
             </a:pPr>
             <a:r>
-              <a:rPr lang="en-US" dirty="0"/>
-              <a:t>The chart shows the available seat miles has been increased considerably across airlines.</a:t>
-            </a:r>
-          </a:p>
-          <a:p>
-            <a:pPr marL="285750" indent="-285750">
+              <a:rPr lang="en-US" sz="1600" dirty="0"/>
+              <a:t>The chart shows the available seat miles has been increased considerably across the airlines.</a:t>
+            </a:r>
+            <a:endParaRPr lang="en-US" sz="1600" dirty="0">
+              <a:cs typeface="Calibri"/>
+            </a:endParaRPr>
+          </a:p>
+          <a:p>
+            <a:pPr marL="285750" indent="-285750" algn="just">
               <a:lnSpc>
                 <a:spcPct val="150000"/>
               </a:lnSpc>
@@ -7656,16 +7085,36 @@
               <a:buChar char="q"/>
             </a:pPr>
             <a:r>
-              <a:rPr lang="en-US" dirty="0"/>
+              <a:rPr lang="en-US" sz="1600" dirty="0">
+                <a:cs typeface="Calibri"/>
+              </a:rPr>
+              <a:t>Increase in total seat miles are seen in American, Delta and United airlines.</a:t>
+            </a:r>
+          </a:p>
+          <a:p>
+            <a:pPr marL="285750" indent="-285750" algn="just">
+              <a:lnSpc>
+                <a:spcPct val="150000"/>
+              </a:lnSpc>
+              <a:buFont typeface="Wingdings" panose="05000000000000000000" pitchFamily="2" charset="2"/>
+              <a:buChar char="q"/>
+            </a:pPr>
+            <a:r>
+              <a:rPr lang="en-US" sz="1600" dirty="0"/>
               <a:t>United Airlines shows increase in seat miles Pre-Covid (2011 to 2019) and the drop in 2020 is due to Covid situation.</a:t>
             </a:r>
+            <a:endParaRPr lang="en-US" sz="1600" dirty="0">
+              <a:cs typeface="Calibri"/>
+            </a:endParaRPr>
           </a:p>
           <a:p>
             <a:pPr marL="285750" indent="-285750">
               <a:buFont typeface="Wingdings" panose="05000000000000000000" pitchFamily="2" charset="2"/>
               <a:buChar char="q"/>
             </a:pPr>
-            <a:endParaRPr lang="en-US" dirty="0"/>
+            <a:endParaRPr lang="en-US" sz="1600" dirty="0">
+              <a:cs typeface="Calibri"/>
+            </a:endParaRPr>
           </a:p>
         </p:txBody>
       </p:sp>
@@ -7674,7 +7123,7 @@
           <p:cNvPr id="6" name="Picture 5">
             <a:extLst>
               <a:ext uri="{FF2B5EF4-FFF2-40B4-BE49-F238E27FC236}">
-                <a16:creationId xmlns:a16="http://schemas.microsoft.com/office/drawing/2014/main" xmlns="" id="{C6925566-001A-B1F0-9BB5-84E934DF1F05}"/>
+                <a16:creationId xmlns:a16="http://schemas.microsoft.com/office/drawing/2014/main" id="{C6925566-001A-B1F0-9BB5-84E934DF1F05}"/>
               </a:ext>
             </a:extLst>
           </p:cNvPr>
@@ -7704,7 +7153,7 @@
           <p:cNvPr id="9" name="TextBox 8">
             <a:extLst>
               <a:ext uri="{FF2B5EF4-FFF2-40B4-BE49-F238E27FC236}">
-                <a16:creationId xmlns:a16="http://schemas.microsoft.com/office/drawing/2014/main" xmlns="" id="{196DC3BC-DFA4-27D3-C6B3-32B9ECE94CAA}"/>
+                <a16:creationId xmlns:a16="http://schemas.microsoft.com/office/drawing/2014/main" id="{196DC3BC-DFA4-27D3-C6B3-32B9ECE94CAA}"/>
               </a:ext>
             </a:extLst>
           </p:cNvPr>
@@ -7753,7 +7202,7 @@
                 <a:hlinkClick r:id="rId4">
                   <a:extLst>
                     <a:ext uri="{A12FA001-AC4F-418D-AE19-62706E023703}">
-                      <ahyp:hlinkClr xmlns:ahyp="http://schemas.microsoft.com/office/drawing/2018/hyperlinkcolor" xmlns="" val="tx"/>
+                      <ahyp:hlinkClr xmlns:ahyp="http://schemas.microsoft.com/office/drawing/2018/hyperlinkcolor" val="tx"/>
                     </a:ext>
                   </a:extLst>
                 </a:hlinkClick>
@@ -7782,7 +7231,7 @@
           <p:cNvPr id="10" name="Title 4">
             <a:extLst>
               <a:ext uri="{FF2B5EF4-FFF2-40B4-BE49-F238E27FC236}">
-                <a16:creationId xmlns:a16="http://schemas.microsoft.com/office/drawing/2014/main" xmlns="" id="{52CA1353-CEAC-15E7-4166-51EFB311B81B}"/>
+                <a16:creationId xmlns:a16="http://schemas.microsoft.com/office/drawing/2014/main" id="{52CA1353-CEAC-15E7-4166-51EFB311B81B}"/>
               </a:ext>
             </a:extLst>
           </p:cNvPr>
@@ -7824,10 +7273,6 @@
             </a:lvl1pPr>
           </a:lstStyle>
           <a:p>
-            <a:r>
-              <a:rPr lang="en-US" sz="2000" dirty="0"/>
-              <a:t/>
-            </a:r>
             <a:br>
               <a:rPr lang="en-US" sz="2000" dirty="0"/>
             </a:br>
@@ -7835,17 +7280,9 @@
               <a:rPr lang="en-US" sz="2800" b="1" dirty="0"/>
               <a:t>Passenger Enplanement</a:t>
             </a:r>
-            <a:r>
-              <a:rPr lang="en-US" sz="2000" dirty="0"/>
-              <a:t/>
-            </a:r>
             <a:br>
               <a:rPr lang="en-US" sz="2000" dirty="0"/>
             </a:br>
-            <a:r>
-              <a:rPr lang="en-US" sz="2000" dirty="0"/>
-              <a:t/>
-            </a:r>
             <a:br>
               <a:rPr lang="en-US" sz="2000" dirty="0"/>
             </a:br>
@@ -7861,7 +7298,7 @@
           <p:cNvPr id="11" name="Straight Connector 10">
             <a:extLst>
               <a:ext uri="{FF2B5EF4-FFF2-40B4-BE49-F238E27FC236}">
-                <a16:creationId xmlns:a16="http://schemas.microsoft.com/office/drawing/2014/main" xmlns="" id="{3BECCAE5-91B1-03E5-C32D-C9B1F29BC8B5}"/>
+                <a16:creationId xmlns:a16="http://schemas.microsoft.com/office/drawing/2014/main" id="{3BECCAE5-91B1-03E5-C32D-C9B1F29BC8B5}"/>
               </a:ext>
             </a:extLst>
           </p:cNvPr>
@@ -7954,19 +7391,12 @@
           </a:xfrm>
         </p:spPr>
         <p:txBody>
-          <a:bodyPr>
+          <a:bodyPr vert="horz" lIns="91440" tIns="45720" rIns="91440" bIns="45720" rtlCol="0" anchor="t">
             <a:normAutofit/>
           </a:bodyPr>
           <a:lstStyle/>
           <a:p>
-            <a:pPr marL="285750" indent="-285750">
-              <a:buFont typeface="Wingdings" panose="05000000000000000000" pitchFamily="2" charset="2"/>
-              <a:buChar char="q"/>
-            </a:pPr>
-            <a:endParaRPr lang="en-US" dirty="0"/>
-          </a:p>
-          <a:p>
-            <a:pPr marL="285750" indent="-285750">
+            <a:pPr marL="285750" indent="-285750" algn="just">
               <a:lnSpc>
                 <a:spcPct val="150000"/>
               </a:lnSpc>
@@ -7974,12 +7404,15 @@
               <a:buChar char="q"/>
             </a:pPr>
             <a:r>
-              <a:rPr lang="en-US" dirty="0"/>
+              <a:rPr lang="en-US" sz="1600" dirty="0"/>
               <a:t>The total passenger travelled in United is gradually increasing over years from 2009 to 2019.</a:t>
             </a:r>
-          </a:p>
-          <a:p>
-            <a:pPr marL="285750" indent="-285750">
+            <a:endParaRPr lang="en-US" sz="1600" dirty="0">
+              <a:cs typeface="Calibri"/>
+            </a:endParaRPr>
+          </a:p>
+          <a:p>
+            <a:pPr marL="285750" indent="-285750" algn="just">
               <a:lnSpc>
                 <a:spcPct val="150000"/>
               </a:lnSpc>
@@ -7987,12 +7420,15 @@
               <a:buChar char="q"/>
             </a:pPr>
             <a:r>
-              <a:rPr lang="en-US" dirty="0"/>
+              <a:rPr lang="en-US" sz="1600" dirty="0"/>
               <a:t>Impact in 2020 due to Covid.</a:t>
             </a:r>
-          </a:p>
-          <a:p>
-            <a:pPr marL="285750" indent="-285750">
+            <a:endParaRPr lang="en-US" sz="1600" dirty="0">
+              <a:cs typeface="Calibri"/>
+            </a:endParaRPr>
+          </a:p>
+          <a:p>
+            <a:pPr marL="285750" indent="-285750" algn="just">
               <a:lnSpc>
                 <a:spcPct val="150000"/>
               </a:lnSpc>
@@ -8000,9 +7436,12 @@
               <a:buChar char="q"/>
             </a:pPr>
             <a:r>
-              <a:rPr lang="en-US" dirty="0"/>
-              <a:t>Based on the data, it’s clear that passengers travelled in United and other airlines is increasing year over year.</a:t>
-            </a:r>
+              <a:rPr lang="en-US" sz="1600" dirty="0"/>
+              <a:t>Based on the data, it’s clear that passengers travelled in United and other airlines is increasing year over year, with an exception in covid period.</a:t>
+            </a:r>
+            <a:endParaRPr lang="en-US" sz="1600" dirty="0">
+              <a:cs typeface="Calibri" panose="020F0502020204030204"/>
+            </a:endParaRPr>
           </a:p>
         </p:txBody>
       </p:sp>
@@ -8011,7 +7450,7 @@
           <p:cNvPr id="9" name="TextBox 8">
             <a:extLst>
               <a:ext uri="{FF2B5EF4-FFF2-40B4-BE49-F238E27FC236}">
-                <a16:creationId xmlns:a16="http://schemas.microsoft.com/office/drawing/2014/main" xmlns="" id="{196DC3BC-DFA4-27D3-C6B3-32B9ECE94CAA}"/>
+                <a16:creationId xmlns:a16="http://schemas.microsoft.com/office/drawing/2014/main" id="{196DC3BC-DFA4-27D3-C6B3-32B9ECE94CAA}"/>
               </a:ext>
             </a:extLst>
           </p:cNvPr>
@@ -8060,7 +7499,7 @@
                 <a:hlinkClick r:id="rId3">
                   <a:extLst>
                     <a:ext uri="{A12FA001-AC4F-418D-AE19-62706E023703}">
-                      <ahyp:hlinkClr xmlns:ahyp="http://schemas.microsoft.com/office/drawing/2018/hyperlinkcolor" xmlns="" val="tx"/>
+                      <ahyp:hlinkClr xmlns:ahyp="http://schemas.microsoft.com/office/drawing/2018/hyperlinkcolor" val="tx"/>
                     </a:ext>
                   </a:extLst>
                 </a:hlinkClick>
@@ -8096,7 +7535,7 @@
           <p:cNvPr id="12" name="Picture 11">
             <a:extLst>
               <a:ext uri="{FF2B5EF4-FFF2-40B4-BE49-F238E27FC236}">
-                <a16:creationId xmlns:a16="http://schemas.microsoft.com/office/drawing/2014/main" xmlns="" id="{E6230246-B21A-EB3D-DC56-AC3BEB7A8CDC}"/>
+                <a16:creationId xmlns:a16="http://schemas.microsoft.com/office/drawing/2014/main" id="{E6230246-B21A-EB3D-DC56-AC3BEB7A8CDC}"/>
               </a:ext>
             </a:extLst>
           </p:cNvPr>
@@ -8126,7 +7565,7 @@
           <p:cNvPr id="13" name="Title 4">
             <a:extLst>
               <a:ext uri="{FF2B5EF4-FFF2-40B4-BE49-F238E27FC236}">
-                <a16:creationId xmlns:a16="http://schemas.microsoft.com/office/drawing/2014/main" xmlns="" id="{D21AAD81-B76D-96CF-9954-27387282AA71}"/>
+                <a16:creationId xmlns:a16="http://schemas.microsoft.com/office/drawing/2014/main" id="{D21AAD81-B76D-96CF-9954-27387282AA71}"/>
               </a:ext>
             </a:extLst>
           </p:cNvPr>
@@ -8168,10 +7607,6 @@
             </a:lvl1pPr>
           </a:lstStyle>
           <a:p>
-            <a:r>
-              <a:rPr lang="en-US" sz="2000" dirty="0"/>
-              <a:t/>
-            </a:r>
             <a:br>
               <a:rPr lang="en-US" sz="2000" dirty="0"/>
             </a:br>
@@ -8179,17 +7614,9 @@
               <a:rPr lang="en-US" sz="2800" b="1" dirty="0"/>
               <a:t>Passenger Enplanement</a:t>
             </a:r>
-            <a:r>
-              <a:rPr lang="en-US" sz="2000" dirty="0"/>
-              <a:t/>
-            </a:r>
             <a:br>
               <a:rPr lang="en-US" sz="2000" dirty="0"/>
             </a:br>
-            <a:r>
-              <a:rPr lang="en-US" sz="2000" dirty="0"/>
-              <a:t/>
-            </a:r>
             <a:br>
               <a:rPr lang="en-US" sz="2000" dirty="0"/>
             </a:br>
@@ -8205,7 +7632,7 @@
           <p:cNvPr id="16" name="Straight Connector 15">
             <a:extLst>
               <a:ext uri="{FF2B5EF4-FFF2-40B4-BE49-F238E27FC236}">
-                <a16:creationId xmlns:a16="http://schemas.microsoft.com/office/drawing/2014/main" xmlns="" id="{03C75838-A495-06A5-F311-8924408FB7F5}"/>
+                <a16:creationId xmlns:a16="http://schemas.microsoft.com/office/drawing/2014/main" id="{03C75838-A495-06A5-F311-8924408FB7F5}"/>
               </a:ext>
             </a:extLst>
           </p:cNvPr>
@@ -8298,19 +7725,12 @@
           </a:xfrm>
         </p:spPr>
         <p:txBody>
-          <a:bodyPr>
-            <a:normAutofit fontScale="92500" lnSpcReduction="20000"/>
+          <a:bodyPr vert="horz" lIns="91440" tIns="45720" rIns="91440" bIns="45720" rtlCol="0" anchor="t">
+            <a:normAutofit/>
           </a:bodyPr>
           <a:lstStyle/>
           <a:p>
-            <a:pPr marL="285750" indent="-285750">
-              <a:buFont typeface="Wingdings" panose="05000000000000000000" pitchFamily="2" charset="2"/>
-              <a:buChar char="q"/>
-            </a:pPr>
-            <a:endParaRPr lang="en-US" dirty="0"/>
-          </a:p>
-          <a:p>
-            <a:pPr marL="285750" indent="-285750">
+            <a:pPr marL="285750" indent="-285750" algn="just">
               <a:lnSpc>
                 <a:spcPct val="150000"/>
               </a:lnSpc>
@@ -8318,12 +7738,15 @@
               <a:buChar char="q"/>
             </a:pPr>
             <a:r>
-              <a:rPr lang="en-US" dirty="0"/>
-              <a:t>Similar to other airlines, United Airlines revenue has been consistently increases over the years in last decade</a:t>
-            </a:r>
-          </a:p>
-          <a:p>
-            <a:pPr marL="285750" indent="-285750">
+              <a:rPr lang="en-US" sz="1600" dirty="0"/>
+              <a:t>Like other airlines, United Airlines revenue has been consistently increased over the years in last decade.</a:t>
+            </a:r>
+            <a:endParaRPr lang="en-US" sz="1600" dirty="0">
+              <a:cs typeface="Calibri"/>
+            </a:endParaRPr>
+          </a:p>
+          <a:p>
+            <a:pPr marL="285750" indent="-285750" algn="just">
               <a:lnSpc>
                 <a:spcPct val="150000"/>
               </a:lnSpc>
@@ -8331,12 +7754,15 @@
               <a:buChar char="q"/>
             </a:pPr>
             <a:r>
-              <a:rPr lang="en-US" dirty="0"/>
+              <a:rPr lang="en-US" sz="1600" dirty="0"/>
               <a:t>Though revenue is impacted due to Covid in 2020, the revenue started to regain back to 2019 levels.</a:t>
             </a:r>
-          </a:p>
-          <a:p>
-            <a:pPr marL="285750" indent="-285750">
+            <a:endParaRPr lang="en-US" sz="1600" dirty="0">
+              <a:cs typeface="Calibri"/>
+            </a:endParaRPr>
+          </a:p>
+          <a:p>
+            <a:pPr marL="285750" indent="-285750" algn="just">
               <a:lnSpc>
                 <a:spcPct val="150000"/>
               </a:lnSpc>
@@ -8344,9 +7770,12 @@
               <a:buChar char="q"/>
             </a:pPr>
             <a:r>
-              <a:rPr lang="en-US" dirty="0"/>
-              <a:t>Management is confidence in long term targets of achieving pre-tax margin targets of 9% 2023 and 14% in 2026 </a:t>
-            </a:r>
+              <a:rPr lang="en-US" sz="1600" dirty="0"/>
+              <a:t>Management is confidence in long term targets of achieving pre-tax margin targets of 9% 2023 and 14% in 2026.</a:t>
+            </a:r>
+            <a:endParaRPr lang="en-US" sz="1600" dirty="0">
+              <a:cs typeface="Calibri"/>
+            </a:endParaRPr>
           </a:p>
         </p:txBody>
       </p:sp>
@@ -8355,7 +7784,7 @@
           <p:cNvPr id="9" name="TextBox 8">
             <a:extLst>
               <a:ext uri="{FF2B5EF4-FFF2-40B4-BE49-F238E27FC236}">
-                <a16:creationId xmlns:a16="http://schemas.microsoft.com/office/drawing/2014/main" xmlns="" id="{196DC3BC-DFA4-27D3-C6B3-32B9ECE94CAA}"/>
+                <a16:creationId xmlns:a16="http://schemas.microsoft.com/office/drawing/2014/main" id="{196DC3BC-DFA4-27D3-C6B3-32B9ECE94CAA}"/>
               </a:ext>
             </a:extLst>
           </p:cNvPr>
@@ -8404,7 +7833,7 @@
                 <a:hlinkClick r:id="rId3">
                   <a:extLst>
                     <a:ext uri="{A12FA001-AC4F-418D-AE19-62706E023703}">
-                      <ahyp:hlinkClr xmlns:ahyp="http://schemas.microsoft.com/office/drawing/2018/hyperlinkcolor" xmlns="" val="tx"/>
+                      <ahyp:hlinkClr xmlns:ahyp="http://schemas.microsoft.com/office/drawing/2018/hyperlinkcolor" val="tx"/>
                     </a:ext>
                   </a:extLst>
                 </a:hlinkClick>
@@ -8433,7 +7862,7 @@
           <p:cNvPr id="13" name="Straight Connector 12">
             <a:extLst>
               <a:ext uri="{FF2B5EF4-FFF2-40B4-BE49-F238E27FC236}">
-                <a16:creationId xmlns:a16="http://schemas.microsoft.com/office/drawing/2014/main" xmlns="" id="{B1E46D03-E0FC-11E0-D4B3-CDDFA0E7ED83}"/>
+                <a16:creationId xmlns:a16="http://schemas.microsoft.com/office/drawing/2014/main" id="{B1E46D03-E0FC-11E0-D4B3-CDDFA0E7ED83}"/>
               </a:ext>
             </a:extLst>
           </p:cNvPr>
@@ -8472,7 +7901,7 @@
           <p:cNvPr id="15" name="Title 4">
             <a:extLst>
               <a:ext uri="{FF2B5EF4-FFF2-40B4-BE49-F238E27FC236}">
-                <a16:creationId xmlns:a16="http://schemas.microsoft.com/office/drawing/2014/main" xmlns="" id="{B5A55FDC-D850-8B70-D50F-923D8185FCF8}"/>
+                <a16:creationId xmlns:a16="http://schemas.microsoft.com/office/drawing/2014/main" id="{B5A55FDC-D850-8B70-D50F-923D8185FCF8}"/>
               </a:ext>
             </a:extLst>
           </p:cNvPr>
@@ -8514,10 +7943,6 @@
             </a:lvl1pPr>
           </a:lstStyle>
           <a:p>
-            <a:r>
-              <a:rPr lang="en-US" sz="2000" dirty="0"/>
-              <a:t/>
-            </a:r>
             <a:br>
               <a:rPr lang="en-US" sz="2000" dirty="0"/>
             </a:br>
@@ -8525,17 +7950,9 @@
               <a:rPr lang="en-US" sz="2800" b="1" dirty="0"/>
               <a:t>Airline Revenue</a:t>
             </a:r>
-            <a:r>
-              <a:rPr lang="en-US" sz="2000" dirty="0"/>
-              <a:t/>
-            </a:r>
             <a:br>
               <a:rPr lang="en-US" sz="2000" dirty="0"/>
             </a:br>
-            <a:r>
-              <a:rPr lang="en-US" sz="2000" dirty="0"/>
-              <a:t/>
-            </a:r>
             <a:br>
               <a:rPr lang="en-US" sz="2000" dirty="0"/>
             </a:br>
@@ -8551,7 +7968,7 @@
           <p:cNvPr id="5" name="Picture 4">
             <a:extLst>
               <a:ext uri="{FF2B5EF4-FFF2-40B4-BE49-F238E27FC236}">
-                <a16:creationId xmlns:a16="http://schemas.microsoft.com/office/drawing/2014/main" xmlns="" id="{EB13537F-56C3-C59C-20B3-8D9C1AA8CB32}"/>
+                <a16:creationId xmlns:a16="http://schemas.microsoft.com/office/drawing/2014/main" id="{EB13537F-56C3-C59C-20B3-8D9C1AA8CB32}"/>
               </a:ext>
             </a:extLst>
           </p:cNvPr>
@@ -8635,15 +8052,12 @@
           </a:xfrm>
         </p:spPr>
         <p:txBody>
-          <a:bodyPr>
-            <a:normAutofit fontScale="92500" lnSpcReduction="20000"/>
+          <a:bodyPr vert="horz" lIns="91440" tIns="45720" rIns="91440" bIns="45720" rtlCol="0" anchor="t">
+            <a:noAutofit/>
           </a:bodyPr>
           <a:lstStyle/>
           <a:p>
-            <a:endParaRPr lang="en-US" dirty="0"/>
-          </a:p>
-          <a:p>
-            <a:pPr marL="285750" indent="-285750">
+            <a:pPr marL="285750" indent="-285750" algn="just">
               <a:lnSpc>
                 <a:spcPct val="150000"/>
               </a:lnSpc>
@@ -8651,9 +8065,44 @@
               <a:buChar char="q"/>
             </a:pPr>
             <a:r>
-              <a:rPr lang="en-US" dirty="0"/>
-              <a:t>As revenue increase, the operating expenses also increased over time</a:t>
-            </a:r>
+              <a:rPr lang="en-US" sz="1600" dirty="0"/>
+              <a:t>As revenue increase, the operating expenses also increased over time.</a:t>
+            </a:r>
+            <a:endParaRPr lang="en-US" sz="1600" dirty="0">
+              <a:cs typeface="Calibri"/>
+            </a:endParaRPr>
+          </a:p>
+          <a:p>
+            <a:pPr marL="285750" indent="-285750" algn="just">
+              <a:lnSpc>
+                <a:spcPct val="150000"/>
+              </a:lnSpc>
+              <a:buFont typeface="Wingdings" panose="05000000000000000000" pitchFamily="2" charset="2"/>
+              <a:buChar char="q"/>
+            </a:pPr>
+            <a:r>
+              <a:rPr lang="en-US" sz="1600" dirty="0"/>
+              <a:t>Post Covid, Worldwide Inflation is impacting Airlines operating expenses mainly in salaries and fuel.</a:t>
+            </a:r>
+            <a:endParaRPr lang="en-US" sz="1600" dirty="0">
+              <a:cs typeface="Calibri"/>
+            </a:endParaRPr>
+          </a:p>
+          <a:p>
+            <a:pPr marL="285750" indent="-285750" algn="just">
+              <a:lnSpc>
+                <a:spcPct val="150000"/>
+              </a:lnSpc>
+              <a:buFont typeface="Wingdings" panose="05000000000000000000" pitchFamily="2" charset="2"/>
+              <a:buChar char="q"/>
+            </a:pPr>
+            <a:r>
+              <a:rPr lang="en-US" sz="1600" dirty="0"/>
+              <a:t>Management should focus on controlling Operation expenses by promoting more automation, eliminating repetitive tasks etc.</a:t>
+            </a:r>
+            <a:endParaRPr lang="en-US" sz="1600" dirty="0">
+              <a:cs typeface="Calibri"/>
+            </a:endParaRPr>
           </a:p>
           <a:p>
             <a:pPr marL="285750" indent="-285750">
@@ -8665,52 +8114,6 @@
             </a:pPr>
             <a:endParaRPr lang="en-US" dirty="0"/>
           </a:p>
-          <a:p>
-            <a:pPr marL="285750" indent="-285750">
-              <a:lnSpc>
-                <a:spcPct val="150000"/>
-              </a:lnSpc>
-              <a:buFont typeface="Wingdings" panose="05000000000000000000" pitchFamily="2" charset="2"/>
-              <a:buChar char="q"/>
-            </a:pPr>
-            <a:r>
-              <a:rPr lang="en-US" dirty="0"/>
-              <a:t>Post Covid, Worldwide Inflation is impacting Airlines operating expenses</a:t>
-            </a:r>
-          </a:p>
-          <a:p>
-            <a:pPr marL="285750" indent="-285750">
-              <a:lnSpc>
-                <a:spcPct val="150000"/>
-              </a:lnSpc>
-              <a:buFont typeface="Wingdings" panose="05000000000000000000" pitchFamily="2" charset="2"/>
-              <a:buChar char="q"/>
-            </a:pPr>
-            <a:endParaRPr lang="en-US" dirty="0"/>
-          </a:p>
-          <a:p>
-            <a:pPr marL="285750" indent="-285750">
-              <a:lnSpc>
-                <a:spcPct val="150000"/>
-              </a:lnSpc>
-              <a:buFont typeface="Wingdings" panose="05000000000000000000" pitchFamily="2" charset="2"/>
-              <a:buChar char="q"/>
-            </a:pPr>
-            <a:r>
-              <a:rPr lang="en-US" dirty="0"/>
-              <a:t>Management should focus on controlling Operation expenses by promoting more automation</a:t>
-            </a:r>
-          </a:p>
-          <a:p>
-            <a:pPr marL="285750" indent="-285750">
-              <a:lnSpc>
-                <a:spcPct val="150000"/>
-              </a:lnSpc>
-              <a:buFont typeface="Wingdings" panose="05000000000000000000" pitchFamily="2" charset="2"/>
-              <a:buChar char="q"/>
-            </a:pPr>
-            <a:endParaRPr lang="en-US" dirty="0"/>
-          </a:p>
         </p:txBody>
       </p:sp>
       <p:sp>
@@ -8718,7 +8121,7 @@
           <p:cNvPr id="7" name="TextBox 6">
             <a:extLst>
               <a:ext uri="{FF2B5EF4-FFF2-40B4-BE49-F238E27FC236}">
-                <a16:creationId xmlns:a16="http://schemas.microsoft.com/office/drawing/2014/main" xmlns="" id="{CF9FD05A-E5D4-FCB5-9715-2B56D46FB616}"/>
+                <a16:creationId xmlns:a16="http://schemas.microsoft.com/office/drawing/2014/main" id="{CF9FD05A-E5D4-FCB5-9715-2B56D46FB616}"/>
               </a:ext>
             </a:extLst>
           </p:cNvPr>
@@ -8767,7 +8170,7 @@
                 <a:hlinkClick r:id="rId3">
                   <a:extLst>
                     <a:ext uri="{A12FA001-AC4F-418D-AE19-62706E023703}">
-                      <ahyp:hlinkClr xmlns:ahyp="http://schemas.microsoft.com/office/drawing/2018/hyperlinkcolor" xmlns="" val="tx"/>
+                      <ahyp:hlinkClr xmlns:ahyp="http://schemas.microsoft.com/office/drawing/2018/hyperlinkcolor" val="tx"/>
                     </a:ext>
                   </a:extLst>
                 </a:hlinkClick>
@@ -8796,7 +8199,7 @@
           <p:cNvPr id="11" name="Title 4">
             <a:extLst>
               <a:ext uri="{FF2B5EF4-FFF2-40B4-BE49-F238E27FC236}">
-                <a16:creationId xmlns:a16="http://schemas.microsoft.com/office/drawing/2014/main" xmlns="" id="{3521240F-BD67-0020-FE6A-6B4BB0B44D87}"/>
+                <a16:creationId xmlns:a16="http://schemas.microsoft.com/office/drawing/2014/main" id="{3521240F-BD67-0020-FE6A-6B4BB0B44D87}"/>
               </a:ext>
             </a:extLst>
           </p:cNvPr>
@@ -8838,10 +8241,6 @@
             </a:lvl1pPr>
           </a:lstStyle>
           <a:p>
-            <a:r>
-              <a:rPr lang="en-US" sz="2000" dirty="0"/>
-              <a:t/>
-            </a:r>
             <a:br>
               <a:rPr lang="en-US" sz="2000" dirty="0"/>
             </a:br>
@@ -8849,17 +8248,9 @@
               <a:rPr lang="en-US" sz="2800" b="1" dirty="0"/>
               <a:t>Operating Cost</a:t>
             </a:r>
-            <a:r>
-              <a:rPr lang="en-US" sz="2000" dirty="0"/>
-              <a:t/>
-            </a:r>
             <a:br>
               <a:rPr lang="en-US" sz="2000" dirty="0"/>
             </a:br>
-            <a:r>
-              <a:rPr lang="en-US" sz="2000" dirty="0"/>
-              <a:t/>
-            </a:r>
             <a:br>
               <a:rPr lang="en-US" sz="2000" dirty="0"/>
             </a:br>
@@ -8875,7 +8266,7 @@
           <p:cNvPr id="12" name="Straight Connector 11">
             <a:extLst>
               <a:ext uri="{FF2B5EF4-FFF2-40B4-BE49-F238E27FC236}">
-                <a16:creationId xmlns:a16="http://schemas.microsoft.com/office/drawing/2014/main" xmlns="" id="{71DFCE63-524C-2572-CC90-858F9E4751C7}"/>
+                <a16:creationId xmlns:a16="http://schemas.microsoft.com/office/drawing/2014/main" id="{71DFCE63-524C-2572-CC90-858F9E4751C7}"/>
               </a:ext>
             </a:extLst>
           </p:cNvPr>
@@ -8914,7 +8305,7 @@
           <p:cNvPr id="5" name="Picture 4">
             <a:extLst>
               <a:ext uri="{FF2B5EF4-FFF2-40B4-BE49-F238E27FC236}">
-                <a16:creationId xmlns:a16="http://schemas.microsoft.com/office/drawing/2014/main" xmlns="" id="{136A5B46-99F0-1878-CAA5-1514D7F0E86E}"/>
+                <a16:creationId xmlns:a16="http://schemas.microsoft.com/office/drawing/2014/main" id="{136A5B46-99F0-1878-CAA5-1514D7F0E86E}"/>
               </a:ext>
             </a:extLst>
           </p:cNvPr>
@@ -8965,9 +8356,9 @@
 </file>
 
 <file path=ppt/theme/theme1.xml><?xml version="1.0" encoding="utf-8"?>
-<a:theme xmlns:a="http://schemas.openxmlformats.org/drawingml/2006/main" name="Gallery">
+<a:theme xmlns:a="http://schemas.openxmlformats.org/drawingml/2006/main" name="Office Theme">
   <a:themeElements>
-    <a:clrScheme name="Gallery">
+    <a:clrScheme name="Office Theme">
       <a:dk1>
         <a:sysClr val="windowText" lastClr="000000"/>
       </a:dk1>
@@ -8975,39 +8366,39 @@
         <a:sysClr val="window" lastClr="FFFFFF"/>
       </a:lt1>
       <a:dk2>
-        <a:srgbClr val="454545"/>
+        <a:srgbClr val="44546A"/>
       </a:dk2>
       <a:lt2>
-        <a:srgbClr val="DFDBD5"/>
+        <a:srgbClr val="E7E6E6"/>
       </a:lt2>
       <a:accent1>
-        <a:srgbClr val="B71E42"/>
+        <a:srgbClr val="4472C4"/>
       </a:accent1>
       <a:accent2>
-        <a:srgbClr val="DE478E"/>
+        <a:srgbClr val="ED7D31"/>
       </a:accent2>
       <a:accent3>
-        <a:srgbClr val="BC72F0"/>
+        <a:srgbClr val="A5A5A5"/>
       </a:accent3>
       <a:accent4>
-        <a:srgbClr val="795FAF"/>
+        <a:srgbClr val="FFC000"/>
       </a:accent4>
       <a:accent5>
-        <a:srgbClr val="586EA6"/>
+        <a:srgbClr val="5B9BD5"/>
       </a:accent5>
       <a:accent6>
-        <a:srgbClr val="6892A0"/>
+        <a:srgbClr val="70AD47"/>
       </a:accent6>
       <a:hlink>
-        <a:srgbClr val="FA2B5C"/>
+        <a:srgbClr val="0563C1"/>
       </a:hlink>
       <a:folHlink>
-        <a:srgbClr val="BC658E"/>
+        <a:srgbClr val="954F72"/>
       </a:folHlink>
     </a:clrScheme>
-    <a:fontScheme name="Gallery">
+    <a:fontScheme name="Office Theme">
       <a:majorFont>
-        <a:latin typeface="Gill Sans MT" panose="020B0502020104020203"/>
+        <a:latin typeface="Calibri Light" panose="020F0302020204030204"/>
         <a:ea typeface=""/>
         <a:cs typeface=""/>
         <a:font script="Jpan" typeface="游ゴシック Light"/>
@@ -9042,7 +8433,7 @@
         <a:font script="Geor" typeface="Sylfaen"/>
       </a:majorFont>
       <a:minorFont>
-        <a:latin typeface="Gill Sans MT" panose="020B0502020104020203"/>
+        <a:latin typeface="Calibri" panose="020F0502020204030204"/>
         <a:ea typeface=""/>
         <a:cs typeface=""/>
         <a:font script="Jpan" typeface="游ゴシック"/>
@@ -9077,7 +8468,7 @@
         <a:font script="Geor" typeface="Sylfaen"/>
       </a:minorFont>
     </a:fontScheme>
-    <a:fmtScheme name="Gallery">
+    <a:fmtScheme name="Office Theme">
       <a:fillStyleLst>
         <a:solidFill>
           <a:schemeClr val="phClr"/>
@@ -9086,18 +8477,23 @@
           <a:gsLst>
             <a:gs pos="0">
               <a:schemeClr val="phClr">
-                <a:tint val="54000"/>
-                <a:alpha val="100000"/>
+                <a:lumMod val="110000"/>
                 <a:satMod val="105000"/>
-                <a:lumMod val="110000"/>
+                <a:tint val="67000"/>
+              </a:schemeClr>
+            </a:gs>
+            <a:gs pos="50000">
+              <a:schemeClr val="phClr">
+                <a:lumMod val="105000"/>
+                <a:satMod val="103000"/>
+                <a:tint val="73000"/>
               </a:schemeClr>
             </a:gs>
             <a:gs pos="100000">
               <a:schemeClr val="phClr">
-                <a:tint val="78000"/>
-                <a:alpha val="92000"/>
+                <a:lumMod val="105000"/>
                 <a:satMod val="109000"/>
-                <a:lumMod val="100000"/>
+                <a:tint val="81000"/>
               </a:schemeClr>
             </a:gs>
           </a:gsLst>
@@ -9107,23 +8503,23 @@
           <a:gsLst>
             <a:gs pos="0">
               <a:schemeClr val="phClr">
-                <a:tint val="98000"/>
-                <a:satMod val="110000"/>
-                <a:lumMod val="104000"/>
+                <a:satMod val="103000"/>
+                <a:lumMod val="102000"/>
+                <a:tint val="94000"/>
               </a:schemeClr>
             </a:gs>
-            <a:gs pos="69000">
+            <a:gs pos="50000">
               <a:schemeClr val="phClr">
-                <a:shade val="88000"/>
-                <a:satMod val="130000"/>
-                <a:lumMod val="92000"/>
+                <a:satMod val="110000"/>
+                <a:lumMod val="100000"/>
+                <a:shade val="100000"/>
               </a:schemeClr>
             </a:gs>
             <a:gs pos="100000">
               <a:schemeClr val="phClr">
+                <a:lumMod val="99000"/>
+                <a:satMod val="120000"/>
                 <a:shade val="78000"/>
-                <a:satMod val="130000"/>
-                <a:lumMod val="92000"/>
               </a:schemeClr>
             </a:gs>
           </a:gsLst>
@@ -9131,23 +8527,26 @@
         </a:gradFill>
       </a:fillStyleLst>
       <a:lnStyleLst>
-        <a:ln w="9525" cap="flat" cmpd="sng" algn="ctr">
+        <a:ln w="6350" cap="flat" cmpd="sng" algn="ctr">
           <a:solidFill>
             <a:schemeClr val="phClr"/>
           </a:solidFill>
           <a:prstDash val="solid"/>
+          <a:miter lim="800000"/>
         </a:ln>
-        <a:ln w="15875" cap="flat" cmpd="sng" algn="ctr">
+        <a:ln w="12700" cap="flat" cmpd="sng" algn="ctr">
           <a:solidFill>
             <a:schemeClr val="phClr"/>
           </a:solidFill>
           <a:prstDash val="solid"/>
+          <a:miter lim="800000"/>
         </a:ln>
-        <a:ln w="22225" cap="flat" cmpd="sng" algn="ctr">
+        <a:ln w="19050" cap="flat" cmpd="sng" algn="ctr">
           <a:solidFill>
             <a:schemeClr val="phClr"/>
           </a:solidFill>
           <a:prstDash val="solid"/>
+          <a:miter lim="800000"/>
         </a:ln>
       </a:lnStyleLst>
       <a:effectStyleLst>
@@ -9159,23 +8558,12 @@
         </a:effectStyle>
         <a:effectStyle>
           <a:effectLst>
-            <a:outerShdw blurRad="50800" dist="50800" dir="5400000" sx="96000" sy="96000" rotWithShape="0">
+            <a:outerShdw blurRad="57150" dist="19050" dir="5400000" algn="ctr" rotWithShape="0">
               <a:srgbClr val="000000">
-                <a:alpha val="48000"/>
+                <a:alpha val="63000"/>
               </a:srgbClr>
             </a:outerShdw>
           </a:effectLst>
-          <a:scene3d>
-            <a:camera prst="orthographicFront">
-              <a:rot lat="0" lon="0" rev="0"/>
-            </a:camera>
-            <a:lightRig rig="balanced" dir="t">
-              <a:rot lat="0" lon="0" rev="1080000"/>
-            </a:lightRig>
-          </a:scene3d>
-          <a:sp3d>
-            <a:bevelT w="38100" h="12700" prst="softRound"/>
-          </a:sp3d>
         </a:effectStyle>
       </a:effectStyleLst>
       <a:bgFillStyleLst>
@@ -9183,26 +8571,37 @@
           <a:schemeClr val="phClr"/>
         </a:solidFill>
         <a:solidFill>
-          <a:schemeClr val="phClr"/>
+          <a:schemeClr val="phClr">
+            <a:tint val="95000"/>
+            <a:satMod val="170000"/>
+          </a:schemeClr>
         </a:solidFill>
         <a:gradFill rotWithShape="1">
           <a:gsLst>
             <a:gs pos="0">
               <a:schemeClr val="phClr">
-                <a:tint val="94000"/>
-                <a:satMod val="80000"/>
-                <a:lumMod val="106000"/>
+                <a:tint val="93000"/>
+                <a:satMod val="150000"/>
+                <a:shade val="98000"/>
+                <a:lumMod val="102000"/>
+              </a:schemeClr>
+            </a:gs>
+            <a:gs pos="50000">
+              <a:schemeClr val="phClr">
+                <a:tint val="98000"/>
+                <a:satMod val="130000"/>
+                <a:shade val="90000"/>
+                <a:lumMod val="103000"/>
               </a:schemeClr>
             </a:gs>
             <a:gs pos="100000">
               <a:schemeClr val="phClr">
-                <a:shade val="80000"/>
+                <a:shade val="63000"/>
+                <a:satMod val="120000"/>
               </a:schemeClr>
             </a:gs>
           </a:gsLst>
-          <a:path path="circle">
-            <a:fillToRect l="50000" t="50000" r="50000" b="50000"/>
-          </a:path>
+          <a:lin ang="5400000" scaled="0"/>
         </a:gradFill>
       </a:bgFillStyleLst>
     </a:fmtScheme>
@@ -9211,7 +8610,7 @@
   <a:extraClrSchemeLst/>
   <a:extLst>
     <a:ext uri="{05A4C25C-085E-4340-85A3-A5531E510DB2}">
-      <thm15:themeFamily xmlns:thm15="http://schemas.microsoft.com/office/thememl/2012/main" xmlns="" name="Gallery" id="{BBFCD31E-59A1-489D-B089-A3EAD7CAE12E}" vid="{F5E91637-A7B6-4E27-B710-77DA7014EE1E}"/>
+      <thm15:themeFamily xmlns:thm15="http://schemas.microsoft.com/office/thememl/2012/main" name="Office Theme" id="{62F939B6-93AF-4DB8-9C6B-D6C7DFDC589F}" vid="{4A3C46E8-61CC-4603-A589-7422A47A8E4A}"/>
     </a:ext>
   </a:extLst>
 </a:theme>
